--- a/Confluent cloud - aws.pptx
+++ b/Confluent cloud - aws.pptx
@@ -5,10 +5,10 @@
     <p:sldMasterId id="2147483672" r:id="rId1"/>
   </p:sldMasterIdLst>
   <p:notesMasterIdLst>
-    <p:notesMasterId r:id="rId8"/>
+    <p:notesMasterId r:id="rId11"/>
   </p:notesMasterIdLst>
   <p:handoutMasterIdLst>
-    <p:handoutMasterId r:id="rId9"/>
+    <p:handoutMasterId r:id="rId12"/>
   </p:handoutMasterIdLst>
   <p:sldIdLst>
     <p:sldId id="256" r:id="rId2"/>
@@ -16,7 +16,10 @@
     <p:sldId id="258" r:id="rId4"/>
     <p:sldId id="262" r:id="rId5"/>
     <p:sldId id="263" r:id="rId6"/>
-    <p:sldId id="260" r:id="rId7"/>
+    <p:sldId id="264" r:id="rId7"/>
+    <p:sldId id="266" r:id="rId8"/>
+    <p:sldId id="267" r:id="rId9"/>
+    <p:sldId id="260" r:id="rId10"/>
   </p:sldIdLst>
   <p:sldSz cx="12192000" cy="6858000"/>
   <p:notesSz cx="6858000" cy="9144000"/>
@@ -129,7 +132,7 @@
 <file path=ppt/revisionInfo.xml><?xml version="1.0" encoding="utf-8"?>
 <p1510:revInfo xmlns:a="http://schemas.openxmlformats.org/drawingml/2006/main" xmlns:r="http://schemas.openxmlformats.org/officeDocument/2006/relationships" xmlns:p1510="http://schemas.microsoft.com/office/powerpoint/2015/10/main">
   <p1510:revLst>
-    <p1510:client id="{22EC5F3F-A897-4A1C-9699-740AC7F20144}" v="19" dt="2025-07-05T22:36:45.524"/>
+    <p1510:client id="{22EC5F3F-A897-4A1C-9699-740AC7F20144}" v="51" dt="2025-07-05T22:54:28.525"/>
   </p1510:revLst>
 </p1510:revInfo>
 </file>
@@ -139,18 +142,18 @@
   <pc:docChgLst>
     <pc:chgData name="Víctor Manuel Sánchez Shapiama" userId="d0285befcd743167" providerId="LiveId" clId="{22EC5F3F-A897-4A1C-9699-740AC7F20144}"/>
     <pc:docChg chg="custSel addSld delSld modSld">
-      <pc:chgData name="Víctor Manuel Sánchez Shapiama" userId="d0285befcd743167" providerId="LiveId" clId="{22EC5F3F-A897-4A1C-9699-740AC7F20144}" dt="2025-07-05T22:36:45.524" v="56"/>
+      <pc:chgData name="Víctor Manuel Sánchez Shapiama" userId="d0285befcd743167" providerId="LiveId" clId="{22EC5F3F-A897-4A1C-9699-740AC7F20144}" dt="2025-07-05T22:56:37.121" v="112" actId="2696"/>
       <pc:docMkLst>
         <pc:docMk/>
       </pc:docMkLst>
       <pc:sldChg chg="addSp delSp modSp mod">
-        <pc:chgData name="Víctor Manuel Sánchez Shapiama" userId="d0285befcd743167" providerId="LiveId" clId="{22EC5F3F-A897-4A1C-9699-740AC7F20144}" dt="2025-07-05T22:27:28.323" v="37" actId="20577"/>
+        <pc:chgData name="Víctor Manuel Sánchez Shapiama" userId="d0285befcd743167" providerId="LiveId" clId="{22EC5F3F-A897-4A1C-9699-740AC7F20144}" dt="2025-07-05T22:47:15.985" v="62"/>
         <pc:sldMkLst>
           <pc:docMk/>
           <pc:sldMk cId="497607547" sldId="258"/>
         </pc:sldMkLst>
         <pc:spChg chg="mod">
-          <ac:chgData name="Víctor Manuel Sánchez Shapiama" userId="d0285befcd743167" providerId="LiveId" clId="{22EC5F3F-A897-4A1C-9699-740AC7F20144}" dt="2025-07-05T22:26:42.390" v="24"/>
+          <ac:chgData name="Víctor Manuel Sánchez Shapiama" userId="d0285befcd743167" providerId="LiveId" clId="{22EC5F3F-A897-4A1C-9699-740AC7F20144}" dt="2025-07-05T22:47:08.763" v="61"/>
           <ac:spMkLst>
             <pc:docMk/>
             <pc:sldMk cId="497607547" sldId="258"/>
@@ -158,7 +161,7 @@
           </ac:spMkLst>
         </pc:spChg>
         <pc:spChg chg="add mod">
-          <ac:chgData name="Víctor Manuel Sánchez Shapiama" userId="d0285befcd743167" providerId="LiveId" clId="{22EC5F3F-A897-4A1C-9699-740AC7F20144}" dt="2025-07-05T22:27:28.323" v="37" actId="20577"/>
+          <ac:chgData name="Víctor Manuel Sánchez Shapiama" userId="d0285befcd743167" providerId="LiveId" clId="{22EC5F3F-A897-4A1C-9699-740AC7F20144}" dt="2025-07-05T22:47:15.985" v="62"/>
           <ac:spMkLst>
             <pc:docMk/>
             <pc:sldMk cId="497607547" sldId="258"/>
@@ -198,7 +201,7 @@
         </pc:sldMkLst>
       </pc:sldChg>
       <pc:sldChg chg="addSp delSp modSp mod">
-        <pc:chgData name="Víctor Manuel Sánchez Shapiama" userId="d0285befcd743167" providerId="LiveId" clId="{22EC5F3F-A897-4A1C-9699-740AC7F20144}" dt="2025-07-05T22:33:31.795" v="41" actId="20577"/>
+        <pc:chgData name="Víctor Manuel Sánchez Shapiama" userId="d0285befcd743167" providerId="LiveId" clId="{22EC5F3F-A897-4A1C-9699-740AC7F20144}" dt="2025-07-05T22:46:58.268" v="60" actId="20577"/>
         <pc:sldMkLst>
           <pc:docMk/>
           <pc:sldMk cId="1703342593" sldId="261"/>
@@ -212,7 +215,7 @@
           </ac:spMkLst>
         </pc:spChg>
         <pc:spChg chg="add mod">
-          <ac:chgData name="Víctor Manuel Sánchez Shapiama" userId="d0285befcd743167" providerId="LiveId" clId="{22EC5F3F-A897-4A1C-9699-740AC7F20144}" dt="2025-07-05T22:33:31.795" v="41" actId="20577"/>
+          <ac:chgData name="Víctor Manuel Sánchez Shapiama" userId="d0285befcd743167" providerId="LiveId" clId="{22EC5F3F-A897-4A1C-9699-740AC7F20144}" dt="2025-07-05T22:46:58.268" v="60" actId="20577"/>
           <ac:spMkLst>
             <pc:docMk/>
             <pc:sldMk cId="1703342593" sldId="261"/>
@@ -229,13 +232,13 @@
         </pc:graphicFrameChg>
       </pc:sldChg>
       <pc:sldChg chg="modSp add mod">
-        <pc:chgData name="Víctor Manuel Sánchez Shapiama" userId="d0285befcd743167" providerId="LiveId" clId="{22EC5F3F-A897-4A1C-9699-740AC7F20144}" dt="2025-07-05T22:35:32.808" v="54" actId="20577"/>
+        <pc:chgData name="Víctor Manuel Sánchez Shapiama" userId="d0285befcd743167" providerId="LiveId" clId="{22EC5F3F-A897-4A1C-9699-740AC7F20144}" dt="2025-07-05T22:48:18.980" v="66"/>
         <pc:sldMkLst>
           <pc:docMk/>
           <pc:sldMk cId="1210781540" sldId="262"/>
         </pc:sldMkLst>
         <pc:spChg chg="mod">
-          <ac:chgData name="Víctor Manuel Sánchez Shapiama" userId="d0285befcd743167" providerId="LiveId" clId="{22EC5F3F-A897-4A1C-9699-740AC7F20144}" dt="2025-07-05T22:34:52.298" v="42"/>
+          <ac:chgData name="Víctor Manuel Sánchez Shapiama" userId="d0285befcd743167" providerId="LiveId" clId="{22EC5F3F-A897-4A1C-9699-740AC7F20144}" dt="2025-07-05T22:47:53.336" v="63"/>
           <ac:spMkLst>
             <pc:docMk/>
             <pc:sldMk cId="1210781540" sldId="262"/>
@@ -243,7 +246,7 @@
           </ac:spMkLst>
         </pc:spChg>
         <pc:spChg chg="mod">
-          <ac:chgData name="Víctor Manuel Sánchez Shapiama" userId="d0285befcd743167" providerId="LiveId" clId="{22EC5F3F-A897-4A1C-9699-740AC7F20144}" dt="2025-07-05T22:35:32.808" v="54" actId="20577"/>
+          <ac:chgData name="Víctor Manuel Sánchez Shapiama" userId="d0285befcd743167" providerId="LiveId" clId="{22EC5F3F-A897-4A1C-9699-740AC7F20144}" dt="2025-07-05T22:48:18.980" v="66"/>
           <ac:spMkLst>
             <pc:docMk/>
             <pc:sldMk cId="1210781540" sldId="262"/>
@@ -252,17 +255,149 @@
         </pc:spChg>
       </pc:sldChg>
       <pc:sldChg chg="modSp add">
-        <pc:chgData name="Víctor Manuel Sánchez Shapiama" userId="d0285befcd743167" providerId="LiveId" clId="{22EC5F3F-A897-4A1C-9699-740AC7F20144}" dt="2025-07-05T22:36:45.524" v="56"/>
+        <pc:chgData name="Víctor Manuel Sánchez Shapiama" userId="d0285befcd743167" providerId="LiveId" clId="{22EC5F3F-A897-4A1C-9699-740AC7F20144}" dt="2025-07-05T22:48:31.783" v="68"/>
         <pc:sldMkLst>
           <pc:docMk/>
           <pc:sldMk cId="3576548917" sldId="263"/>
         </pc:sldMkLst>
         <pc:spChg chg="mod">
-          <ac:chgData name="Víctor Manuel Sánchez Shapiama" userId="d0285befcd743167" providerId="LiveId" clId="{22EC5F3F-A897-4A1C-9699-740AC7F20144}" dt="2025-07-05T22:36:45.524" v="56"/>
+          <ac:chgData name="Víctor Manuel Sánchez Shapiama" userId="d0285befcd743167" providerId="LiveId" clId="{22EC5F3F-A897-4A1C-9699-740AC7F20144}" dt="2025-07-05T22:48:27.119" v="67"/>
           <ac:spMkLst>
             <pc:docMk/>
             <pc:sldMk cId="3576548917" sldId="263"/>
             <ac:spMk id="2" creationId="{FF197D37-5140-3EE4-A9E9-0EB21C2DCF51}"/>
+          </ac:spMkLst>
+        </pc:spChg>
+        <pc:spChg chg="mod">
+          <ac:chgData name="Víctor Manuel Sánchez Shapiama" userId="d0285befcd743167" providerId="LiveId" clId="{22EC5F3F-A897-4A1C-9699-740AC7F20144}" dt="2025-07-05T22:48:31.783" v="68"/>
+          <ac:spMkLst>
+            <pc:docMk/>
+            <pc:sldMk cId="3576548917" sldId="263"/>
+            <ac:spMk id="4" creationId="{B5D2980F-3B8A-AD96-72F0-310593A9E3F5}"/>
+          </ac:spMkLst>
+        </pc:spChg>
+      </pc:sldChg>
+      <pc:sldChg chg="modSp add mod">
+        <pc:chgData name="Víctor Manuel Sánchez Shapiama" userId="d0285befcd743167" providerId="LiveId" clId="{22EC5F3F-A897-4A1C-9699-740AC7F20144}" dt="2025-07-05T22:50:45.822" v="76" actId="14100"/>
+        <pc:sldMkLst>
+          <pc:docMk/>
+          <pc:sldMk cId="3566183588" sldId="264"/>
+        </pc:sldMkLst>
+        <pc:spChg chg="mod">
+          <ac:chgData name="Víctor Manuel Sánchez Shapiama" userId="d0285befcd743167" providerId="LiveId" clId="{22EC5F3F-A897-4A1C-9699-740AC7F20144}" dt="2025-07-05T22:50:19.918" v="70"/>
+          <ac:spMkLst>
+            <pc:docMk/>
+            <pc:sldMk cId="3566183588" sldId="264"/>
+            <ac:spMk id="2" creationId="{171E1F35-31AD-CE12-9E65-D61C012C3CF2}"/>
+          </ac:spMkLst>
+        </pc:spChg>
+        <pc:spChg chg="mod">
+          <ac:chgData name="Víctor Manuel Sánchez Shapiama" userId="d0285befcd743167" providerId="LiveId" clId="{22EC5F3F-A897-4A1C-9699-740AC7F20144}" dt="2025-07-05T22:50:45.822" v="76" actId="14100"/>
+          <ac:spMkLst>
+            <pc:docMk/>
+            <pc:sldMk cId="3566183588" sldId="264"/>
+            <ac:spMk id="4" creationId="{B1AAA8FB-D8F2-5C8B-7CA9-17D32BCB09BF}"/>
+          </ac:spMkLst>
+        </pc:spChg>
+      </pc:sldChg>
+      <pc:sldChg chg="addSp modSp add del mod">
+        <pc:chgData name="Víctor Manuel Sánchez Shapiama" userId="d0285befcd743167" providerId="LiveId" clId="{22EC5F3F-A897-4A1C-9699-740AC7F20144}" dt="2025-07-05T22:56:37.121" v="112" actId="2696"/>
+        <pc:sldMkLst>
+          <pc:docMk/>
+          <pc:sldMk cId="1164801720" sldId="265"/>
+        </pc:sldMkLst>
+        <pc:spChg chg="mod">
+          <ac:chgData name="Víctor Manuel Sánchez Shapiama" userId="d0285befcd743167" providerId="LiveId" clId="{22EC5F3F-A897-4A1C-9699-740AC7F20144}" dt="2025-07-05T22:50:58.016" v="78"/>
+          <ac:spMkLst>
+            <pc:docMk/>
+            <pc:sldMk cId="1164801720" sldId="265"/>
+            <ac:spMk id="2" creationId="{EF9045EC-4273-7131-8889-C0C733D457F6}"/>
+          </ac:spMkLst>
+        </pc:spChg>
+        <pc:spChg chg="add">
+          <ac:chgData name="Víctor Manuel Sánchez Shapiama" userId="d0285befcd743167" providerId="LiveId" clId="{22EC5F3F-A897-4A1C-9699-740AC7F20144}" dt="2025-07-05T22:51:20.648" v="79"/>
+          <ac:spMkLst>
+            <pc:docMk/>
+            <pc:sldMk cId="1164801720" sldId="265"/>
+            <ac:spMk id="3" creationId="{DC33BC77-9FF4-2121-68D5-42E71220FF47}"/>
+          </ac:spMkLst>
+        </pc:spChg>
+        <pc:spChg chg="mod">
+          <ac:chgData name="Víctor Manuel Sánchez Shapiama" userId="d0285befcd743167" providerId="LiveId" clId="{22EC5F3F-A897-4A1C-9699-740AC7F20144}" dt="2025-07-05T22:53:23.743" v="95" actId="15"/>
+          <ac:spMkLst>
+            <pc:docMk/>
+            <pc:sldMk cId="1164801720" sldId="265"/>
+            <ac:spMk id="4" creationId="{DABB3710-0C11-9194-9F3C-307C709854B1}"/>
+          </ac:spMkLst>
+        </pc:spChg>
+        <pc:spChg chg="add">
+          <ac:chgData name="Víctor Manuel Sánchez Shapiama" userId="d0285befcd743167" providerId="LiveId" clId="{22EC5F3F-A897-4A1C-9699-740AC7F20144}" dt="2025-07-05T22:51:26.479" v="80"/>
+          <ac:spMkLst>
+            <pc:docMk/>
+            <pc:sldMk cId="1164801720" sldId="265"/>
+            <ac:spMk id="5" creationId="{850FBE14-1DFC-E1C1-A8D2-BF0F754E8EB9}"/>
+          </ac:spMkLst>
+        </pc:spChg>
+        <pc:spChg chg="add">
+          <ac:chgData name="Víctor Manuel Sánchez Shapiama" userId="d0285befcd743167" providerId="LiveId" clId="{22EC5F3F-A897-4A1C-9699-740AC7F20144}" dt="2025-07-05T22:52:09.760" v="87"/>
+          <ac:spMkLst>
+            <pc:docMk/>
+            <pc:sldMk cId="1164801720" sldId="265"/>
+            <ac:spMk id="6" creationId="{0E06CD57-16FA-89FC-F15C-EEC8A790376E}"/>
+          </ac:spMkLst>
+        </pc:spChg>
+        <pc:spChg chg="add">
+          <ac:chgData name="Víctor Manuel Sánchez Shapiama" userId="d0285befcd743167" providerId="LiveId" clId="{22EC5F3F-A897-4A1C-9699-740AC7F20144}" dt="2025-07-05T22:52:24.395" v="89"/>
+          <ac:spMkLst>
+            <pc:docMk/>
+            <pc:sldMk cId="1164801720" sldId="265"/>
+            <ac:spMk id="7" creationId="{A886E287-20A2-9EFE-820A-713F0249899C}"/>
+          </ac:spMkLst>
+        </pc:spChg>
+        <pc:spChg chg="add">
+          <ac:chgData name="Víctor Manuel Sánchez Shapiama" userId="d0285befcd743167" providerId="LiveId" clId="{22EC5F3F-A897-4A1C-9699-740AC7F20144}" dt="2025-07-05T22:52:30.381" v="90"/>
+          <ac:spMkLst>
+            <pc:docMk/>
+            <pc:sldMk cId="1164801720" sldId="265"/>
+            <ac:spMk id="8" creationId="{2B653A77-298F-98F0-4AB6-6D998765E542}"/>
+          </ac:spMkLst>
+        </pc:spChg>
+        <pc:spChg chg="add">
+          <ac:chgData name="Víctor Manuel Sánchez Shapiama" userId="d0285befcd743167" providerId="LiveId" clId="{22EC5F3F-A897-4A1C-9699-740AC7F20144}" dt="2025-07-05T22:52:37" v="91"/>
+          <ac:spMkLst>
+            <pc:docMk/>
+            <pc:sldMk cId="1164801720" sldId="265"/>
+            <ac:spMk id="9" creationId="{66713028-58A7-E418-F618-FA77162BFD05}"/>
+          </ac:spMkLst>
+        </pc:spChg>
+      </pc:sldChg>
+      <pc:sldChg chg="modSp add mod">
+        <pc:chgData name="Víctor Manuel Sánchez Shapiama" userId="d0285befcd743167" providerId="LiveId" clId="{22EC5F3F-A897-4A1C-9699-740AC7F20144}" dt="2025-07-05T22:56:19.851" v="111" actId="113"/>
+        <pc:sldMkLst>
+          <pc:docMk/>
+          <pc:sldMk cId="3043210371" sldId="266"/>
+        </pc:sldMkLst>
+        <pc:spChg chg="mod">
+          <ac:chgData name="Víctor Manuel Sánchez Shapiama" userId="d0285befcd743167" providerId="LiveId" clId="{22EC5F3F-A897-4A1C-9699-740AC7F20144}" dt="2025-07-05T22:56:19.851" v="111" actId="113"/>
+          <ac:spMkLst>
+            <pc:docMk/>
+            <pc:sldMk cId="3043210371" sldId="266"/>
+            <ac:spMk id="4" creationId="{4D5A9877-E82D-866B-C924-6B65579DF15F}"/>
+          </ac:spMkLst>
+        </pc:spChg>
+      </pc:sldChg>
+      <pc:sldChg chg="modSp add mod">
+        <pc:chgData name="Víctor Manuel Sánchez Shapiama" userId="d0285befcd743167" providerId="LiveId" clId="{22EC5F3F-A897-4A1C-9699-740AC7F20144}" dt="2025-07-05T22:55:55.130" v="108" actId="113"/>
+        <pc:sldMkLst>
+          <pc:docMk/>
+          <pc:sldMk cId="2519522847" sldId="267"/>
+        </pc:sldMkLst>
+        <pc:spChg chg="mod">
+          <ac:chgData name="Víctor Manuel Sánchez Shapiama" userId="d0285befcd743167" providerId="LiveId" clId="{22EC5F3F-A897-4A1C-9699-740AC7F20144}" dt="2025-07-05T22:55:55.130" v="108" actId="113"/>
+          <ac:spMkLst>
+            <pc:docMk/>
+            <pc:sldMk cId="2519522847" sldId="267"/>
+            <ac:spMk id="4" creationId="{63592807-91BC-1529-C674-AB47DF7971CF}"/>
           </ac:spMkLst>
         </pc:spChg>
       </pc:sldChg>
@@ -1300,6 +1435,333 @@
   <p:cSld>
     <p:spTree>
       <p:nvGrpSpPr>
+        <p:cNvPr id="1" name="">
+          <a:extLst>
+            <a:ext uri="{FF2B5EF4-FFF2-40B4-BE49-F238E27FC236}">
+              <a16:creationId xmlns:a16="http://schemas.microsoft.com/office/drawing/2014/main" id="{518022AA-5D76-700A-D7D2-EC696A4CD1CF}"/>
+            </a:ext>
+          </a:extLst>
+        </p:cNvPr>
+        <p:cNvGrpSpPr/>
+        <p:nvPr/>
+      </p:nvGrpSpPr>
+      <p:grpSpPr>
+        <a:xfrm>
+          <a:off x="0" y="0"/>
+          <a:ext cx="0" cy="0"/>
+          <a:chOff x="0" y="0"/>
+          <a:chExt cx="0" cy="0"/>
+        </a:xfrm>
+      </p:grpSpPr>
+      <p:sp>
+        <p:nvSpPr>
+          <p:cNvPr id="2" name="Marcador de imagen de diapositiva 1">
+            <a:extLst>
+              <a:ext uri="{FF2B5EF4-FFF2-40B4-BE49-F238E27FC236}">
+                <a16:creationId xmlns:a16="http://schemas.microsoft.com/office/drawing/2014/main" id="{A7A76561-AF2E-14C2-9AC5-D10108C1A1FB}"/>
+              </a:ext>
+            </a:extLst>
+          </p:cNvPr>
+          <p:cNvSpPr>
+            <a:spLocks noGrp="1" noRot="1" noChangeAspect="1"/>
+          </p:cNvSpPr>
+          <p:nvPr>
+            <p:ph type="sldImg"/>
+          </p:nvPr>
+        </p:nvSpPr>
+        <p:spPr/>
+      </p:sp>
+      <p:sp>
+        <p:nvSpPr>
+          <p:cNvPr id="3" name="Marcador de notas 2">
+            <a:extLst>
+              <a:ext uri="{FF2B5EF4-FFF2-40B4-BE49-F238E27FC236}">
+                <a16:creationId xmlns:a16="http://schemas.microsoft.com/office/drawing/2014/main" id="{D8EB4191-49A5-1FF8-F12E-FE059BB34435}"/>
+              </a:ext>
+            </a:extLst>
+          </p:cNvPr>
+          <p:cNvSpPr>
+            <a:spLocks noGrp="1"/>
+          </p:cNvSpPr>
+          <p:nvPr>
+            <p:ph type="body" idx="1"/>
+          </p:nvPr>
+        </p:nvSpPr>
+        <p:spPr/>
+        <p:txBody>
+          <a:bodyPr/>
+          <a:lstStyle/>
+          <a:p>
+            <a:endParaRPr lang="es-ES"/>
+          </a:p>
+        </p:txBody>
+      </p:sp>
+      <p:sp>
+        <p:nvSpPr>
+          <p:cNvPr id="4" name="Marcador de número de diapositiva 3">
+            <a:extLst>
+              <a:ext uri="{FF2B5EF4-FFF2-40B4-BE49-F238E27FC236}">
+                <a16:creationId xmlns:a16="http://schemas.microsoft.com/office/drawing/2014/main" id="{13AFA967-A544-5A97-A330-4C510F213CC2}"/>
+              </a:ext>
+            </a:extLst>
+          </p:cNvPr>
+          <p:cNvSpPr>
+            <a:spLocks noGrp="1"/>
+          </p:cNvSpPr>
+          <p:nvPr>
+            <p:ph type="sldNum" sz="quarter" idx="5"/>
+          </p:nvPr>
+        </p:nvSpPr>
+        <p:spPr/>
+        <p:txBody>
+          <a:bodyPr/>
+          <a:lstStyle/>
+          <a:p>
+            <a:pPr rtl="0"/>
+            <a:fld id="{C6B3AB32-59DF-41F1-9618-EDFBF5049629}" type="slidenum">
+              <a:rPr lang="es-ES" smtClean="0"/>
+              <a:t>6</a:t>
+            </a:fld>
+            <a:endParaRPr lang="es-ES"/>
+          </a:p>
+        </p:txBody>
+      </p:sp>
+    </p:spTree>
+    <p:extLst>
+      <p:ext uri="{BB962C8B-B14F-4D97-AF65-F5344CB8AC3E}">
+        <p14:creationId xmlns:p14="http://schemas.microsoft.com/office/powerpoint/2010/main" val="2835593071"/>
+      </p:ext>
+    </p:extLst>
+  </p:cSld>
+  <p:clrMapOvr>
+    <a:masterClrMapping/>
+  </p:clrMapOvr>
+</p:notes>
+</file>
+
+<file path=ppt/notesSlides/notesSlide7.xml><?xml version="1.0" encoding="utf-8"?>
+<p:notes xmlns:a="http://schemas.openxmlformats.org/drawingml/2006/main" xmlns:r="http://schemas.openxmlformats.org/officeDocument/2006/relationships" xmlns:p="http://schemas.openxmlformats.org/presentationml/2006/main">
+  <p:cSld>
+    <p:spTree>
+      <p:nvGrpSpPr>
+        <p:cNvPr id="1" name="">
+          <a:extLst>
+            <a:ext uri="{FF2B5EF4-FFF2-40B4-BE49-F238E27FC236}">
+              <a16:creationId xmlns:a16="http://schemas.microsoft.com/office/drawing/2014/main" id="{8C8FF16D-FFC7-7A3C-B118-F7E284975601}"/>
+            </a:ext>
+          </a:extLst>
+        </p:cNvPr>
+        <p:cNvGrpSpPr/>
+        <p:nvPr/>
+      </p:nvGrpSpPr>
+      <p:grpSpPr>
+        <a:xfrm>
+          <a:off x="0" y="0"/>
+          <a:ext cx="0" cy="0"/>
+          <a:chOff x="0" y="0"/>
+          <a:chExt cx="0" cy="0"/>
+        </a:xfrm>
+      </p:grpSpPr>
+      <p:sp>
+        <p:nvSpPr>
+          <p:cNvPr id="2" name="Marcador de imagen de diapositiva 1">
+            <a:extLst>
+              <a:ext uri="{FF2B5EF4-FFF2-40B4-BE49-F238E27FC236}">
+                <a16:creationId xmlns:a16="http://schemas.microsoft.com/office/drawing/2014/main" id="{273E921A-8620-6F10-6CEE-DDB53A08A136}"/>
+              </a:ext>
+            </a:extLst>
+          </p:cNvPr>
+          <p:cNvSpPr>
+            <a:spLocks noGrp="1" noRot="1" noChangeAspect="1"/>
+          </p:cNvSpPr>
+          <p:nvPr>
+            <p:ph type="sldImg"/>
+          </p:nvPr>
+        </p:nvSpPr>
+        <p:spPr/>
+      </p:sp>
+      <p:sp>
+        <p:nvSpPr>
+          <p:cNvPr id="3" name="Marcador de notas 2">
+            <a:extLst>
+              <a:ext uri="{FF2B5EF4-FFF2-40B4-BE49-F238E27FC236}">
+                <a16:creationId xmlns:a16="http://schemas.microsoft.com/office/drawing/2014/main" id="{D82913E5-5961-C6A4-60B3-40E230AB107B}"/>
+              </a:ext>
+            </a:extLst>
+          </p:cNvPr>
+          <p:cNvSpPr>
+            <a:spLocks noGrp="1"/>
+          </p:cNvSpPr>
+          <p:nvPr>
+            <p:ph type="body" idx="1"/>
+          </p:nvPr>
+        </p:nvSpPr>
+        <p:spPr/>
+        <p:txBody>
+          <a:bodyPr/>
+          <a:lstStyle/>
+          <a:p>
+            <a:endParaRPr lang="es-ES"/>
+          </a:p>
+        </p:txBody>
+      </p:sp>
+      <p:sp>
+        <p:nvSpPr>
+          <p:cNvPr id="4" name="Marcador de número de diapositiva 3">
+            <a:extLst>
+              <a:ext uri="{FF2B5EF4-FFF2-40B4-BE49-F238E27FC236}">
+                <a16:creationId xmlns:a16="http://schemas.microsoft.com/office/drawing/2014/main" id="{DABBFC90-AAAF-E5FC-558E-09E82325AF6D}"/>
+              </a:ext>
+            </a:extLst>
+          </p:cNvPr>
+          <p:cNvSpPr>
+            <a:spLocks noGrp="1"/>
+          </p:cNvSpPr>
+          <p:nvPr>
+            <p:ph type="sldNum" sz="quarter" idx="5"/>
+          </p:nvPr>
+        </p:nvSpPr>
+        <p:spPr/>
+        <p:txBody>
+          <a:bodyPr/>
+          <a:lstStyle/>
+          <a:p>
+            <a:pPr rtl="0"/>
+            <a:fld id="{C6B3AB32-59DF-41F1-9618-EDFBF5049629}" type="slidenum">
+              <a:rPr lang="es-ES" smtClean="0"/>
+              <a:t>7</a:t>
+            </a:fld>
+            <a:endParaRPr lang="es-ES"/>
+          </a:p>
+        </p:txBody>
+      </p:sp>
+    </p:spTree>
+    <p:extLst>
+      <p:ext uri="{BB962C8B-B14F-4D97-AF65-F5344CB8AC3E}">
+        <p14:creationId xmlns:p14="http://schemas.microsoft.com/office/powerpoint/2010/main" val="922301869"/>
+      </p:ext>
+    </p:extLst>
+  </p:cSld>
+  <p:clrMapOvr>
+    <a:masterClrMapping/>
+  </p:clrMapOvr>
+</p:notes>
+</file>
+
+<file path=ppt/notesSlides/notesSlide8.xml><?xml version="1.0" encoding="utf-8"?>
+<p:notes xmlns:a="http://schemas.openxmlformats.org/drawingml/2006/main" xmlns:r="http://schemas.openxmlformats.org/officeDocument/2006/relationships" xmlns:p="http://schemas.openxmlformats.org/presentationml/2006/main">
+  <p:cSld>
+    <p:spTree>
+      <p:nvGrpSpPr>
+        <p:cNvPr id="1" name="">
+          <a:extLst>
+            <a:ext uri="{FF2B5EF4-FFF2-40B4-BE49-F238E27FC236}">
+              <a16:creationId xmlns:a16="http://schemas.microsoft.com/office/drawing/2014/main" id="{AC56A392-513E-4E32-11CF-24FE482C7255}"/>
+            </a:ext>
+          </a:extLst>
+        </p:cNvPr>
+        <p:cNvGrpSpPr/>
+        <p:nvPr/>
+      </p:nvGrpSpPr>
+      <p:grpSpPr>
+        <a:xfrm>
+          <a:off x="0" y="0"/>
+          <a:ext cx="0" cy="0"/>
+          <a:chOff x="0" y="0"/>
+          <a:chExt cx="0" cy="0"/>
+        </a:xfrm>
+      </p:grpSpPr>
+      <p:sp>
+        <p:nvSpPr>
+          <p:cNvPr id="2" name="Marcador de imagen de diapositiva 1">
+            <a:extLst>
+              <a:ext uri="{FF2B5EF4-FFF2-40B4-BE49-F238E27FC236}">
+                <a16:creationId xmlns:a16="http://schemas.microsoft.com/office/drawing/2014/main" id="{1B14E89C-9DD3-A511-EDEF-A3D21600DEEA}"/>
+              </a:ext>
+            </a:extLst>
+          </p:cNvPr>
+          <p:cNvSpPr>
+            <a:spLocks noGrp="1" noRot="1" noChangeAspect="1"/>
+          </p:cNvSpPr>
+          <p:nvPr>
+            <p:ph type="sldImg"/>
+          </p:nvPr>
+        </p:nvSpPr>
+        <p:spPr/>
+      </p:sp>
+      <p:sp>
+        <p:nvSpPr>
+          <p:cNvPr id="3" name="Marcador de notas 2">
+            <a:extLst>
+              <a:ext uri="{FF2B5EF4-FFF2-40B4-BE49-F238E27FC236}">
+                <a16:creationId xmlns:a16="http://schemas.microsoft.com/office/drawing/2014/main" id="{BEF44719-7F3E-695A-4757-69186CC76BEA}"/>
+              </a:ext>
+            </a:extLst>
+          </p:cNvPr>
+          <p:cNvSpPr>
+            <a:spLocks noGrp="1"/>
+          </p:cNvSpPr>
+          <p:nvPr>
+            <p:ph type="body" idx="1"/>
+          </p:nvPr>
+        </p:nvSpPr>
+        <p:spPr/>
+        <p:txBody>
+          <a:bodyPr/>
+          <a:lstStyle/>
+          <a:p>
+            <a:endParaRPr lang="es-ES"/>
+          </a:p>
+        </p:txBody>
+      </p:sp>
+      <p:sp>
+        <p:nvSpPr>
+          <p:cNvPr id="4" name="Marcador de número de diapositiva 3">
+            <a:extLst>
+              <a:ext uri="{FF2B5EF4-FFF2-40B4-BE49-F238E27FC236}">
+                <a16:creationId xmlns:a16="http://schemas.microsoft.com/office/drawing/2014/main" id="{8C662CC9-2307-D0B2-F9FE-696DFA3AF230}"/>
+              </a:ext>
+            </a:extLst>
+          </p:cNvPr>
+          <p:cNvSpPr>
+            <a:spLocks noGrp="1"/>
+          </p:cNvSpPr>
+          <p:nvPr>
+            <p:ph type="sldNum" sz="quarter" idx="5"/>
+          </p:nvPr>
+        </p:nvSpPr>
+        <p:spPr/>
+        <p:txBody>
+          <a:bodyPr/>
+          <a:lstStyle/>
+          <a:p>
+            <a:pPr rtl="0"/>
+            <a:fld id="{C6B3AB32-59DF-41F1-9618-EDFBF5049629}" type="slidenum">
+              <a:rPr lang="es-ES" smtClean="0"/>
+              <a:t>8</a:t>
+            </a:fld>
+            <a:endParaRPr lang="es-ES"/>
+          </a:p>
+        </p:txBody>
+      </p:sp>
+    </p:spTree>
+    <p:extLst>
+      <p:ext uri="{BB962C8B-B14F-4D97-AF65-F5344CB8AC3E}">
+        <p14:creationId xmlns:p14="http://schemas.microsoft.com/office/powerpoint/2010/main" val="1758665479"/>
+      </p:ext>
+    </p:extLst>
+  </p:cSld>
+  <p:clrMapOvr>
+    <a:masterClrMapping/>
+  </p:clrMapOvr>
+</p:notes>
+</file>
+
+<file path=ppt/notesSlides/notesSlide9.xml><?xml version="1.0" encoding="utf-8"?>
+<p:notes xmlns:a="http://schemas.openxmlformats.org/drawingml/2006/main" xmlns:r="http://schemas.openxmlformats.org/officeDocument/2006/relationships" xmlns:p="http://schemas.openxmlformats.org/presentationml/2006/main">
+  <p:cSld>
+    <p:spTree>
+      <p:nvGrpSpPr>
         <p:cNvPr id="1" name=""/>
         <p:cNvGrpSpPr/>
         <p:nvPr/>
@@ -1362,7 +1824,7 @@
             <a:pPr rtl="0"/>
             <a:fld id="{C6B3AB32-59DF-41F1-9618-EDFBF5049629}" type="slidenum">
               <a:rPr lang="es-ES" smtClean="0"/>
-              <a:t>6</a:t>
+              <a:t>9</a:t>
             </a:fld>
             <a:endParaRPr lang="es-ES"/>
           </a:p>
@@ -5643,24 +6105,12 @@
               <a:buNone/>
             </a:pPr>
             <a:r>
-              <a:rPr lang="es-PE" b="1" dirty="0" err="1"/>
+              <a:rPr lang="es-ES" dirty="0" err="1"/>
               <a:t>Confluent</a:t>
             </a:r>
             <a:r>
-              <a:rPr lang="es-PE" b="1" dirty="0"/>
-              <a:t> Cloud </a:t>
-            </a:r>
-            <a:r>
               <a:rPr lang="es-ES" dirty="0"/>
-              <a:t>es una plataforma SaaS (Software as a </a:t>
-            </a:r>
-            <a:r>
-              <a:rPr lang="es-ES" dirty="0" err="1"/>
-              <a:t>Service</a:t>
-            </a:r>
-            <a:r>
-              <a:rPr lang="es-ES" dirty="0"/>
-              <a:t>) completamente gestionada para </a:t>
+              <a:t> es una plataforma de </a:t>
             </a:r>
             <a:r>
               <a:rPr lang="es-ES" dirty="0" err="1"/>
@@ -5668,43 +6118,51 @@
             </a:r>
             <a:r>
               <a:rPr lang="es-ES" dirty="0"/>
-              <a:t> de datos en tiempo real, basada en Apache Kafka</a:t>
-            </a:r>
-          </a:p>
-          <a:p>
-            <a:pPr marL="0" indent="0">
-              <a:buNone/>
-            </a:pPr>
-            <a:r>
-              <a:rPr lang="es-PE" b="1" dirty="0"/>
-              <a:t>Características Principales</a:t>
-            </a:r>
-            <a:endParaRPr lang="es-PE" dirty="0"/>
-          </a:p>
-          <a:p>
-            <a:r>
-              <a:rPr lang="es-PE" b="1" dirty="0"/>
-              <a:t>Escalabilidad automática</a:t>
-            </a:r>
-          </a:p>
-          <a:p>
-            <a:r>
-              <a:rPr lang="es-PE" b="1" dirty="0"/>
-              <a:t>Alta disponibilidad (</a:t>
-            </a:r>
-            <a:r>
-              <a:rPr lang="es-PE" dirty="0"/>
-              <a:t>99.9% SLA garantizado)</a:t>
-            </a:r>
-          </a:p>
-          <a:p>
-            <a:r>
-              <a:rPr lang="es-PE" b="1" dirty="0"/>
-              <a:t>Seguridad empresarial (</a:t>
-            </a:r>
-            <a:r>
-              <a:rPr lang="es-PE" dirty="0"/>
-              <a:t>Encriptación, autenticación, autorización)</a:t>
+              <a:t> de datos basada en Apache Kafka que permite:</a:t>
+            </a:r>
+          </a:p>
+          <a:p>
+            <a:r>
+              <a:rPr lang="es-ES" b="1" dirty="0" err="1"/>
+              <a:t>Streaming</a:t>
+            </a:r>
+            <a:r>
+              <a:rPr lang="es-ES" b="1" dirty="0"/>
+              <a:t> en tiempo real</a:t>
+            </a:r>
+            <a:r>
+              <a:rPr lang="es-ES" dirty="0"/>
+              <a:t>: Procesar datos mientras se generan</a:t>
+            </a:r>
+          </a:p>
+          <a:p>
+            <a:r>
+              <a:rPr lang="es-ES" b="1" dirty="0"/>
+              <a:t>Escalabilidad</a:t>
+            </a:r>
+            <a:r>
+              <a:rPr lang="es-ES" dirty="0"/>
+              <a:t>: Manejar millones de mensajes por segundo</a:t>
+            </a:r>
+          </a:p>
+          <a:p>
+            <a:r>
+              <a:rPr lang="es-ES" b="1" dirty="0"/>
+              <a:t>Durabilidad</a:t>
+            </a:r>
+            <a:r>
+              <a:rPr lang="es-ES" dirty="0"/>
+              <a:t>: Los datos se almacenan de forma persistente</a:t>
+            </a:r>
+          </a:p>
+          <a:p>
+            <a:r>
+              <a:rPr lang="es-ES" b="1" dirty="0"/>
+              <a:t>Integración</a:t>
+            </a:r>
+            <a:r>
+              <a:rPr lang="es-ES" dirty="0"/>
+              <a:t>: Conectores para múltiples sistemas</a:t>
             </a:r>
           </a:p>
           <a:p>
@@ -5771,9 +6229,8 @@
           <a:p>
             <a:r>
               <a:rPr lang="es-PE" b="1" dirty="0"/>
-              <a:t>Casos de Uso Principales</a:t>
-            </a:r>
-            <a:endParaRPr lang="es-PE" dirty="0"/>
+              <a:t>Componentes Principales</a:t>
+            </a:r>
           </a:p>
         </p:txBody>
       </p:sp>
@@ -5804,49 +6261,71 @@
           <a:lstStyle/>
           <a:p>
             <a:r>
-              <a:rPr lang="es-PE" b="1" dirty="0"/>
-              <a:t>Integración de sistemas distribuidos</a:t>
-            </a:r>
-          </a:p>
-          <a:p>
-            <a:r>
               <a:rPr lang="es-ES" b="1" dirty="0" err="1"/>
-              <a:t>Analytics</a:t>
+              <a:t>Topics</a:t>
+            </a:r>
+            <a:r>
+              <a:rPr lang="es-ES" dirty="0"/>
+              <a:t>: Canales donde se publican los datos</a:t>
+            </a:r>
+          </a:p>
+          <a:p>
+            <a:r>
+              <a:rPr lang="es-ES" b="1" dirty="0" err="1"/>
+              <a:t>Producers</a:t>
+            </a:r>
+            <a:r>
+              <a:rPr lang="es-ES" dirty="0"/>
+              <a:t>: Aplicaciones que envían datos a los </a:t>
+            </a:r>
+            <a:r>
+              <a:rPr lang="es-ES" dirty="0" err="1"/>
+              <a:t>topics</a:t>
+            </a:r>
+            <a:endParaRPr lang="es-ES" dirty="0"/>
+          </a:p>
+          <a:p>
+            <a:r>
+              <a:rPr lang="es-ES" b="1" dirty="0" err="1"/>
+              <a:t>Consumers</a:t>
+            </a:r>
+            <a:r>
+              <a:rPr lang="es-ES" dirty="0"/>
+              <a:t>: Aplicaciones que leen datos de los </a:t>
+            </a:r>
+            <a:r>
+              <a:rPr lang="es-ES" dirty="0" err="1"/>
+              <a:t>topics</a:t>
+            </a:r>
+            <a:endParaRPr lang="es-ES" dirty="0"/>
+          </a:p>
+          <a:p>
+            <a:r>
+              <a:rPr lang="es-ES" b="1" dirty="0" err="1"/>
+              <a:t>Brokers</a:t>
+            </a:r>
+            <a:r>
+              <a:rPr lang="es-ES" dirty="0"/>
+              <a:t>: Servidores que almacenan y distribuyen los datos</a:t>
+            </a:r>
+          </a:p>
+          <a:p>
+            <a:r>
+              <a:rPr lang="es-ES" b="1" dirty="0" err="1"/>
+              <a:t>Schema</a:t>
             </a:r>
             <a:r>
               <a:rPr lang="es-ES" b="1" dirty="0"/>
-              <a:t> y métricas en vivo</a:t>
-            </a:r>
-            <a:endParaRPr lang="es-ES" dirty="0"/>
-          </a:p>
-          <a:p>
-            <a:r>
-              <a:rPr lang="es-PE" b="1" dirty="0"/>
-              <a:t>Alertas y notificaciones automáticas</a:t>
-            </a:r>
-            <a:endParaRPr lang="es-PE" dirty="0"/>
-          </a:p>
-          <a:p>
-            <a:r>
-              <a:rPr lang="es-PE" b="1" dirty="0"/>
-              <a:t>Arquitecturas </a:t>
-            </a:r>
-            <a:r>
-              <a:rPr lang="es-PE" b="1" dirty="0" err="1"/>
-              <a:t>event-driven</a:t>
-            </a:r>
-            <a:endParaRPr lang="es-PE" dirty="0"/>
-          </a:p>
-          <a:p>
+              <a:t> </a:t>
+            </a:r>
             <a:r>
               <a:rPr lang="es-ES" b="1" dirty="0" err="1"/>
-              <a:t>Streaming</a:t>
-            </a:r>
-            <a:r>
-              <a:rPr lang="es-ES" b="1" dirty="0"/>
-              <a:t> de datos en tiempo real</a:t>
-            </a:r>
-            <a:endParaRPr lang="es-ES" dirty="0"/>
+              <a:t>Registry</a:t>
+            </a:r>
+            <a:r>
+              <a:rPr lang="es-ES" dirty="0"/>
+              <a:t>: Gestiona los esquemas de datos</a:t>
+            </a:r>
           </a:p>
         </p:txBody>
       </p:sp>
@@ -5909,13 +6388,16 @@
           <a:p>
             <a:r>
               <a:rPr lang="es-PE" b="1" dirty="0"/>
-              <a:t>Demo: Aplicación AWS-</a:t>
+              <a:t>¿Qué son los TOPICS en </a:t>
             </a:r>
             <a:r>
               <a:rPr lang="es-PE" b="1" dirty="0" err="1"/>
               <a:t>Confluent</a:t>
             </a:r>
-            <a:endParaRPr lang="es-PE" dirty="0"/>
+            <a:r>
+              <a:rPr lang="es-PE" b="1" dirty="0"/>
+              <a:t>/Kafka?</a:t>
+            </a:r>
           </a:p>
         </p:txBody>
       </p:sp>
@@ -5946,42 +6428,24 @@
           <a:lstStyle/>
           <a:p>
             <a:r>
-              <a:rPr lang="es-PE" b="1" dirty="0"/>
-              <a:t>Objetivo de la Demo</a:t>
-            </a:r>
-          </a:p>
-          <a:p>
-            <a:r>
               <a:rPr lang="es-ES" dirty="0"/>
-              <a:t>Demostrar cómo </a:t>
+              <a:t>Los </a:t>
             </a:r>
             <a:r>
               <a:rPr lang="es-ES" b="1" dirty="0" err="1"/>
+              <a:t>Topics</a:t>
+            </a:r>
+            <a:r>
+              <a:rPr lang="es-ES" dirty="0"/>
+              <a:t> son la unidad fundamental de organización de datos en Kafka/</a:t>
+            </a:r>
+            <a:r>
+              <a:rPr lang="es-ES" dirty="0" err="1"/>
               <a:t>Confluent</a:t>
             </a:r>
             <a:r>
-              <a:rPr lang="es-ES" b="1" dirty="0"/>
-              <a:t> Cloud</a:t>
-            </a:r>
-            <a:r>
               <a:rPr lang="es-ES" dirty="0"/>
-              <a:t> se integra con </a:t>
-            </a:r>
-            <a:r>
-              <a:rPr lang="es-ES" b="1" dirty="0"/>
-              <a:t>AWS</a:t>
-            </a:r>
-            <a:r>
-              <a:rPr lang="es-ES" dirty="0"/>
-              <a:t> para crear una solución completa de </a:t>
-            </a:r>
-            <a:r>
-              <a:rPr lang="es-ES" dirty="0" err="1"/>
-              <a:t>streaming</a:t>
-            </a:r>
-            <a:r>
-              <a:rPr lang="es-ES" dirty="0"/>
-              <a:t> de datos que procesa eventos en tiempo real.</a:t>
+              <a:t>. Son como "canales" o "categorías" donde se almacenan y organizan los mensajes.</a:t>
             </a:r>
           </a:p>
           <a:p>
@@ -6048,9 +6512,13 @@
           <a:p>
             <a:r>
               <a:rPr lang="es-PE" b="1" dirty="0"/>
-              <a:t>Flujo de la Demo</a:t>
-            </a:r>
-            <a:endParaRPr lang="es-PE" dirty="0"/>
+              <a:t>Características de los </a:t>
+            </a:r>
+            <a:r>
+              <a:rPr lang="es-PE" b="1" dirty="0" err="1"/>
+              <a:t>Topics</a:t>
+            </a:r>
+            <a:endParaRPr lang="es-PE" b="1" dirty="0"/>
           </a:p>
         </p:txBody>
       </p:sp>
@@ -6081,42 +6549,73 @@
           <a:lstStyle/>
           <a:p>
             <a:r>
-              <a:rPr lang="es-PE" b="1" dirty="0"/>
-              <a:t>Objetivo de la Demo</a:t>
-            </a:r>
-          </a:p>
-          <a:p>
+              <a:rPr lang="es-ES" b="1" dirty="0"/>
+              <a:t>Nombre único</a:t>
+            </a:r>
             <a:r>
               <a:rPr lang="es-ES" dirty="0"/>
-              <a:t>Demostrar cómo </a:t>
-            </a:r>
-            <a:r>
-              <a:rPr lang="es-ES" b="1" dirty="0" err="1"/>
-              <a:t>Confluent</a:t>
-            </a:r>
+              <a:t>: Cada </a:t>
+            </a:r>
+            <a:r>
+              <a:rPr lang="es-ES" dirty="0" err="1"/>
+              <a:t>topic</a:t>
+            </a:r>
+            <a:r>
+              <a:rPr lang="es-ES" dirty="0"/>
+              <a:t> tiene un identificador único en el </a:t>
+            </a:r>
+            <a:r>
+              <a:rPr lang="es-ES" dirty="0" err="1"/>
+              <a:t>cluster</a:t>
+            </a:r>
+            <a:endParaRPr lang="es-ES" dirty="0"/>
+          </a:p>
+          <a:p>
             <a:r>
               <a:rPr lang="es-ES" b="1" dirty="0"/>
-              <a:t> Cloud</a:t>
+              <a:t>Particionado</a:t>
             </a:r>
             <a:r>
               <a:rPr lang="es-ES" dirty="0"/>
-              <a:t> se integra con </a:t>
-            </a:r>
+              <a:t>: Se dividen en particiones para escalabilidad</a:t>
+            </a:r>
+          </a:p>
+          <a:p>
             <a:r>
               <a:rPr lang="es-ES" b="1" dirty="0"/>
-              <a:t>AWS</a:t>
+              <a:t>Ordenamiento</a:t>
             </a:r>
             <a:r>
               <a:rPr lang="es-ES" dirty="0"/>
-              <a:t> para crear una solución completa de </a:t>
+              <a:t>: Los mensajes dentro de una partición mantienen orden</a:t>
+            </a:r>
+          </a:p>
+          <a:p>
+            <a:r>
+              <a:rPr lang="es-ES" b="1" dirty="0"/>
+              <a:t>Persistencia</a:t>
+            </a:r>
+            <a:r>
+              <a:rPr lang="es-ES" dirty="0"/>
+              <a:t>: Los datos se almacenan en disco por un tiempo configurable</a:t>
+            </a:r>
+          </a:p>
+          <a:p>
+            <a:r>
+              <a:rPr lang="es-ES" b="1" dirty="0"/>
+              <a:t>Replicación</a:t>
+            </a:r>
+            <a:r>
+              <a:rPr lang="es-ES" dirty="0"/>
+              <a:t>: Se pueden replicar en múltiples </a:t>
             </a:r>
             <a:r>
               <a:rPr lang="es-ES" dirty="0" err="1"/>
-              <a:t>streaming</a:t>
+              <a:t>brokers</a:t>
             </a:r>
             <a:r>
               <a:rPr lang="es-ES" dirty="0"/>
-              <a:t> de datos que procesa eventos en tiempo real.</a:t>
+              <a:t> para alta disponibilidad</a:t>
             </a:r>
           </a:p>
           <a:p>
@@ -6138,6 +6637,575 @@
 </file>
 
 <file path=ppt/slides/slide6.xml><?xml version="1.0" encoding="utf-8"?>
+<p:sld xmlns:a="http://schemas.openxmlformats.org/drawingml/2006/main" xmlns:r="http://schemas.openxmlformats.org/officeDocument/2006/relationships" xmlns:p="http://schemas.openxmlformats.org/presentationml/2006/main">
+  <p:cSld>
+    <p:spTree>
+      <p:nvGrpSpPr>
+        <p:cNvPr id="1" name="">
+          <a:extLst>
+            <a:ext uri="{FF2B5EF4-FFF2-40B4-BE49-F238E27FC236}">
+              <a16:creationId xmlns:a16="http://schemas.microsoft.com/office/drawing/2014/main" id="{D30F507F-B2CB-2AFA-B49A-8B722368D932}"/>
+            </a:ext>
+          </a:extLst>
+        </p:cNvPr>
+        <p:cNvGrpSpPr/>
+        <p:nvPr/>
+      </p:nvGrpSpPr>
+      <p:grpSpPr>
+        <a:xfrm>
+          <a:off x="0" y="0"/>
+          <a:ext cx="0" cy="0"/>
+          <a:chOff x="0" y="0"/>
+          <a:chExt cx="0" cy="0"/>
+        </a:xfrm>
+      </p:grpSpPr>
+      <p:sp>
+        <p:nvSpPr>
+          <p:cNvPr id="2" name="Título 1">
+            <a:extLst>
+              <a:ext uri="{FF2B5EF4-FFF2-40B4-BE49-F238E27FC236}">
+                <a16:creationId xmlns:a16="http://schemas.microsoft.com/office/drawing/2014/main" id="{171E1F35-31AD-CE12-9E65-D61C012C3CF2}"/>
+              </a:ext>
+            </a:extLst>
+          </p:cNvPr>
+          <p:cNvSpPr>
+            <a:spLocks noGrp="1"/>
+          </p:cNvSpPr>
+          <p:nvPr>
+            <p:ph type="title"/>
+          </p:nvPr>
+        </p:nvSpPr>
+        <p:spPr/>
+        <p:txBody>
+          <a:bodyPr rtlCol="0"/>
+          <a:lstStyle/>
+          <a:p>
+            <a:r>
+              <a:rPr lang="es-PE" b="1" dirty="0"/>
+              <a:t>Demo: Aplicación AWS-</a:t>
+            </a:r>
+            <a:r>
+              <a:rPr lang="es-PE" b="1" dirty="0" err="1"/>
+              <a:t>Confluent</a:t>
+            </a:r>
+            <a:endParaRPr lang="es-PE" b="1" dirty="0"/>
+          </a:p>
+        </p:txBody>
+      </p:sp>
+      <p:sp>
+        <p:nvSpPr>
+          <p:cNvPr id="4" name="Marcador de contenido 3">
+            <a:extLst>
+              <a:ext uri="{FF2B5EF4-FFF2-40B4-BE49-F238E27FC236}">
+                <a16:creationId xmlns:a16="http://schemas.microsoft.com/office/drawing/2014/main" id="{B1AAA8FB-D8F2-5C8B-7CA9-17D32BCB09BF}"/>
+              </a:ext>
+            </a:extLst>
+          </p:cNvPr>
+          <p:cNvSpPr>
+            <a:spLocks noGrp="1"/>
+          </p:cNvSpPr>
+          <p:nvPr>
+            <p:ph sz="half" idx="1"/>
+          </p:nvPr>
+        </p:nvSpPr>
+        <p:spPr>
+          <a:xfrm>
+            <a:off x="581193" y="2237836"/>
+            <a:ext cx="11029616" cy="1911378"/>
+          </a:xfrm>
+        </p:spPr>
+        <p:txBody>
+          <a:bodyPr/>
+          <a:lstStyle/>
+          <a:p>
+            <a:pPr marL="0" indent="0">
+              <a:buNone/>
+            </a:pPr>
+            <a:r>
+              <a:rPr lang="es-PE" sz="2000" b="1" dirty="0"/>
+              <a:t>Objetivo de la Demo</a:t>
+            </a:r>
+          </a:p>
+          <a:p>
+            <a:r>
+              <a:rPr lang="es-ES" dirty="0"/>
+              <a:t>Demostrar cómo </a:t>
+            </a:r>
+            <a:r>
+              <a:rPr lang="es-ES" b="1" dirty="0" err="1"/>
+              <a:t>Confluent</a:t>
+            </a:r>
+            <a:r>
+              <a:rPr lang="es-ES" b="1" dirty="0"/>
+              <a:t> Cloud</a:t>
+            </a:r>
+            <a:r>
+              <a:rPr lang="es-ES" dirty="0"/>
+              <a:t> se integra con </a:t>
+            </a:r>
+            <a:r>
+              <a:rPr lang="es-ES" b="1" dirty="0"/>
+              <a:t>AWS</a:t>
+            </a:r>
+            <a:r>
+              <a:rPr lang="es-ES" dirty="0"/>
+              <a:t> para crear una solución completa de </a:t>
+            </a:r>
+            <a:r>
+              <a:rPr lang="es-ES" dirty="0" err="1"/>
+              <a:t>streaming</a:t>
+            </a:r>
+            <a:r>
+              <a:rPr lang="es-ES" dirty="0"/>
+              <a:t> de datos que procesa eventos en tiempo real.</a:t>
+            </a:r>
+            <a:endParaRPr lang="es-PE" dirty="0"/>
+          </a:p>
+        </p:txBody>
+      </p:sp>
+    </p:spTree>
+    <p:extLst>
+      <p:ext uri="{BB962C8B-B14F-4D97-AF65-F5344CB8AC3E}">
+        <p14:creationId xmlns:p14="http://schemas.microsoft.com/office/powerpoint/2010/main" val="3566183588"/>
+      </p:ext>
+    </p:extLst>
+  </p:cSld>
+  <p:clrMapOvr>
+    <a:masterClrMapping/>
+  </p:clrMapOvr>
+</p:sld>
+</file>
+
+<file path=ppt/slides/slide7.xml><?xml version="1.0" encoding="utf-8"?>
+<p:sld xmlns:a="http://schemas.openxmlformats.org/drawingml/2006/main" xmlns:r="http://schemas.openxmlformats.org/officeDocument/2006/relationships" xmlns:p="http://schemas.openxmlformats.org/presentationml/2006/main">
+  <p:cSld>
+    <p:spTree>
+      <p:nvGrpSpPr>
+        <p:cNvPr id="1" name="">
+          <a:extLst>
+            <a:ext uri="{FF2B5EF4-FFF2-40B4-BE49-F238E27FC236}">
+              <a16:creationId xmlns:a16="http://schemas.microsoft.com/office/drawing/2014/main" id="{160B6C28-9BD1-9F2E-DA2E-2DE458ABC4E7}"/>
+            </a:ext>
+          </a:extLst>
+        </p:cNvPr>
+        <p:cNvGrpSpPr/>
+        <p:nvPr/>
+      </p:nvGrpSpPr>
+      <p:grpSpPr>
+        <a:xfrm>
+          <a:off x="0" y="0"/>
+          <a:ext cx="0" cy="0"/>
+          <a:chOff x="0" y="0"/>
+          <a:chExt cx="0" cy="0"/>
+        </a:xfrm>
+      </p:grpSpPr>
+      <p:sp>
+        <p:nvSpPr>
+          <p:cNvPr id="2" name="Título 1">
+            <a:extLst>
+              <a:ext uri="{FF2B5EF4-FFF2-40B4-BE49-F238E27FC236}">
+                <a16:creationId xmlns:a16="http://schemas.microsoft.com/office/drawing/2014/main" id="{D46AAEEF-DC9B-1BA0-699F-BDC8EE2597F7}"/>
+              </a:ext>
+            </a:extLst>
+          </p:cNvPr>
+          <p:cNvSpPr>
+            <a:spLocks noGrp="1"/>
+          </p:cNvSpPr>
+          <p:nvPr>
+            <p:ph type="title"/>
+          </p:nvPr>
+        </p:nvSpPr>
+        <p:spPr/>
+        <p:txBody>
+          <a:bodyPr rtlCol="0"/>
+          <a:lstStyle/>
+          <a:p>
+            <a:r>
+              <a:rPr lang="es-PE" b="1" dirty="0"/>
+              <a:t>Flujo de la Demo</a:t>
+            </a:r>
+          </a:p>
+        </p:txBody>
+      </p:sp>
+      <p:sp>
+        <p:nvSpPr>
+          <p:cNvPr id="4" name="Marcador de contenido 3">
+            <a:extLst>
+              <a:ext uri="{FF2B5EF4-FFF2-40B4-BE49-F238E27FC236}">
+                <a16:creationId xmlns:a16="http://schemas.microsoft.com/office/drawing/2014/main" id="{4D5A9877-E82D-866B-C924-6B65579DF15F}"/>
+              </a:ext>
+            </a:extLst>
+          </p:cNvPr>
+          <p:cNvSpPr>
+            <a:spLocks noGrp="1"/>
+          </p:cNvSpPr>
+          <p:nvPr>
+            <p:ph sz="half" idx="1"/>
+          </p:nvPr>
+        </p:nvSpPr>
+        <p:spPr>
+          <a:xfrm>
+            <a:off x="581193" y="2237836"/>
+            <a:ext cx="11029616" cy="3769674"/>
+          </a:xfrm>
+        </p:spPr>
+        <p:txBody>
+          <a:bodyPr>
+            <a:normAutofit fontScale="92500" lnSpcReduction="20000"/>
+          </a:bodyPr>
+          <a:lstStyle/>
+          <a:p>
+            <a:pPr marL="0" indent="0">
+              <a:buNone/>
+            </a:pPr>
+            <a:r>
+              <a:rPr lang="es-ES" b="1" dirty="0"/>
+              <a:t>Paso 1: Generación de Eventos</a:t>
+            </a:r>
+          </a:p>
+          <a:p>
+            <a:r>
+              <a:rPr lang="es-ES" b="1" dirty="0"/>
+              <a:t>Qué hacemos</a:t>
+            </a:r>
+            <a:r>
+              <a:rPr lang="es-ES" dirty="0"/>
+              <a:t>: Simulamos eventos de estudiantes (</a:t>
+            </a:r>
+            <a:r>
+              <a:rPr lang="es-ES" dirty="0" err="1"/>
+              <a:t>login</a:t>
+            </a:r>
+            <a:r>
+              <a:rPr lang="es-ES" dirty="0"/>
+              <a:t>, </a:t>
+            </a:r>
+            <a:r>
+              <a:rPr lang="es-ES" dirty="0" err="1"/>
+              <a:t>logout</a:t>
+            </a:r>
+            <a:r>
+              <a:rPr lang="es-ES" dirty="0"/>
+              <a:t>, tareas, calificaciones)</a:t>
+            </a:r>
+          </a:p>
+          <a:p>
+            <a:r>
+              <a:rPr lang="es-ES" b="1" dirty="0"/>
+              <a:t>Herramienta</a:t>
+            </a:r>
+            <a:r>
+              <a:rPr lang="es-ES" dirty="0"/>
+              <a:t>: Script Python (Producer)</a:t>
+            </a:r>
+          </a:p>
+          <a:p>
+            <a:r>
+              <a:rPr lang="es-ES" b="1" dirty="0"/>
+              <a:t>Datos</a:t>
+            </a:r>
+            <a:r>
+              <a:rPr lang="es-ES" dirty="0"/>
+              <a:t>: JSON con información del estudiante y actividad</a:t>
+            </a:r>
+          </a:p>
+          <a:p>
+            <a:pPr marL="0" indent="0">
+              <a:buNone/>
+            </a:pPr>
+            <a:r>
+              <a:rPr lang="en-US" b="1" dirty="0"/>
+              <a:t>Paso 2: Streaming en Confluent Cloud</a:t>
+            </a:r>
+          </a:p>
+          <a:p>
+            <a:r>
+              <a:rPr lang="es-ES" b="1" dirty="0"/>
+              <a:t>Qué hacemos</a:t>
+            </a:r>
+            <a:r>
+              <a:rPr lang="es-ES" dirty="0"/>
+              <a:t>: Los eventos se envían a </a:t>
+            </a:r>
+            <a:r>
+              <a:rPr lang="es-ES" dirty="0" err="1"/>
+              <a:t>topics</a:t>
+            </a:r>
+            <a:r>
+              <a:rPr lang="es-ES" dirty="0"/>
+              <a:t> específicos en </a:t>
+            </a:r>
+            <a:r>
+              <a:rPr lang="es-ES" dirty="0" err="1"/>
+              <a:t>Confluent</a:t>
+            </a:r>
+            <a:r>
+              <a:rPr lang="es-ES" dirty="0"/>
+              <a:t> Cloud</a:t>
+            </a:r>
+          </a:p>
+          <a:p>
+            <a:r>
+              <a:rPr lang="es-ES" b="1" dirty="0" err="1"/>
+              <a:t>Topics</a:t>
+            </a:r>
+            <a:r>
+              <a:rPr lang="es-ES" b="1" dirty="0"/>
+              <a:t> creados</a:t>
+            </a:r>
+            <a:r>
+              <a:rPr lang="es-ES" dirty="0"/>
+              <a:t>:</a:t>
+            </a:r>
+          </a:p>
+          <a:p>
+            <a:pPr lvl="1"/>
+            <a:r>
+              <a:rPr lang="es-ES" sz="1900" dirty="0"/>
+              <a:t>estudiante-eventos: Actividades de estudiantes</a:t>
+            </a:r>
+          </a:p>
+          <a:p>
+            <a:pPr lvl="1"/>
+            <a:r>
+              <a:rPr lang="es-ES" sz="1900" dirty="0"/>
+              <a:t>sistema-logs: Logs del sistema</a:t>
+            </a:r>
+          </a:p>
+          <a:p>
+            <a:pPr lvl="1"/>
+            <a:r>
+              <a:rPr lang="es-ES" sz="1900" dirty="0"/>
+              <a:t>notificaciones: Alertas y notificaciones</a:t>
+            </a:r>
+          </a:p>
+          <a:p>
+            <a:r>
+              <a:rPr lang="es-ES" b="1" dirty="0"/>
+              <a:t>Visualización: </a:t>
+            </a:r>
+            <a:r>
+              <a:rPr lang="es-ES" dirty="0" err="1"/>
+              <a:t>Confluent</a:t>
+            </a:r>
+            <a:r>
+              <a:rPr lang="es-ES" dirty="0"/>
+              <a:t> Cloud </a:t>
+            </a:r>
+            <a:r>
+              <a:rPr lang="es-ES" dirty="0" err="1"/>
+              <a:t>Console</a:t>
+            </a:r>
+            <a:r>
+              <a:rPr lang="es-ES" dirty="0"/>
+              <a:t> mostrando mensajes en tiempo real</a:t>
+            </a:r>
+          </a:p>
+        </p:txBody>
+      </p:sp>
+    </p:spTree>
+    <p:extLst>
+      <p:ext uri="{BB962C8B-B14F-4D97-AF65-F5344CB8AC3E}">
+        <p14:creationId xmlns:p14="http://schemas.microsoft.com/office/powerpoint/2010/main" val="3043210371"/>
+      </p:ext>
+    </p:extLst>
+  </p:cSld>
+  <p:clrMapOvr>
+    <a:masterClrMapping/>
+  </p:clrMapOvr>
+</p:sld>
+</file>
+
+<file path=ppt/slides/slide8.xml><?xml version="1.0" encoding="utf-8"?>
+<p:sld xmlns:a="http://schemas.openxmlformats.org/drawingml/2006/main" xmlns:r="http://schemas.openxmlformats.org/officeDocument/2006/relationships" xmlns:p="http://schemas.openxmlformats.org/presentationml/2006/main">
+  <p:cSld>
+    <p:spTree>
+      <p:nvGrpSpPr>
+        <p:cNvPr id="1" name="">
+          <a:extLst>
+            <a:ext uri="{FF2B5EF4-FFF2-40B4-BE49-F238E27FC236}">
+              <a16:creationId xmlns:a16="http://schemas.microsoft.com/office/drawing/2014/main" id="{D2540FFE-AB83-47A4-0D2B-64857F3BDE40}"/>
+            </a:ext>
+          </a:extLst>
+        </p:cNvPr>
+        <p:cNvGrpSpPr/>
+        <p:nvPr/>
+      </p:nvGrpSpPr>
+      <p:grpSpPr>
+        <a:xfrm>
+          <a:off x="0" y="0"/>
+          <a:ext cx="0" cy="0"/>
+          <a:chOff x="0" y="0"/>
+          <a:chExt cx="0" cy="0"/>
+        </a:xfrm>
+      </p:grpSpPr>
+      <p:sp>
+        <p:nvSpPr>
+          <p:cNvPr id="2" name="Título 1">
+            <a:extLst>
+              <a:ext uri="{FF2B5EF4-FFF2-40B4-BE49-F238E27FC236}">
+                <a16:creationId xmlns:a16="http://schemas.microsoft.com/office/drawing/2014/main" id="{D0D2D08A-1EB5-03BA-0424-239D471D1846}"/>
+              </a:ext>
+            </a:extLst>
+          </p:cNvPr>
+          <p:cNvSpPr>
+            <a:spLocks noGrp="1"/>
+          </p:cNvSpPr>
+          <p:nvPr>
+            <p:ph type="title"/>
+          </p:nvPr>
+        </p:nvSpPr>
+        <p:spPr/>
+        <p:txBody>
+          <a:bodyPr rtlCol="0"/>
+          <a:lstStyle/>
+          <a:p>
+            <a:r>
+              <a:rPr lang="es-PE" b="1" dirty="0"/>
+              <a:t>Flujo de la Demo</a:t>
+            </a:r>
+          </a:p>
+        </p:txBody>
+      </p:sp>
+      <p:sp>
+        <p:nvSpPr>
+          <p:cNvPr id="4" name="Marcador de contenido 3">
+            <a:extLst>
+              <a:ext uri="{FF2B5EF4-FFF2-40B4-BE49-F238E27FC236}">
+                <a16:creationId xmlns:a16="http://schemas.microsoft.com/office/drawing/2014/main" id="{63592807-91BC-1529-C674-AB47DF7971CF}"/>
+              </a:ext>
+            </a:extLst>
+          </p:cNvPr>
+          <p:cNvSpPr>
+            <a:spLocks noGrp="1"/>
+          </p:cNvSpPr>
+          <p:nvPr>
+            <p:ph sz="half" idx="1"/>
+          </p:nvPr>
+        </p:nvSpPr>
+        <p:spPr>
+          <a:xfrm>
+            <a:off x="581193" y="2237836"/>
+            <a:ext cx="11029616" cy="3769674"/>
+          </a:xfrm>
+        </p:spPr>
+        <p:txBody>
+          <a:bodyPr>
+            <a:normAutofit/>
+          </a:bodyPr>
+          <a:lstStyle/>
+          <a:p>
+            <a:pPr marL="0" indent="0">
+              <a:buNone/>
+            </a:pPr>
+            <a:r>
+              <a:rPr lang="es-ES" b="1" dirty="0"/>
+              <a:t>Paso 3: Procesamiento y Almacenamiento en AWS</a:t>
+            </a:r>
+          </a:p>
+          <a:p>
+            <a:r>
+              <a:rPr lang="es-ES" b="1" dirty="0"/>
+              <a:t>Qué hacemos:</a:t>
+            </a:r>
+            <a:r>
+              <a:rPr lang="es-ES" dirty="0"/>
+              <a:t> Un consumidor lee los eventos y los procesa</a:t>
+            </a:r>
+          </a:p>
+          <a:p>
+            <a:r>
+              <a:rPr lang="es-ES" b="1" dirty="0"/>
+              <a:t>AWS S3: </a:t>
+            </a:r>
+            <a:r>
+              <a:rPr lang="es-ES" dirty="0"/>
+              <a:t>Almacena datos para análisis histórico</a:t>
+            </a:r>
+          </a:p>
+          <a:p>
+            <a:r>
+              <a:rPr lang="es-ES" b="1" dirty="0" err="1"/>
+              <a:t>CloudWatch</a:t>
+            </a:r>
+            <a:r>
+              <a:rPr lang="es-ES" b="1" dirty="0"/>
+              <a:t>: </a:t>
+            </a:r>
+            <a:r>
+              <a:rPr lang="es-ES" dirty="0"/>
+              <a:t>Monitorea métricas y logs en tiempo real</a:t>
+            </a:r>
+          </a:p>
+          <a:p>
+            <a:r>
+              <a:rPr lang="es-ES" b="1" dirty="0"/>
+              <a:t>Procesamiento: </a:t>
+            </a:r>
+            <a:r>
+              <a:rPr lang="es-ES" dirty="0"/>
+              <a:t>Filtrado, transformación y enriquecimiento de datos</a:t>
+            </a:r>
+          </a:p>
+          <a:p>
+            <a:pPr marL="0" indent="0">
+              <a:buNone/>
+            </a:pPr>
+            <a:r>
+              <a:rPr lang="es-ES" b="1" dirty="0"/>
+              <a:t>Paso 4: Monitoreo y Alertas</a:t>
+            </a:r>
+          </a:p>
+          <a:p>
+            <a:r>
+              <a:rPr lang="es-ES" b="1" dirty="0"/>
+              <a:t>Métricas: </a:t>
+            </a:r>
+            <a:r>
+              <a:rPr lang="es-ES" dirty="0"/>
+              <a:t>Número de eventos procesados, latencia, errores</a:t>
+            </a:r>
+          </a:p>
+          <a:p>
+            <a:r>
+              <a:rPr lang="es-ES" b="1" dirty="0"/>
+              <a:t>Alertas: </a:t>
+            </a:r>
+            <a:r>
+              <a:rPr lang="es-ES" dirty="0"/>
+              <a:t>Notificaciones automáticas por eventos críticos</a:t>
+            </a:r>
+          </a:p>
+          <a:p>
+            <a:r>
+              <a:rPr lang="es-ES" b="1" dirty="0" err="1"/>
+              <a:t>Dashboards</a:t>
+            </a:r>
+            <a:r>
+              <a:rPr lang="es-ES" b="1" dirty="0"/>
+              <a:t>: </a:t>
+            </a:r>
+            <a:r>
+              <a:rPr lang="es-ES" dirty="0"/>
+              <a:t>Visualización en tiempo real del flujo de datos</a:t>
+            </a:r>
+          </a:p>
+        </p:txBody>
+      </p:sp>
+    </p:spTree>
+    <p:extLst>
+      <p:ext uri="{BB962C8B-B14F-4D97-AF65-F5344CB8AC3E}">
+        <p14:creationId xmlns:p14="http://schemas.microsoft.com/office/powerpoint/2010/main" val="2519522847"/>
+      </p:ext>
+    </p:extLst>
+  </p:cSld>
+  <p:clrMapOvr>
+    <a:masterClrMapping/>
+  </p:clrMapOvr>
+</p:sld>
+</file>
+
+<file path=ppt/slides/slide9.xml><?xml version="1.0" encoding="utf-8"?>
 <p:sld xmlns:a="http://schemas.openxmlformats.org/drawingml/2006/main" xmlns:r="http://schemas.openxmlformats.org/officeDocument/2006/relationships" xmlns:p="http://schemas.openxmlformats.org/presentationml/2006/main">
   <p:cSld>
     <p:bg>

--- a/Confluent cloud - aws.pptx
+++ b/Confluent cloud - aws.pptx
@@ -5,10 +5,10 @@
     <p:sldMasterId id="2147483672" r:id="rId1"/>
   </p:sldMasterIdLst>
   <p:notesMasterIdLst>
-    <p:notesMasterId r:id="rId11"/>
+    <p:notesMasterId r:id="rId12"/>
   </p:notesMasterIdLst>
   <p:handoutMasterIdLst>
-    <p:handoutMasterId r:id="rId12"/>
+    <p:handoutMasterId r:id="rId13"/>
   </p:handoutMasterIdLst>
   <p:sldIdLst>
     <p:sldId id="256" r:id="rId2"/>
@@ -19,7 +19,8 @@
     <p:sldId id="264" r:id="rId7"/>
     <p:sldId id="266" r:id="rId8"/>
     <p:sldId id="267" r:id="rId9"/>
-    <p:sldId id="260" r:id="rId10"/>
+    <p:sldId id="268" r:id="rId10"/>
+    <p:sldId id="260" r:id="rId11"/>
   </p:sldIdLst>
   <p:sldSz cx="12192000" cy="6858000"/>
   <p:notesSz cx="6858000" cy="9144000"/>
@@ -132,7 +133,7 @@
 <file path=ppt/revisionInfo.xml><?xml version="1.0" encoding="utf-8"?>
 <p1510:revInfo xmlns:a="http://schemas.openxmlformats.org/drawingml/2006/main" xmlns:r="http://schemas.openxmlformats.org/officeDocument/2006/relationships" xmlns:p1510="http://schemas.microsoft.com/office/powerpoint/2015/10/main">
   <p1510:revLst>
-    <p1510:client id="{22EC5F3F-A897-4A1C-9699-740AC7F20144}" v="51" dt="2025-07-05T22:54:28.525"/>
+    <p1510:client id="{22EC5F3F-A897-4A1C-9699-740AC7F20144}" v="57" dt="2025-07-12T19:24:38.451"/>
   </p1510:revLst>
 </p1510:revInfo>
 </file>
@@ -141,8 +142,8 @@
 <pc:chgInfo xmlns:a="http://schemas.openxmlformats.org/drawingml/2006/main" xmlns:r="http://schemas.openxmlformats.org/officeDocument/2006/relationships" xmlns:ac="http://schemas.microsoft.com/office/drawing/2013/main/command" xmlns:pc="http://schemas.microsoft.com/office/powerpoint/2013/main/command">
   <pc:docChgLst>
     <pc:chgData name="Víctor Manuel Sánchez Shapiama" userId="d0285befcd743167" providerId="LiveId" clId="{22EC5F3F-A897-4A1C-9699-740AC7F20144}"/>
-    <pc:docChg chg="custSel addSld delSld modSld">
-      <pc:chgData name="Víctor Manuel Sánchez Shapiama" userId="d0285befcd743167" providerId="LiveId" clId="{22EC5F3F-A897-4A1C-9699-740AC7F20144}" dt="2025-07-05T22:56:37.121" v="112" actId="2696"/>
+    <pc:docChg chg="undo custSel addSld delSld modSld">
+      <pc:chgData name="Víctor Manuel Sánchez Shapiama" userId="d0285befcd743167" providerId="LiveId" clId="{22EC5F3F-A897-4A1C-9699-740AC7F20144}" dt="2025-07-12T19:24:41.047" v="196" actId="20577"/>
       <pc:docMkLst>
         <pc:docMk/>
       </pc:docMkLst>
@@ -168,30 +169,6 @@
             <ac:spMk id="4" creationId="{37A5742C-E99A-5998-B2BA-C9C1B2E6193F}"/>
           </ac:spMkLst>
         </pc:spChg>
-        <pc:spChg chg="add del mod">
-          <ac:chgData name="Víctor Manuel Sánchez Shapiama" userId="d0285befcd743167" providerId="LiveId" clId="{22EC5F3F-A897-4A1C-9699-740AC7F20144}" dt="2025-07-05T22:26:49.377" v="27" actId="478"/>
-          <ac:spMkLst>
-            <pc:docMk/>
-            <pc:sldMk cId="497607547" sldId="258"/>
-            <ac:spMk id="6" creationId="{411E757F-C569-ECCE-390F-C8643E17FBBD}"/>
-          </ac:spMkLst>
-        </pc:spChg>
-        <pc:picChg chg="del">
-          <ac:chgData name="Víctor Manuel Sánchez Shapiama" userId="d0285befcd743167" providerId="LiveId" clId="{22EC5F3F-A897-4A1C-9699-740AC7F20144}" dt="2025-07-05T22:26:44.213" v="25" actId="478"/>
-          <ac:picMkLst>
-            <pc:docMk/>
-            <pc:sldMk cId="497607547" sldId="258"/>
-            <ac:picMk id="11" creationId="{47D9BE16-119C-43B2-9AE6-18C4A150C0EF}"/>
-          </ac:picMkLst>
-        </pc:picChg>
-        <pc:picChg chg="del">
-          <ac:chgData name="Víctor Manuel Sánchez Shapiama" userId="d0285befcd743167" providerId="LiveId" clId="{22EC5F3F-A897-4A1C-9699-740AC7F20144}" dt="2025-07-05T22:26:45.788" v="26" actId="478"/>
-          <ac:picMkLst>
-            <pc:docMk/>
-            <pc:sldMk cId="497607547" sldId="258"/>
-            <ac:picMk id="18" creationId="{BFEA8EC1-23A4-4843-A9C3-AE771D73392A}"/>
-          </ac:picMkLst>
-        </pc:picChg>
       </pc:sldChg>
       <pc:sldChg chg="del">
         <pc:chgData name="Víctor Manuel Sánchez Shapiama" userId="d0285befcd743167" providerId="LiveId" clId="{22EC5F3F-A897-4A1C-9699-740AC7F20144}" dt="2025-07-05T22:29:45.706" v="38" actId="2696"/>
@@ -222,14 +199,6 @@
             <ac:spMk id="5" creationId="{6AF12595-67A7-7EA5-B45B-9ABDCB77C322}"/>
           </ac:spMkLst>
         </pc:spChg>
-        <pc:graphicFrameChg chg="del">
-          <ac:chgData name="Víctor Manuel Sánchez Shapiama" userId="d0285befcd743167" providerId="LiveId" clId="{22EC5F3F-A897-4A1C-9699-740AC7F20144}" dt="2025-07-05T22:23:31.375" v="0" actId="478"/>
-          <ac:graphicFrameMkLst>
-            <pc:docMk/>
-            <pc:sldMk cId="1703342593" sldId="261"/>
-            <ac:graphicFrameMk id="4" creationId="{81E592E1-99DF-4294-A2E9-EF46299BD3F4}"/>
-          </ac:graphicFrameMkLst>
-        </pc:graphicFrameChg>
       </pc:sldChg>
       <pc:sldChg chg="modSp add mod">
         <pc:chgData name="Víctor Manuel Sánchez Shapiama" userId="d0285befcd743167" providerId="LiveId" clId="{22EC5F3F-A897-4A1C-9699-740AC7F20144}" dt="2025-07-05T22:48:18.980" v="66"/>
@@ -306,79 +275,15 @@
           <pc:docMk/>
           <pc:sldMk cId="1164801720" sldId="265"/>
         </pc:sldMkLst>
-        <pc:spChg chg="mod">
-          <ac:chgData name="Víctor Manuel Sánchez Shapiama" userId="d0285befcd743167" providerId="LiveId" clId="{22EC5F3F-A897-4A1C-9699-740AC7F20144}" dt="2025-07-05T22:50:58.016" v="78"/>
-          <ac:spMkLst>
-            <pc:docMk/>
-            <pc:sldMk cId="1164801720" sldId="265"/>
-            <ac:spMk id="2" creationId="{EF9045EC-4273-7131-8889-C0C733D457F6}"/>
-          </ac:spMkLst>
-        </pc:spChg>
-        <pc:spChg chg="add">
-          <ac:chgData name="Víctor Manuel Sánchez Shapiama" userId="d0285befcd743167" providerId="LiveId" clId="{22EC5F3F-A897-4A1C-9699-740AC7F20144}" dt="2025-07-05T22:51:20.648" v="79"/>
-          <ac:spMkLst>
-            <pc:docMk/>
-            <pc:sldMk cId="1164801720" sldId="265"/>
-            <ac:spMk id="3" creationId="{DC33BC77-9FF4-2121-68D5-42E71220FF47}"/>
-          </ac:spMkLst>
-        </pc:spChg>
-        <pc:spChg chg="mod">
-          <ac:chgData name="Víctor Manuel Sánchez Shapiama" userId="d0285befcd743167" providerId="LiveId" clId="{22EC5F3F-A897-4A1C-9699-740AC7F20144}" dt="2025-07-05T22:53:23.743" v="95" actId="15"/>
-          <ac:spMkLst>
-            <pc:docMk/>
-            <pc:sldMk cId="1164801720" sldId="265"/>
-            <ac:spMk id="4" creationId="{DABB3710-0C11-9194-9F3C-307C709854B1}"/>
-          </ac:spMkLst>
-        </pc:spChg>
-        <pc:spChg chg="add">
-          <ac:chgData name="Víctor Manuel Sánchez Shapiama" userId="d0285befcd743167" providerId="LiveId" clId="{22EC5F3F-A897-4A1C-9699-740AC7F20144}" dt="2025-07-05T22:51:26.479" v="80"/>
-          <ac:spMkLst>
-            <pc:docMk/>
-            <pc:sldMk cId="1164801720" sldId="265"/>
-            <ac:spMk id="5" creationId="{850FBE14-1DFC-E1C1-A8D2-BF0F754E8EB9}"/>
-          </ac:spMkLst>
-        </pc:spChg>
-        <pc:spChg chg="add">
-          <ac:chgData name="Víctor Manuel Sánchez Shapiama" userId="d0285befcd743167" providerId="LiveId" clId="{22EC5F3F-A897-4A1C-9699-740AC7F20144}" dt="2025-07-05T22:52:09.760" v="87"/>
-          <ac:spMkLst>
-            <pc:docMk/>
-            <pc:sldMk cId="1164801720" sldId="265"/>
-            <ac:spMk id="6" creationId="{0E06CD57-16FA-89FC-F15C-EEC8A790376E}"/>
-          </ac:spMkLst>
-        </pc:spChg>
-        <pc:spChg chg="add">
-          <ac:chgData name="Víctor Manuel Sánchez Shapiama" userId="d0285befcd743167" providerId="LiveId" clId="{22EC5F3F-A897-4A1C-9699-740AC7F20144}" dt="2025-07-05T22:52:24.395" v="89"/>
-          <ac:spMkLst>
-            <pc:docMk/>
-            <pc:sldMk cId="1164801720" sldId="265"/>
-            <ac:spMk id="7" creationId="{A886E287-20A2-9EFE-820A-713F0249899C}"/>
-          </ac:spMkLst>
-        </pc:spChg>
-        <pc:spChg chg="add">
-          <ac:chgData name="Víctor Manuel Sánchez Shapiama" userId="d0285befcd743167" providerId="LiveId" clId="{22EC5F3F-A897-4A1C-9699-740AC7F20144}" dt="2025-07-05T22:52:30.381" v="90"/>
-          <ac:spMkLst>
-            <pc:docMk/>
-            <pc:sldMk cId="1164801720" sldId="265"/>
-            <ac:spMk id="8" creationId="{2B653A77-298F-98F0-4AB6-6D998765E542}"/>
-          </ac:spMkLst>
-        </pc:spChg>
-        <pc:spChg chg="add">
-          <ac:chgData name="Víctor Manuel Sánchez Shapiama" userId="d0285befcd743167" providerId="LiveId" clId="{22EC5F3F-A897-4A1C-9699-740AC7F20144}" dt="2025-07-05T22:52:37" v="91"/>
-          <ac:spMkLst>
-            <pc:docMk/>
-            <pc:sldMk cId="1164801720" sldId="265"/>
-            <ac:spMk id="9" creationId="{66713028-58A7-E418-F618-FA77162BFD05}"/>
-          </ac:spMkLst>
-        </pc:spChg>
       </pc:sldChg>
       <pc:sldChg chg="modSp add mod">
-        <pc:chgData name="Víctor Manuel Sánchez Shapiama" userId="d0285befcd743167" providerId="LiveId" clId="{22EC5F3F-A897-4A1C-9699-740AC7F20144}" dt="2025-07-05T22:56:19.851" v="111" actId="113"/>
+        <pc:chgData name="Víctor Manuel Sánchez Shapiama" userId="d0285befcd743167" providerId="LiveId" clId="{22EC5F3F-A897-4A1C-9699-740AC7F20144}" dt="2025-07-12T19:22:40.432" v="149" actId="27636"/>
         <pc:sldMkLst>
           <pc:docMk/>
           <pc:sldMk cId="3043210371" sldId="266"/>
         </pc:sldMkLst>
         <pc:spChg chg="mod">
-          <ac:chgData name="Víctor Manuel Sánchez Shapiama" userId="d0285befcd743167" providerId="LiveId" clId="{22EC5F3F-A897-4A1C-9699-740AC7F20144}" dt="2025-07-05T22:56:19.851" v="111" actId="113"/>
+          <ac:chgData name="Víctor Manuel Sánchez Shapiama" userId="d0285befcd743167" providerId="LiveId" clId="{22EC5F3F-A897-4A1C-9699-740AC7F20144}" dt="2025-07-12T19:22:40.432" v="149" actId="27636"/>
           <ac:spMkLst>
             <pc:docMk/>
             <pc:sldMk cId="3043210371" sldId="266"/>
@@ -387,17 +292,40 @@
         </pc:spChg>
       </pc:sldChg>
       <pc:sldChg chg="modSp add mod">
-        <pc:chgData name="Víctor Manuel Sánchez Shapiama" userId="d0285befcd743167" providerId="LiveId" clId="{22EC5F3F-A897-4A1C-9699-740AC7F20144}" dt="2025-07-05T22:55:55.130" v="108" actId="113"/>
+        <pc:chgData name="Víctor Manuel Sánchez Shapiama" userId="d0285befcd743167" providerId="LiveId" clId="{22EC5F3F-A897-4A1C-9699-740AC7F20144}" dt="2025-07-12T19:23:10.150" v="153" actId="20577"/>
         <pc:sldMkLst>
           <pc:docMk/>
           <pc:sldMk cId="2519522847" sldId="267"/>
         </pc:sldMkLst>
         <pc:spChg chg="mod">
-          <ac:chgData name="Víctor Manuel Sánchez Shapiama" userId="d0285befcd743167" providerId="LiveId" clId="{22EC5F3F-A897-4A1C-9699-740AC7F20144}" dt="2025-07-05T22:55:55.130" v="108" actId="113"/>
+          <ac:chgData name="Víctor Manuel Sánchez Shapiama" userId="d0285befcd743167" providerId="LiveId" clId="{22EC5F3F-A897-4A1C-9699-740AC7F20144}" dt="2025-07-12T19:23:10.150" v="153" actId="20577"/>
           <ac:spMkLst>
             <pc:docMk/>
             <pc:sldMk cId="2519522847" sldId="267"/>
             <ac:spMk id="4" creationId="{63592807-91BC-1529-C674-AB47DF7971CF}"/>
+          </ac:spMkLst>
+        </pc:spChg>
+      </pc:sldChg>
+      <pc:sldChg chg="modSp add mod">
+        <pc:chgData name="Víctor Manuel Sánchez Shapiama" userId="d0285befcd743167" providerId="LiveId" clId="{22EC5F3F-A897-4A1C-9699-740AC7F20144}" dt="2025-07-12T19:24:41.047" v="196" actId="20577"/>
+        <pc:sldMkLst>
+          <pc:docMk/>
+          <pc:sldMk cId="267966677" sldId="268"/>
+        </pc:sldMkLst>
+        <pc:spChg chg="mod">
+          <ac:chgData name="Víctor Manuel Sánchez Shapiama" userId="d0285befcd743167" providerId="LiveId" clId="{22EC5F3F-A897-4A1C-9699-740AC7F20144}" dt="2025-07-12T19:23:43.099" v="177" actId="20577"/>
+          <ac:spMkLst>
+            <pc:docMk/>
+            <pc:sldMk cId="267966677" sldId="268"/>
+            <ac:spMk id="2" creationId="{704933EC-A586-3A1A-D266-9C69F7695EAB}"/>
+          </ac:spMkLst>
+        </pc:spChg>
+        <pc:spChg chg="mod">
+          <ac:chgData name="Víctor Manuel Sánchez Shapiama" userId="d0285befcd743167" providerId="LiveId" clId="{22EC5F3F-A897-4A1C-9699-740AC7F20144}" dt="2025-07-12T19:24:41.047" v="196" actId="20577"/>
+          <ac:spMkLst>
+            <pc:docMk/>
+            <pc:sldMk cId="267966677" sldId="268"/>
+            <ac:spMk id="4" creationId="{C79A4AE8-3CEC-86B2-095B-7CED54226EB6}"/>
           </ac:spMkLst>
         </pc:spChg>
       </pc:sldChg>
@@ -502,7 +430,7 @@
             <a:pPr rtl="0"/>
             <a:fld id="{C62B80FE-187A-4085-BD71-F0873FF7BD68}" type="datetime1">
               <a:rPr lang="es-ES" smtClean="0"/>
-              <a:t>05/07/2025</a:t>
+              <a:t>12/07/2025</a:t>
             </a:fld>
             <a:endParaRPr lang="es-ES"/>
           </a:p>
@@ -684,7 +612,7 @@
             <a:pPr rtl="0"/>
             <a:fld id="{6D59A2BD-4571-4110-BB3E-5D004DE434FA}" type="datetime1">
               <a:rPr lang="es-ES" noProof="0" smtClean="0"/>
-              <a:t>05/07/2025</a:t>
+              <a:t>12/07/2025</a:t>
             </a:fld>
             <a:endParaRPr lang="es-ES" noProof="0"/>
           </a:p>
@@ -1041,6 +969,92 @@
 </p:notes>
 </file>
 
+<file path=ppt/notesSlides/notesSlide10.xml><?xml version="1.0" encoding="utf-8"?>
+<p:notes xmlns:a="http://schemas.openxmlformats.org/drawingml/2006/main" xmlns:r="http://schemas.openxmlformats.org/officeDocument/2006/relationships" xmlns:p="http://schemas.openxmlformats.org/presentationml/2006/main">
+  <p:cSld>
+    <p:spTree>
+      <p:nvGrpSpPr>
+        <p:cNvPr id="1" name=""/>
+        <p:cNvGrpSpPr/>
+        <p:nvPr/>
+      </p:nvGrpSpPr>
+      <p:grpSpPr>
+        <a:xfrm>
+          <a:off x="0" y="0"/>
+          <a:ext cx="0" cy="0"/>
+          <a:chOff x="0" y="0"/>
+          <a:chExt cx="0" cy="0"/>
+        </a:xfrm>
+      </p:grpSpPr>
+      <p:sp>
+        <p:nvSpPr>
+          <p:cNvPr id="2" name="Marcador de imagen de diapositiva 1"/>
+          <p:cNvSpPr>
+            <a:spLocks noGrp="1" noRot="1" noChangeAspect="1"/>
+          </p:cNvSpPr>
+          <p:nvPr>
+            <p:ph type="sldImg"/>
+          </p:nvPr>
+        </p:nvSpPr>
+        <p:spPr/>
+      </p:sp>
+      <p:sp>
+        <p:nvSpPr>
+          <p:cNvPr id="3" name="Marcador de notas 2"/>
+          <p:cNvSpPr>
+            <a:spLocks noGrp="1"/>
+          </p:cNvSpPr>
+          <p:nvPr>
+            <p:ph type="body" idx="1"/>
+          </p:nvPr>
+        </p:nvSpPr>
+        <p:spPr/>
+        <p:txBody>
+          <a:bodyPr rtlCol="0"/>
+          <a:lstStyle/>
+          <a:p>
+            <a:pPr rtl="0"/>
+            <a:endParaRPr lang="es-ES"/>
+          </a:p>
+        </p:txBody>
+      </p:sp>
+      <p:sp>
+        <p:nvSpPr>
+          <p:cNvPr id="4" name="Marcador de número de diapositiva 3"/>
+          <p:cNvSpPr>
+            <a:spLocks noGrp="1"/>
+          </p:cNvSpPr>
+          <p:nvPr>
+            <p:ph type="sldNum" sz="quarter" idx="5"/>
+          </p:nvPr>
+        </p:nvSpPr>
+        <p:spPr/>
+        <p:txBody>
+          <a:bodyPr rtlCol="0"/>
+          <a:lstStyle/>
+          <a:p>
+            <a:pPr rtl="0"/>
+            <a:fld id="{C6B3AB32-59DF-41F1-9618-EDFBF5049629}" type="slidenum">
+              <a:rPr lang="es-ES" smtClean="0"/>
+              <a:t>10</a:t>
+            </a:fld>
+            <a:endParaRPr lang="es-ES"/>
+          </a:p>
+        </p:txBody>
+      </p:sp>
+    </p:spTree>
+    <p:extLst>
+      <p:ext uri="{BB962C8B-B14F-4D97-AF65-F5344CB8AC3E}">
+        <p14:creationId xmlns:p14="http://schemas.microsoft.com/office/powerpoint/2010/main" val="1046714131"/>
+      </p:ext>
+    </p:extLst>
+  </p:cSld>
+  <p:clrMapOvr>
+    <a:masterClrMapping/>
+  </p:clrMapOvr>
+</p:notes>
+</file>
+
 <file path=ppt/notesSlides/notesSlide2.xml><?xml version="1.0" encoding="utf-8"?>
 <p:notes xmlns:a="http://schemas.openxmlformats.org/drawingml/2006/main" xmlns:r="http://schemas.openxmlformats.org/officeDocument/2006/relationships" xmlns:p="http://schemas.openxmlformats.org/presentationml/2006/main">
   <p:cSld>
@@ -1762,7 +1776,13 @@
   <p:cSld>
     <p:spTree>
       <p:nvGrpSpPr>
-        <p:cNvPr id="1" name=""/>
+        <p:cNvPr id="1" name="">
+          <a:extLst>
+            <a:ext uri="{FF2B5EF4-FFF2-40B4-BE49-F238E27FC236}">
+              <a16:creationId xmlns:a16="http://schemas.microsoft.com/office/drawing/2014/main" id="{7477AA35-8B00-7979-6E32-FCAD64B137C4}"/>
+            </a:ext>
+          </a:extLst>
+        </p:cNvPr>
         <p:cNvGrpSpPr/>
         <p:nvPr/>
       </p:nvGrpSpPr>
@@ -1776,7 +1796,13 @@
       </p:grpSpPr>
       <p:sp>
         <p:nvSpPr>
-          <p:cNvPr id="2" name="Marcador de imagen de diapositiva 1"/>
+          <p:cNvPr id="2" name="Marcador de imagen de diapositiva 1">
+            <a:extLst>
+              <a:ext uri="{FF2B5EF4-FFF2-40B4-BE49-F238E27FC236}">
+                <a16:creationId xmlns:a16="http://schemas.microsoft.com/office/drawing/2014/main" id="{742328B3-4153-96D2-4C5B-F1F8098B7794}"/>
+              </a:ext>
+            </a:extLst>
+          </p:cNvPr>
           <p:cNvSpPr>
             <a:spLocks noGrp="1" noRot="1" noChangeAspect="1"/>
           </p:cNvSpPr>
@@ -1788,7 +1814,13 @@
       </p:sp>
       <p:sp>
         <p:nvSpPr>
-          <p:cNvPr id="3" name="Marcador de notas 2"/>
+          <p:cNvPr id="3" name="Marcador de notas 2">
+            <a:extLst>
+              <a:ext uri="{FF2B5EF4-FFF2-40B4-BE49-F238E27FC236}">
+                <a16:creationId xmlns:a16="http://schemas.microsoft.com/office/drawing/2014/main" id="{8A3F5012-63DE-7FE0-DE1D-4BA4F1FD881B}"/>
+              </a:ext>
+            </a:extLst>
+          </p:cNvPr>
           <p:cNvSpPr>
             <a:spLocks noGrp="1"/>
           </p:cNvSpPr>
@@ -1798,17 +1830,22 @@
         </p:nvSpPr>
         <p:spPr/>
         <p:txBody>
-          <a:bodyPr rtlCol="0"/>
+          <a:bodyPr/>
           <a:lstStyle/>
           <a:p>
-            <a:pPr rtl="0"/>
             <a:endParaRPr lang="es-ES"/>
           </a:p>
         </p:txBody>
       </p:sp>
       <p:sp>
         <p:nvSpPr>
-          <p:cNvPr id="4" name="Marcador de número de diapositiva 3"/>
+          <p:cNvPr id="4" name="Marcador de número de diapositiva 3">
+            <a:extLst>
+              <a:ext uri="{FF2B5EF4-FFF2-40B4-BE49-F238E27FC236}">
+                <a16:creationId xmlns:a16="http://schemas.microsoft.com/office/drawing/2014/main" id="{F52B7CFC-2BF6-74A0-0662-C83A41B11A34}"/>
+              </a:ext>
+            </a:extLst>
+          </p:cNvPr>
           <p:cNvSpPr>
             <a:spLocks noGrp="1"/>
           </p:cNvSpPr>
@@ -1818,7 +1855,7 @@
         </p:nvSpPr>
         <p:spPr/>
         <p:txBody>
-          <a:bodyPr rtlCol="0"/>
+          <a:bodyPr/>
           <a:lstStyle/>
           <a:p>
             <a:pPr rtl="0"/>
@@ -1833,7 +1870,7 @@
     </p:spTree>
     <p:extLst>
       <p:ext uri="{BB962C8B-B14F-4D97-AF65-F5344CB8AC3E}">
-        <p14:creationId xmlns:p14="http://schemas.microsoft.com/office/powerpoint/2010/main" val="1046714131"/>
+        <p14:creationId xmlns:p14="http://schemas.microsoft.com/office/powerpoint/2010/main" val="2615079192"/>
       </p:ext>
     </p:extLst>
   </p:cSld>
@@ -2089,7 +2126,7 @@
             <a:pPr rtl="0"/>
             <a:fld id="{F409C0D2-15DE-4FAC-845B-C48979FFAEB9}" type="datetime1">
               <a:rPr lang="es-ES" noProof="0" smtClean="0"/>
-              <a:t>05/07/2025</a:t>
+              <a:t>12/07/2025</a:t>
             </a:fld>
             <a:endParaRPr lang="es-ES" noProof="0"/>
           </a:p>
@@ -2354,7 +2391,7 @@
             <a:pPr rtl="0"/>
             <a:fld id="{8CF9F163-DD03-4353-882E-CE0F9A80F1C3}" type="datetime1">
               <a:rPr lang="es-ES" noProof="0" smtClean="0"/>
-              <a:t>05/07/2025</a:t>
+              <a:t>12/07/2025</a:t>
             </a:fld>
             <a:endParaRPr lang="es-ES" noProof="0"/>
           </a:p>
@@ -2592,7 +2629,7 @@
             <a:pPr rtl="0"/>
             <a:fld id="{8D2FF54C-EA2F-453C-857C-5C9ADB86CB43}" type="datetime1">
               <a:rPr lang="es-ES" noProof="0" smtClean="0"/>
-              <a:t>05/07/2025</a:t>
+              <a:t>12/07/2025</a:t>
             </a:fld>
             <a:endParaRPr lang="es-ES" noProof="0"/>
           </a:p>
@@ -2835,7 +2872,7 @@
             <a:pPr rtl="0"/>
             <a:fld id="{57670FF6-52DC-429F-9C56-6A1BF295232E}" type="datetime1">
               <a:rPr lang="es-ES" noProof="0" smtClean="0"/>
-              <a:t>05/07/2025</a:t>
+              <a:t>12/07/2025</a:t>
             </a:fld>
             <a:endParaRPr lang="es-ES" noProof="0"/>
           </a:p>
@@ -3146,7 +3183,7 @@
             <a:pPr rtl="0"/>
             <a:fld id="{85E27922-51B6-4B96-9C28-2CD2060AE75A}" type="datetime1">
               <a:rPr lang="es-ES" noProof="0" smtClean="0"/>
-              <a:t>05/07/2025</a:t>
+              <a:t>12/07/2025</a:t>
             </a:fld>
             <a:endParaRPr lang="es-ES" noProof="0"/>
           </a:p>
@@ -3450,7 +3487,7 @@
             <a:pPr rtl="0"/>
             <a:fld id="{F3ECF5D1-1C98-40FD-9D65-EED7644802B9}" type="datetime1">
               <a:rPr lang="es-ES" noProof="0" smtClean="0"/>
-              <a:t>05/07/2025</a:t>
+              <a:t>12/07/2025</a:t>
             </a:fld>
             <a:endParaRPr lang="es-ES" noProof="0"/>
           </a:p>
@@ -3874,7 +3911,7 @@
             <a:pPr rtl="0"/>
             <a:fld id="{8556C746-EB55-4634-AD93-A9FF2473885C}" type="datetime1">
               <a:rPr lang="es-ES" noProof="0" smtClean="0"/>
-              <a:t>05/07/2025</a:t>
+              <a:t>12/07/2025</a:t>
             </a:fld>
             <a:endParaRPr lang="es-ES" noProof="0"/>
           </a:p>
@@ -3973,7 +4010,7 @@
             <a:pPr rtl="0"/>
             <a:fld id="{C9051F13-F75A-440F-BED7-E2004746A95F}" type="datetime1">
               <a:rPr lang="es-ES" noProof="0" smtClean="0"/>
-              <a:t>05/07/2025</a:t>
+              <a:t>12/07/2025</a:t>
             </a:fld>
             <a:endParaRPr lang="es-ES" noProof="0"/>
           </a:p>
@@ -4139,7 +4176,7 @@
             <a:pPr rtl="0"/>
             <a:fld id="{3D7A2E7D-666A-420B-9042-959E1D47E21D}" type="datetime1">
               <a:rPr lang="es-ES" noProof="0" smtClean="0"/>
-              <a:t>05/07/2025</a:t>
+              <a:t>12/07/2025</a:t>
             </a:fld>
             <a:endParaRPr lang="es-ES" noProof="0"/>
           </a:p>
@@ -4520,7 +4557,7 @@
             <a:pPr rtl="0"/>
             <a:fld id="{0403F12F-0E67-4CAB-8DFD-26DCD4A99D59}" type="datetime1">
               <a:rPr lang="es-ES" noProof="0" smtClean="0"/>
-              <a:t>05/07/2025</a:t>
+              <a:t>12/07/2025</a:t>
             </a:fld>
             <a:endParaRPr lang="es-ES" noProof="0"/>
           </a:p>
@@ -4813,7 +4850,7 @@
             <a:pPr rtl="0"/>
             <a:fld id="{9709DA8C-1A59-4B91-B9EA-509377CD0E23}" type="datetime1">
               <a:rPr lang="es-ES" noProof="0" smtClean="0"/>
-              <a:t>05/07/2025</a:t>
+              <a:t>12/07/2025</a:t>
             </a:fld>
             <a:endParaRPr lang="es-ES" noProof="0"/>
           </a:p>
@@ -5027,7 +5064,7 @@
             <a:pPr rtl="0"/>
             <a:fld id="{A3DF7BF2-42BB-439B-88AA-F60334FF1291}" type="datetime1">
               <a:rPr lang="es-ES" noProof="0" smtClean="0"/>
-              <a:t>05/07/2025</a:t>
+              <a:t>12/07/2025</a:t>
             </a:fld>
             <a:endParaRPr lang="es-ES" noProof="0"/>
           </a:p>
@@ -5885,1327 +5922,7 @@
 </p:sld>
 </file>
 
-<file path=ppt/slides/slide2.xml><?xml version="1.0" encoding="utf-8"?>
-<p:sld xmlns:a="http://schemas.openxmlformats.org/drawingml/2006/main" xmlns:r="http://schemas.openxmlformats.org/officeDocument/2006/relationships" xmlns:p="http://schemas.openxmlformats.org/presentationml/2006/main">
-  <p:cSld>
-    <p:bg>
-      <p:bgPr>
-        <a:solidFill>
-          <a:schemeClr val="bg1"/>
-        </a:solidFill>
-        <a:effectLst/>
-      </p:bgPr>
-    </p:bg>
-    <p:spTree>
-      <p:nvGrpSpPr>
-        <p:cNvPr id="1" name=""/>
-        <p:cNvGrpSpPr/>
-        <p:nvPr/>
-      </p:nvGrpSpPr>
-      <p:grpSpPr>
-        <a:xfrm>
-          <a:off x="0" y="0"/>
-          <a:ext cx="0" cy="0"/>
-          <a:chOff x="0" y="0"/>
-          <a:chExt cx="0" cy="0"/>
-        </a:xfrm>
-      </p:grpSpPr>
-      <p:sp useBgFill="1">
-        <p:nvSpPr>
-          <p:cNvPr id="29" name="Rectángulo 28">
-            <a:extLst>
-              <a:ext uri="{FF2B5EF4-FFF2-40B4-BE49-F238E27FC236}">
-                <a16:creationId xmlns:a16="http://schemas.microsoft.com/office/drawing/2014/main" id="{BFDA9692-ECDC-4B59-86B2-8C90FDE1A055}"/>
-              </a:ext>
-              <a:ext uri="{C183D7F6-B498-43B3-948B-1728B52AA6E4}">
-                <adec:decorative xmlns:adec="http://schemas.microsoft.com/office/drawing/2017/decorative" val="1"/>
-              </a:ext>
-            </a:extLst>
-          </p:cNvPr>
-          <p:cNvSpPr>
-            <a:spLocks noGrp="1" noRot="1" noChangeAspect="1" noMove="1" noResize="1" noEditPoints="1" noAdjustHandles="1" noChangeArrowheads="1" noChangeShapeType="1" noTextEdit="1"/>
-          </p:cNvSpPr>
-          <p:nvPr>
-            <p:extLst>
-              <p:ext uri="{386F3935-93C4-4BCD-93E2-E3B085C9AB24}">
-                <p16:designElem xmlns:p16="http://schemas.microsoft.com/office/powerpoint/2015/main" val="1"/>
-              </p:ext>
-            </p:extLst>
-          </p:nvPr>
-        </p:nvSpPr>
-        <p:spPr>
-          <a:xfrm>
-            <a:off x="0" y="536712"/>
-            <a:ext cx="12192000" cy="6321287"/>
-          </a:xfrm>
-          <a:prstGeom prst="rect">
-            <a:avLst/>
-          </a:prstGeom>
-          <a:ln>
-            <a:noFill/>
-          </a:ln>
-        </p:spPr>
-        <p:style>
-          <a:lnRef idx="2">
-            <a:schemeClr val="accent1">
-              <a:shade val="50000"/>
-            </a:schemeClr>
-          </a:lnRef>
-          <a:fillRef idx="1">
-            <a:schemeClr val="accent1"/>
-          </a:fillRef>
-          <a:effectRef idx="0">
-            <a:schemeClr val="accent1"/>
-          </a:effectRef>
-          <a:fontRef idx="minor">
-            <a:schemeClr val="lt1"/>
-          </a:fontRef>
-        </p:style>
-        <p:txBody>
-          <a:bodyPr rtlCol="0" anchor="ctr"/>
-          <a:lstStyle/>
-          <a:p>
-            <a:pPr algn="ctr" rtl="0"/>
-            <a:endParaRPr lang="en-US" dirty="0"/>
-          </a:p>
-        </p:txBody>
-      </p:sp>
-      <p:sp>
-        <p:nvSpPr>
-          <p:cNvPr id="31" name="Rectángulo 30">
-            <a:extLst>
-              <a:ext uri="{FF2B5EF4-FFF2-40B4-BE49-F238E27FC236}">
-                <a16:creationId xmlns:a16="http://schemas.microsoft.com/office/drawing/2014/main" id="{12C05506-42A1-49C0-9D87-081CCD9023D6}"/>
-              </a:ext>
-              <a:ext uri="{C183D7F6-B498-43B3-948B-1728B52AA6E4}">
-                <adec:decorative xmlns:adec="http://schemas.microsoft.com/office/drawing/2017/decorative" val="1"/>
-              </a:ext>
-            </a:extLst>
-          </p:cNvPr>
-          <p:cNvSpPr>
-            <a:spLocks noGrp="1" noRot="1" noChangeAspect="1" noMove="1" noResize="1" noEditPoints="1" noAdjustHandles="1" noChangeArrowheads="1" noChangeShapeType="1" noTextEdit="1"/>
-          </p:cNvSpPr>
-          <p:nvPr>
-            <p:extLst>
-              <p:ext uri="{386F3935-93C4-4BCD-93E2-E3B085C9AB24}">
-                <p16:designElem xmlns:p16="http://schemas.microsoft.com/office/powerpoint/2015/main" val="1"/>
-              </p:ext>
-            </p:extLst>
-          </p:nvPr>
-        </p:nvSpPr>
-        <p:spPr>
-          <a:xfrm>
-            <a:off x="447817" y="5141974"/>
-            <a:ext cx="11290860" cy="1258827"/>
-          </a:xfrm>
-          <a:prstGeom prst="rect">
-            <a:avLst/>
-          </a:prstGeom>
-          <a:solidFill>
-            <a:schemeClr val="accent1"/>
-          </a:solidFill>
-          <a:ln>
-            <a:noFill/>
-          </a:ln>
-          <a:effectLst/>
-        </p:spPr>
-        <p:style>
-          <a:lnRef idx="1">
-            <a:schemeClr val="accent1"/>
-          </a:lnRef>
-          <a:fillRef idx="3">
-            <a:schemeClr val="accent1"/>
-          </a:fillRef>
-          <a:effectRef idx="2">
-            <a:schemeClr val="accent1"/>
-          </a:effectRef>
-          <a:fontRef idx="minor">
-            <a:schemeClr val="lt1"/>
-          </a:fontRef>
-        </p:style>
-        <p:txBody>
-          <a:bodyPr/>
-          <a:lstStyle/>
-          <a:p>
-            <a:endParaRPr lang="es-PE"/>
-          </a:p>
-        </p:txBody>
-      </p:sp>
-      <p:sp>
-        <p:nvSpPr>
-          <p:cNvPr id="2" name="Título 1">
-            <a:extLst>
-              <a:ext uri="{FF2B5EF4-FFF2-40B4-BE49-F238E27FC236}">
-                <a16:creationId xmlns:a16="http://schemas.microsoft.com/office/drawing/2014/main" id="{5B040558-A365-4CCE-92FA-5A48CD98F9C9}"/>
-              </a:ext>
-            </a:extLst>
-          </p:cNvPr>
-          <p:cNvSpPr>
-            <a:spLocks noGrp="1"/>
-          </p:cNvSpPr>
-          <p:nvPr>
-            <p:ph type="title"/>
-          </p:nvPr>
-        </p:nvSpPr>
-        <p:spPr>
-          <a:xfrm>
-            <a:off x="581192" y="5264487"/>
-            <a:ext cx="11029616" cy="718870"/>
-          </a:xfrm>
-        </p:spPr>
-        <p:txBody>
-          <a:bodyPr rtlCol="0">
-            <a:normAutofit/>
-          </a:bodyPr>
-          <a:lstStyle/>
-          <a:p>
-            <a:r>
-              <a:rPr lang="es-PE" b="1" dirty="0"/>
-              <a:t>Qué es </a:t>
-            </a:r>
-            <a:r>
-              <a:rPr lang="es-PE" b="1" dirty="0" err="1"/>
-              <a:t>Confluent</a:t>
-            </a:r>
-            <a:r>
-              <a:rPr lang="es-PE" b="1" dirty="0"/>
-              <a:t> Cloud</a:t>
-            </a:r>
-            <a:endParaRPr lang="es-PE" dirty="0"/>
-          </a:p>
-        </p:txBody>
-      </p:sp>
-      <p:sp>
-        <p:nvSpPr>
-          <p:cNvPr id="5" name="Marcador de contenido 4">
-            <a:extLst>
-              <a:ext uri="{FF2B5EF4-FFF2-40B4-BE49-F238E27FC236}">
-                <a16:creationId xmlns:a16="http://schemas.microsoft.com/office/drawing/2014/main" id="{6AF12595-67A7-7EA5-B45B-9ABDCB77C322}"/>
-              </a:ext>
-            </a:extLst>
-          </p:cNvPr>
-          <p:cNvSpPr>
-            <a:spLocks noGrp="1"/>
-          </p:cNvSpPr>
-          <p:nvPr>
-            <p:ph idx="1"/>
-          </p:nvPr>
-        </p:nvSpPr>
-        <p:spPr>
-          <a:xfrm>
-            <a:off x="581193" y="1288027"/>
-            <a:ext cx="11029615" cy="3436503"/>
-          </a:xfrm>
-        </p:spPr>
-        <p:txBody>
-          <a:bodyPr/>
-          <a:lstStyle/>
-          <a:p>
-            <a:pPr marL="0" indent="0">
-              <a:buNone/>
-            </a:pPr>
-            <a:r>
-              <a:rPr lang="es-ES" dirty="0" err="1"/>
-              <a:t>Confluent</a:t>
-            </a:r>
-            <a:r>
-              <a:rPr lang="es-ES" dirty="0"/>
-              <a:t> es una plataforma de </a:t>
-            </a:r>
-            <a:r>
-              <a:rPr lang="es-ES" dirty="0" err="1"/>
-              <a:t>streaming</a:t>
-            </a:r>
-            <a:r>
-              <a:rPr lang="es-ES" dirty="0"/>
-              <a:t> de datos basada en Apache Kafka que permite:</a:t>
-            </a:r>
-          </a:p>
-          <a:p>
-            <a:r>
-              <a:rPr lang="es-ES" b="1" dirty="0" err="1"/>
-              <a:t>Streaming</a:t>
-            </a:r>
-            <a:r>
-              <a:rPr lang="es-ES" b="1" dirty="0"/>
-              <a:t> en tiempo real</a:t>
-            </a:r>
-            <a:r>
-              <a:rPr lang="es-ES" dirty="0"/>
-              <a:t>: Procesar datos mientras se generan</a:t>
-            </a:r>
-          </a:p>
-          <a:p>
-            <a:r>
-              <a:rPr lang="es-ES" b="1" dirty="0"/>
-              <a:t>Escalabilidad</a:t>
-            </a:r>
-            <a:r>
-              <a:rPr lang="es-ES" dirty="0"/>
-              <a:t>: Manejar millones de mensajes por segundo</a:t>
-            </a:r>
-          </a:p>
-          <a:p>
-            <a:r>
-              <a:rPr lang="es-ES" b="1" dirty="0"/>
-              <a:t>Durabilidad</a:t>
-            </a:r>
-            <a:r>
-              <a:rPr lang="es-ES" dirty="0"/>
-              <a:t>: Los datos se almacenan de forma persistente</a:t>
-            </a:r>
-          </a:p>
-          <a:p>
-            <a:r>
-              <a:rPr lang="es-ES" b="1" dirty="0"/>
-              <a:t>Integración</a:t>
-            </a:r>
-            <a:r>
-              <a:rPr lang="es-ES" dirty="0"/>
-              <a:t>: Conectores para múltiples sistemas</a:t>
-            </a:r>
-          </a:p>
-          <a:p>
-            <a:endParaRPr lang="es-PE" dirty="0"/>
-          </a:p>
-          <a:p>
-            <a:endParaRPr lang="es-PE" dirty="0"/>
-          </a:p>
-          <a:p>
-            <a:endParaRPr lang="es-PE" dirty="0"/>
-          </a:p>
-        </p:txBody>
-      </p:sp>
-    </p:spTree>
-    <p:extLst>
-      <p:ext uri="{BB962C8B-B14F-4D97-AF65-F5344CB8AC3E}">
-        <p14:creationId xmlns:p14="http://schemas.microsoft.com/office/powerpoint/2010/main" val="1703342593"/>
-      </p:ext>
-    </p:extLst>
-  </p:cSld>
-  <p:clrMapOvr>
-    <a:masterClrMapping/>
-  </p:clrMapOvr>
-</p:sld>
-</file>
-
-<file path=ppt/slides/slide3.xml><?xml version="1.0" encoding="utf-8"?>
-<p:sld xmlns:a="http://schemas.openxmlformats.org/drawingml/2006/main" xmlns:r="http://schemas.openxmlformats.org/officeDocument/2006/relationships" xmlns:p="http://schemas.openxmlformats.org/presentationml/2006/main">
-  <p:cSld>
-    <p:spTree>
-      <p:nvGrpSpPr>
-        <p:cNvPr id="1" name=""/>
-        <p:cNvGrpSpPr/>
-        <p:nvPr/>
-      </p:nvGrpSpPr>
-      <p:grpSpPr>
-        <a:xfrm>
-          <a:off x="0" y="0"/>
-          <a:ext cx="0" cy="0"/>
-          <a:chOff x="0" y="0"/>
-          <a:chExt cx="0" cy="0"/>
-        </a:xfrm>
-      </p:grpSpPr>
-      <p:sp>
-        <p:nvSpPr>
-          <p:cNvPr id="2" name="Título 1">
-            <a:extLst>
-              <a:ext uri="{FF2B5EF4-FFF2-40B4-BE49-F238E27FC236}">
-                <a16:creationId xmlns:a16="http://schemas.microsoft.com/office/drawing/2014/main" id="{921633EB-7DCB-4DDC-80AF-C885A3EE1245}"/>
-              </a:ext>
-            </a:extLst>
-          </p:cNvPr>
-          <p:cNvSpPr>
-            <a:spLocks noGrp="1"/>
-          </p:cNvSpPr>
-          <p:nvPr>
-            <p:ph type="title"/>
-          </p:nvPr>
-        </p:nvSpPr>
-        <p:spPr/>
-        <p:txBody>
-          <a:bodyPr rtlCol="0"/>
-          <a:lstStyle/>
-          <a:p>
-            <a:r>
-              <a:rPr lang="es-PE" b="1" dirty="0"/>
-              <a:t>Componentes Principales</a:t>
-            </a:r>
-          </a:p>
-        </p:txBody>
-      </p:sp>
-      <p:sp>
-        <p:nvSpPr>
-          <p:cNvPr id="4" name="Marcador de contenido 3">
-            <a:extLst>
-              <a:ext uri="{FF2B5EF4-FFF2-40B4-BE49-F238E27FC236}">
-                <a16:creationId xmlns:a16="http://schemas.microsoft.com/office/drawing/2014/main" id="{37A5742C-E99A-5998-B2BA-C9C1B2E6193F}"/>
-              </a:ext>
-            </a:extLst>
-          </p:cNvPr>
-          <p:cNvSpPr>
-            <a:spLocks noGrp="1"/>
-          </p:cNvSpPr>
-          <p:nvPr>
-            <p:ph sz="half" idx="1"/>
-          </p:nvPr>
-        </p:nvSpPr>
-        <p:spPr>
-          <a:xfrm>
-            <a:off x="581193" y="2237835"/>
-            <a:ext cx="11029616" cy="3633047"/>
-          </a:xfrm>
-        </p:spPr>
-        <p:txBody>
-          <a:bodyPr/>
-          <a:lstStyle/>
-          <a:p>
-            <a:r>
-              <a:rPr lang="es-ES" b="1" dirty="0" err="1"/>
-              <a:t>Topics</a:t>
-            </a:r>
-            <a:r>
-              <a:rPr lang="es-ES" dirty="0"/>
-              <a:t>: Canales donde se publican los datos</a:t>
-            </a:r>
-          </a:p>
-          <a:p>
-            <a:r>
-              <a:rPr lang="es-ES" b="1" dirty="0" err="1"/>
-              <a:t>Producers</a:t>
-            </a:r>
-            <a:r>
-              <a:rPr lang="es-ES" dirty="0"/>
-              <a:t>: Aplicaciones que envían datos a los </a:t>
-            </a:r>
-            <a:r>
-              <a:rPr lang="es-ES" dirty="0" err="1"/>
-              <a:t>topics</a:t>
-            </a:r>
-            <a:endParaRPr lang="es-ES" dirty="0"/>
-          </a:p>
-          <a:p>
-            <a:r>
-              <a:rPr lang="es-ES" b="1" dirty="0" err="1"/>
-              <a:t>Consumers</a:t>
-            </a:r>
-            <a:r>
-              <a:rPr lang="es-ES" dirty="0"/>
-              <a:t>: Aplicaciones que leen datos de los </a:t>
-            </a:r>
-            <a:r>
-              <a:rPr lang="es-ES" dirty="0" err="1"/>
-              <a:t>topics</a:t>
-            </a:r>
-            <a:endParaRPr lang="es-ES" dirty="0"/>
-          </a:p>
-          <a:p>
-            <a:r>
-              <a:rPr lang="es-ES" b="1" dirty="0" err="1"/>
-              <a:t>Brokers</a:t>
-            </a:r>
-            <a:r>
-              <a:rPr lang="es-ES" dirty="0"/>
-              <a:t>: Servidores que almacenan y distribuyen los datos</a:t>
-            </a:r>
-          </a:p>
-          <a:p>
-            <a:r>
-              <a:rPr lang="es-ES" b="1" dirty="0" err="1"/>
-              <a:t>Schema</a:t>
-            </a:r>
-            <a:r>
-              <a:rPr lang="es-ES" b="1" dirty="0"/>
-              <a:t> </a:t>
-            </a:r>
-            <a:r>
-              <a:rPr lang="es-ES" b="1" dirty="0" err="1"/>
-              <a:t>Registry</a:t>
-            </a:r>
-            <a:r>
-              <a:rPr lang="es-ES" dirty="0"/>
-              <a:t>: Gestiona los esquemas de datos</a:t>
-            </a:r>
-          </a:p>
-        </p:txBody>
-      </p:sp>
-    </p:spTree>
-    <p:extLst>
-      <p:ext uri="{BB962C8B-B14F-4D97-AF65-F5344CB8AC3E}">
-        <p14:creationId xmlns:p14="http://schemas.microsoft.com/office/powerpoint/2010/main" val="497607547"/>
-      </p:ext>
-    </p:extLst>
-  </p:cSld>
-  <p:clrMapOvr>
-    <a:masterClrMapping/>
-  </p:clrMapOvr>
-</p:sld>
-</file>
-
-<file path=ppt/slides/slide4.xml><?xml version="1.0" encoding="utf-8"?>
-<p:sld xmlns:a="http://schemas.openxmlformats.org/drawingml/2006/main" xmlns:r="http://schemas.openxmlformats.org/officeDocument/2006/relationships" xmlns:p="http://schemas.openxmlformats.org/presentationml/2006/main">
-  <p:cSld>
-    <p:spTree>
-      <p:nvGrpSpPr>
-        <p:cNvPr id="1" name="">
-          <a:extLst>
-            <a:ext uri="{FF2B5EF4-FFF2-40B4-BE49-F238E27FC236}">
-              <a16:creationId xmlns:a16="http://schemas.microsoft.com/office/drawing/2014/main" id="{0CEBA47B-EFE9-D717-6081-9DA2C7B45641}"/>
-            </a:ext>
-          </a:extLst>
-        </p:cNvPr>
-        <p:cNvGrpSpPr/>
-        <p:nvPr/>
-      </p:nvGrpSpPr>
-      <p:grpSpPr>
-        <a:xfrm>
-          <a:off x="0" y="0"/>
-          <a:ext cx="0" cy="0"/>
-          <a:chOff x="0" y="0"/>
-          <a:chExt cx="0" cy="0"/>
-        </a:xfrm>
-      </p:grpSpPr>
-      <p:sp>
-        <p:nvSpPr>
-          <p:cNvPr id="2" name="Título 1">
-            <a:extLst>
-              <a:ext uri="{FF2B5EF4-FFF2-40B4-BE49-F238E27FC236}">
-                <a16:creationId xmlns:a16="http://schemas.microsoft.com/office/drawing/2014/main" id="{7E825B3F-A045-CE35-338E-7C5989B0F4AF}"/>
-              </a:ext>
-            </a:extLst>
-          </p:cNvPr>
-          <p:cNvSpPr>
-            <a:spLocks noGrp="1"/>
-          </p:cNvSpPr>
-          <p:nvPr>
-            <p:ph type="title"/>
-          </p:nvPr>
-        </p:nvSpPr>
-        <p:spPr/>
-        <p:txBody>
-          <a:bodyPr rtlCol="0"/>
-          <a:lstStyle/>
-          <a:p>
-            <a:r>
-              <a:rPr lang="es-PE" b="1" dirty="0"/>
-              <a:t>¿Qué son los TOPICS en </a:t>
-            </a:r>
-            <a:r>
-              <a:rPr lang="es-PE" b="1" dirty="0" err="1"/>
-              <a:t>Confluent</a:t>
-            </a:r>
-            <a:r>
-              <a:rPr lang="es-PE" b="1" dirty="0"/>
-              <a:t>/Kafka?</a:t>
-            </a:r>
-          </a:p>
-        </p:txBody>
-      </p:sp>
-      <p:sp>
-        <p:nvSpPr>
-          <p:cNvPr id="4" name="Marcador de contenido 3">
-            <a:extLst>
-              <a:ext uri="{FF2B5EF4-FFF2-40B4-BE49-F238E27FC236}">
-                <a16:creationId xmlns:a16="http://schemas.microsoft.com/office/drawing/2014/main" id="{2EF441D9-B8D6-775B-4B9A-5D6A3B1E2746}"/>
-              </a:ext>
-            </a:extLst>
-          </p:cNvPr>
-          <p:cNvSpPr>
-            <a:spLocks noGrp="1"/>
-          </p:cNvSpPr>
-          <p:nvPr>
-            <p:ph sz="half" idx="1"/>
-          </p:nvPr>
-        </p:nvSpPr>
-        <p:spPr>
-          <a:xfrm>
-            <a:off x="581193" y="2237835"/>
-            <a:ext cx="11029616" cy="3633047"/>
-          </a:xfrm>
-        </p:spPr>
-        <p:txBody>
-          <a:bodyPr/>
-          <a:lstStyle/>
-          <a:p>
-            <a:r>
-              <a:rPr lang="es-ES" dirty="0"/>
-              <a:t>Los </a:t>
-            </a:r>
-            <a:r>
-              <a:rPr lang="es-ES" b="1" dirty="0" err="1"/>
-              <a:t>Topics</a:t>
-            </a:r>
-            <a:r>
-              <a:rPr lang="es-ES" dirty="0"/>
-              <a:t> son la unidad fundamental de organización de datos en Kafka/</a:t>
-            </a:r>
-            <a:r>
-              <a:rPr lang="es-ES" dirty="0" err="1"/>
-              <a:t>Confluent</a:t>
-            </a:r>
-            <a:r>
-              <a:rPr lang="es-ES" dirty="0"/>
-              <a:t>. Son como "canales" o "categorías" donde se almacenan y organizan los mensajes.</a:t>
-            </a:r>
-          </a:p>
-          <a:p>
-            <a:endParaRPr lang="es-PE" dirty="0"/>
-          </a:p>
-        </p:txBody>
-      </p:sp>
-    </p:spTree>
-    <p:extLst>
-      <p:ext uri="{BB962C8B-B14F-4D97-AF65-F5344CB8AC3E}">
-        <p14:creationId xmlns:p14="http://schemas.microsoft.com/office/powerpoint/2010/main" val="1210781540"/>
-      </p:ext>
-    </p:extLst>
-  </p:cSld>
-  <p:clrMapOvr>
-    <a:masterClrMapping/>
-  </p:clrMapOvr>
-</p:sld>
-</file>
-
-<file path=ppt/slides/slide5.xml><?xml version="1.0" encoding="utf-8"?>
-<p:sld xmlns:a="http://schemas.openxmlformats.org/drawingml/2006/main" xmlns:r="http://schemas.openxmlformats.org/officeDocument/2006/relationships" xmlns:p="http://schemas.openxmlformats.org/presentationml/2006/main">
-  <p:cSld>
-    <p:spTree>
-      <p:nvGrpSpPr>
-        <p:cNvPr id="1" name="">
-          <a:extLst>
-            <a:ext uri="{FF2B5EF4-FFF2-40B4-BE49-F238E27FC236}">
-              <a16:creationId xmlns:a16="http://schemas.microsoft.com/office/drawing/2014/main" id="{E938D503-34CE-E42D-E2CF-AF5AEDEAF902}"/>
-            </a:ext>
-          </a:extLst>
-        </p:cNvPr>
-        <p:cNvGrpSpPr/>
-        <p:nvPr/>
-      </p:nvGrpSpPr>
-      <p:grpSpPr>
-        <a:xfrm>
-          <a:off x="0" y="0"/>
-          <a:ext cx="0" cy="0"/>
-          <a:chOff x="0" y="0"/>
-          <a:chExt cx="0" cy="0"/>
-        </a:xfrm>
-      </p:grpSpPr>
-      <p:sp>
-        <p:nvSpPr>
-          <p:cNvPr id="2" name="Título 1">
-            <a:extLst>
-              <a:ext uri="{FF2B5EF4-FFF2-40B4-BE49-F238E27FC236}">
-                <a16:creationId xmlns:a16="http://schemas.microsoft.com/office/drawing/2014/main" id="{FF197D37-5140-3EE4-A9E9-0EB21C2DCF51}"/>
-              </a:ext>
-            </a:extLst>
-          </p:cNvPr>
-          <p:cNvSpPr>
-            <a:spLocks noGrp="1"/>
-          </p:cNvSpPr>
-          <p:nvPr>
-            <p:ph type="title"/>
-          </p:nvPr>
-        </p:nvSpPr>
-        <p:spPr/>
-        <p:txBody>
-          <a:bodyPr rtlCol="0"/>
-          <a:lstStyle/>
-          <a:p>
-            <a:r>
-              <a:rPr lang="es-PE" b="1" dirty="0"/>
-              <a:t>Características de los </a:t>
-            </a:r>
-            <a:r>
-              <a:rPr lang="es-PE" b="1" dirty="0" err="1"/>
-              <a:t>Topics</a:t>
-            </a:r>
-            <a:endParaRPr lang="es-PE" b="1" dirty="0"/>
-          </a:p>
-        </p:txBody>
-      </p:sp>
-      <p:sp>
-        <p:nvSpPr>
-          <p:cNvPr id="4" name="Marcador de contenido 3">
-            <a:extLst>
-              <a:ext uri="{FF2B5EF4-FFF2-40B4-BE49-F238E27FC236}">
-                <a16:creationId xmlns:a16="http://schemas.microsoft.com/office/drawing/2014/main" id="{B5D2980F-3B8A-AD96-72F0-310593A9E3F5}"/>
-              </a:ext>
-            </a:extLst>
-          </p:cNvPr>
-          <p:cNvSpPr>
-            <a:spLocks noGrp="1"/>
-          </p:cNvSpPr>
-          <p:nvPr>
-            <p:ph sz="half" idx="1"/>
-          </p:nvPr>
-        </p:nvSpPr>
-        <p:spPr>
-          <a:xfrm>
-            <a:off x="581193" y="2237835"/>
-            <a:ext cx="11029616" cy="3633047"/>
-          </a:xfrm>
-        </p:spPr>
-        <p:txBody>
-          <a:bodyPr/>
-          <a:lstStyle/>
-          <a:p>
-            <a:r>
-              <a:rPr lang="es-ES" b="1" dirty="0"/>
-              <a:t>Nombre único</a:t>
-            </a:r>
-            <a:r>
-              <a:rPr lang="es-ES" dirty="0"/>
-              <a:t>: Cada </a:t>
-            </a:r>
-            <a:r>
-              <a:rPr lang="es-ES" dirty="0" err="1"/>
-              <a:t>topic</a:t>
-            </a:r>
-            <a:r>
-              <a:rPr lang="es-ES" dirty="0"/>
-              <a:t> tiene un identificador único en el </a:t>
-            </a:r>
-            <a:r>
-              <a:rPr lang="es-ES" dirty="0" err="1"/>
-              <a:t>cluster</a:t>
-            </a:r>
-            <a:endParaRPr lang="es-ES" dirty="0"/>
-          </a:p>
-          <a:p>
-            <a:r>
-              <a:rPr lang="es-ES" b="1" dirty="0"/>
-              <a:t>Particionado</a:t>
-            </a:r>
-            <a:r>
-              <a:rPr lang="es-ES" dirty="0"/>
-              <a:t>: Se dividen en particiones para escalabilidad</a:t>
-            </a:r>
-          </a:p>
-          <a:p>
-            <a:r>
-              <a:rPr lang="es-ES" b="1" dirty="0"/>
-              <a:t>Ordenamiento</a:t>
-            </a:r>
-            <a:r>
-              <a:rPr lang="es-ES" dirty="0"/>
-              <a:t>: Los mensajes dentro de una partición mantienen orden</a:t>
-            </a:r>
-          </a:p>
-          <a:p>
-            <a:r>
-              <a:rPr lang="es-ES" b="1" dirty="0"/>
-              <a:t>Persistencia</a:t>
-            </a:r>
-            <a:r>
-              <a:rPr lang="es-ES" dirty="0"/>
-              <a:t>: Los datos se almacenan en disco por un tiempo configurable</a:t>
-            </a:r>
-          </a:p>
-          <a:p>
-            <a:r>
-              <a:rPr lang="es-ES" b="1" dirty="0"/>
-              <a:t>Replicación</a:t>
-            </a:r>
-            <a:r>
-              <a:rPr lang="es-ES" dirty="0"/>
-              <a:t>: Se pueden replicar en múltiples </a:t>
-            </a:r>
-            <a:r>
-              <a:rPr lang="es-ES" dirty="0" err="1"/>
-              <a:t>brokers</a:t>
-            </a:r>
-            <a:r>
-              <a:rPr lang="es-ES" dirty="0"/>
-              <a:t> para alta disponibilidad</a:t>
-            </a:r>
-          </a:p>
-          <a:p>
-            <a:endParaRPr lang="es-PE" dirty="0"/>
-          </a:p>
-        </p:txBody>
-      </p:sp>
-    </p:spTree>
-    <p:extLst>
-      <p:ext uri="{BB962C8B-B14F-4D97-AF65-F5344CB8AC3E}">
-        <p14:creationId xmlns:p14="http://schemas.microsoft.com/office/powerpoint/2010/main" val="3576548917"/>
-      </p:ext>
-    </p:extLst>
-  </p:cSld>
-  <p:clrMapOvr>
-    <a:masterClrMapping/>
-  </p:clrMapOvr>
-</p:sld>
-</file>
-
-<file path=ppt/slides/slide6.xml><?xml version="1.0" encoding="utf-8"?>
-<p:sld xmlns:a="http://schemas.openxmlformats.org/drawingml/2006/main" xmlns:r="http://schemas.openxmlformats.org/officeDocument/2006/relationships" xmlns:p="http://schemas.openxmlformats.org/presentationml/2006/main">
-  <p:cSld>
-    <p:spTree>
-      <p:nvGrpSpPr>
-        <p:cNvPr id="1" name="">
-          <a:extLst>
-            <a:ext uri="{FF2B5EF4-FFF2-40B4-BE49-F238E27FC236}">
-              <a16:creationId xmlns:a16="http://schemas.microsoft.com/office/drawing/2014/main" id="{D30F507F-B2CB-2AFA-B49A-8B722368D932}"/>
-            </a:ext>
-          </a:extLst>
-        </p:cNvPr>
-        <p:cNvGrpSpPr/>
-        <p:nvPr/>
-      </p:nvGrpSpPr>
-      <p:grpSpPr>
-        <a:xfrm>
-          <a:off x="0" y="0"/>
-          <a:ext cx="0" cy="0"/>
-          <a:chOff x="0" y="0"/>
-          <a:chExt cx="0" cy="0"/>
-        </a:xfrm>
-      </p:grpSpPr>
-      <p:sp>
-        <p:nvSpPr>
-          <p:cNvPr id="2" name="Título 1">
-            <a:extLst>
-              <a:ext uri="{FF2B5EF4-FFF2-40B4-BE49-F238E27FC236}">
-                <a16:creationId xmlns:a16="http://schemas.microsoft.com/office/drawing/2014/main" id="{171E1F35-31AD-CE12-9E65-D61C012C3CF2}"/>
-              </a:ext>
-            </a:extLst>
-          </p:cNvPr>
-          <p:cNvSpPr>
-            <a:spLocks noGrp="1"/>
-          </p:cNvSpPr>
-          <p:nvPr>
-            <p:ph type="title"/>
-          </p:nvPr>
-        </p:nvSpPr>
-        <p:spPr/>
-        <p:txBody>
-          <a:bodyPr rtlCol="0"/>
-          <a:lstStyle/>
-          <a:p>
-            <a:r>
-              <a:rPr lang="es-PE" b="1" dirty="0"/>
-              <a:t>Demo: Aplicación AWS-</a:t>
-            </a:r>
-            <a:r>
-              <a:rPr lang="es-PE" b="1" dirty="0" err="1"/>
-              <a:t>Confluent</a:t>
-            </a:r>
-            <a:endParaRPr lang="es-PE" b="1" dirty="0"/>
-          </a:p>
-        </p:txBody>
-      </p:sp>
-      <p:sp>
-        <p:nvSpPr>
-          <p:cNvPr id="4" name="Marcador de contenido 3">
-            <a:extLst>
-              <a:ext uri="{FF2B5EF4-FFF2-40B4-BE49-F238E27FC236}">
-                <a16:creationId xmlns:a16="http://schemas.microsoft.com/office/drawing/2014/main" id="{B1AAA8FB-D8F2-5C8B-7CA9-17D32BCB09BF}"/>
-              </a:ext>
-            </a:extLst>
-          </p:cNvPr>
-          <p:cNvSpPr>
-            <a:spLocks noGrp="1"/>
-          </p:cNvSpPr>
-          <p:nvPr>
-            <p:ph sz="half" idx="1"/>
-          </p:nvPr>
-        </p:nvSpPr>
-        <p:spPr>
-          <a:xfrm>
-            <a:off x="581193" y="2237836"/>
-            <a:ext cx="11029616" cy="1911378"/>
-          </a:xfrm>
-        </p:spPr>
-        <p:txBody>
-          <a:bodyPr/>
-          <a:lstStyle/>
-          <a:p>
-            <a:pPr marL="0" indent="0">
-              <a:buNone/>
-            </a:pPr>
-            <a:r>
-              <a:rPr lang="es-PE" sz="2000" b="1" dirty="0"/>
-              <a:t>Objetivo de la Demo</a:t>
-            </a:r>
-          </a:p>
-          <a:p>
-            <a:r>
-              <a:rPr lang="es-ES" dirty="0"/>
-              <a:t>Demostrar cómo </a:t>
-            </a:r>
-            <a:r>
-              <a:rPr lang="es-ES" b="1" dirty="0" err="1"/>
-              <a:t>Confluent</a:t>
-            </a:r>
-            <a:r>
-              <a:rPr lang="es-ES" b="1" dirty="0"/>
-              <a:t> Cloud</a:t>
-            </a:r>
-            <a:r>
-              <a:rPr lang="es-ES" dirty="0"/>
-              <a:t> se integra con </a:t>
-            </a:r>
-            <a:r>
-              <a:rPr lang="es-ES" b="1" dirty="0"/>
-              <a:t>AWS</a:t>
-            </a:r>
-            <a:r>
-              <a:rPr lang="es-ES" dirty="0"/>
-              <a:t> para crear una solución completa de </a:t>
-            </a:r>
-            <a:r>
-              <a:rPr lang="es-ES" dirty="0" err="1"/>
-              <a:t>streaming</a:t>
-            </a:r>
-            <a:r>
-              <a:rPr lang="es-ES" dirty="0"/>
-              <a:t> de datos que procesa eventos en tiempo real.</a:t>
-            </a:r>
-            <a:endParaRPr lang="es-PE" dirty="0"/>
-          </a:p>
-        </p:txBody>
-      </p:sp>
-    </p:spTree>
-    <p:extLst>
-      <p:ext uri="{BB962C8B-B14F-4D97-AF65-F5344CB8AC3E}">
-        <p14:creationId xmlns:p14="http://schemas.microsoft.com/office/powerpoint/2010/main" val="3566183588"/>
-      </p:ext>
-    </p:extLst>
-  </p:cSld>
-  <p:clrMapOvr>
-    <a:masterClrMapping/>
-  </p:clrMapOvr>
-</p:sld>
-</file>
-
-<file path=ppt/slides/slide7.xml><?xml version="1.0" encoding="utf-8"?>
-<p:sld xmlns:a="http://schemas.openxmlformats.org/drawingml/2006/main" xmlns:r="http://schemas.openxmlformats.org/officeDocument/2006/relationships" xmlns:p="http://schemas.openxmlformats.org/presentationml/2006/main">
-  <p:cSld>
-    <p:spTree>
-      <p:nvGrpSpPr>
-        <p:cNvPr id="1" name="">
-          <a:extLst>
-            <a:ext uri="{FF2B5EF4-FFF2-40B4-BE49-F238E27FC236}">
-              <a16:creationId xmlns:a16="http://schemas.microsoft.com/office/drawing/2014/main" id="{160B6C28-9BD1-9F2E-DA2E-2DE458ABC4E7}"/>
-            </a:ext>
-          </a:extLst>
-        </p:cNvPr>
-        <p:cNvGrpSpPr/>
-        <p:nvPr/>
-      </p:nvGrpSpPr>
-      <p:grpSpPr>
-        <a:xfrm>
-          <a:off x="0" y="0"/>
-          <a:ext cx="0" cy="0"/>
-          <a:chOff x="0" y="0"/>
-          <a:chExt cx="0" cy="0"/>
-        </a:xfrm>
-      </p:grpSpPr>
-      <p:sp>
-        <p:nvSpPr>
-          <p:cNvPr id="2" name="Título 1">
-            <a:extLst>
-              <a:ext uri="{FF2B5EF4-FFF2-40B4-BE49-F238E27FC236}">
-                <a16:creationId xmlns:a16="http://schemas.microsoft.com/office/drawing/2014/main" id="{D46AAEEF-DC9B-1BA0-699F-BDC8EE2597F7}"/>
-              </a:ext>
-            </a:extLst>
-          </p:cNvPr>
-          <p:cNvSpPr>
-            <a:spLocks noGrp="1"/>
-          </p:cNvSpPr>
-          <p:nvPr>
-            <p:ph type="title"/>
-          </p:nvPr>
-        </p:nvSpPr>
-        <p:spPr/>
-        <p:txBody>
-          <a:bodyPr rtlCol="0"/>
-          <a:lstStyle/>
-          <a:p>
-            <a:r>
-              <a:rPr lang="es-PE" b="1" dirty="0"/>
-              <a:t>Flujo de la Demo</a:t>
-            </a:r>
-          </a:p>
-        </p:txBody>
-      </p:sp>
-      <p:sp>
-        <p:nvSpPr>
-          <p:cNvPr id="4" name="Marcador de contenido 3">
-            <a:extLst>
-              <a:ext uri="{FF2B5EF4-FFF2-40B4-BE49-F238E27FC236}">
-                <a16:creationId xmlns:a16="http://schemas.microsoft.com/office/drawing/2014/main" id="{4D5A9877-E82D-866B-C924-6B65579DF15F}"/>
-              </a:ext>
-            </a:extLst>
-          </p:cNvPr>
-          <p:cNvSpPr>
-            <a:spLocks noGrp="1"/>
-          </p:cNvSpPr>
-          <p:nvPr>
-            <p:ph sz="half" idx="1"/>
-          </p:nvPr>
-        </p:nvSpPr>
-        <p:spPr>
-          <a:xfrm>
-            <a:off x="581193" y="2237836"/>
-            <a:ext cx="11029616" cy="3769674"/>
-          </a:xfrm>
-        </p:spPr>
-        <p:txBody>
-          <a:bodyPr>
-            <a:normAutofit fontScale="92500" lnSpcReduction="20000"/>
-          </a:bodyPr>
-          <a:lstStyle/>
-          <a:p>
-            <a:pPr marL="0" indent="0">
-              <a:buNone/>
-            </a:pPr>
-            <a:r>
-              <a:rPr lang="es-ES" b="1" dirty="0"/>
-              <a:t>Paso 1: Generación de Eventos</a:t>
-            </a:r>
-          </a:p>
-          <a:p>
-            <a:r>
-              <a:rPr lang="es-ES" b="1" dirty="0"/>
-              <a:t>Qué hacemos</a:t>
-            </a:r>
-            <a:r>
-              <a:rPr lang="es-ES" dirty="0"/>
-              <a:t>: Simulamos eventos de estudiantes (</a:t>
-            </a:r>
-            <a:r>
-              <a:rPr lang="es-ES" dirty="0" err="1"/>
-              <a:t>login</a:t>
-            </a:r>
-            <a:r>
-              <a:rPr lang="es-ES" dirty="0"/>
-              <a:t>, </a:t>
-            </a:r>
-            <a:r>
-              <a:rPr lang="es-ES" dirty="0" err="1"/>
-              <a:t>logout</a:t>
-            </a:r>
-            <a:r>
-              <a:rPr lang="es-ES" dirty="0"/>
-              <a:t>, tareas, calificaciones)</a:t>
-            </a:r>
-          </a:p>
-          <a:p>
-            <a:r>
-              <a:rPr lang="es-ES" b="1" dirty="0"/>
-              <a:t>Herramienta</a:t>
-            </a:r>
-            <a:r>
-              <a:rPr lang="es-ES" dirty="0"/>
-              <a:t>: Script Python (Producer)</a:t>
-            </a:r>
-          </a:p>
-          <a:p>
-            <a:r>
-              <a:rPr lang="es-ES" b="1" dirty="0"/>
-              <a:t>Datos</a:t>
-            </a:r>
-            <a:r>
-              <a:rPr lang="es-ES" dirty="0"/>
-              <a:t>: JSON con información del estudiante y actividad</a:t>
-            </a:r>
-          </a:p>
-          <a:p>
-            <a:pPr marL="0" indent="0">
-              <a:buNone/>
-            </a:pPr>
-            <a:r>
-              <a:rPr lang="en-US" b="1" dirty="0"/>
-              <a:t>Paso 2: Streaming en Confluent Cloud</a:t>
-            </a:r>
-          </a:p>
-          <a:p>
-            <a:r>
-              <a:rPr lang="es-ES" b="1" dirty="0"/>
-              <a:t>Qué hacemos</a:t>
-            </a:r>
-            <a:r>
-              <a:rPr lang="es-ES" dirty="0"/>
-              <a:t>: Los eventos se envían a </a:t>
-            </a:r>
-            <a:r>
-              <a:rPr lang="es-ES" dirty="0" err="1"/>
-              <a:t>topics</a:t>
-            </a:r>
-            <a:r>
-              <a:rPr lang="es-ES" dirty="0"/>
-              <a:t> específicos en </a:t>
-            </a:r>
-            <a:r>
-              <a:rPr lang="es-ES" dirty="0" err="1"/>
-              <a:t>Confluent</a:t>
-            </a:r>
-            <a:r>
-              <a:rPr lang="es-ES" dirty="0"/>
-              <a:t> Cloud</a:t>
-            </a:r>
-          </a:p>
-          <a:p>
-            <a:r>
-              <a:rPr lang="es-ES" b="1" dirty="0" err="1"/>
-              <a:t>Topics</a:t>
-            </a:r>
-            <a:r>
-              <a:rPr lang="es-ES" b="1" dirty="0"/>
-              <a:t> creados</a:t>
-            </a:r>
-            <a:r>
-              <a:rPr lang="es-ES" dirty="0"/>
-              <a:t>:</a:t>
-            </a:r>
-          </a:p>
-          <a:p>
-            <a:pPr lvl="1"/>
-            <a:r>
-              <a:rPr lang="es-ES" sz="1900" dirty="0"/>
-              <a:t>estudiante-eventos: Actividades de estudiantes</a:t>
-            </a:r>
-          </a:p>
-          <a:p>
-            <a:pPr lvl="1"/>
-            <a:r>
-              <a:rPr lang="es-ES" sz="1900" dirty="0"/>
-              <a:t>sistema-logs: Logs del sistema</a:t>
-            </a:r>
-          </a:p>
-          <a:p>
-            <a:pPr lvl="1"/>
-            <a:r>
-              <a:rPr lang="es-ES" sz="1900" dirty="0"/>
-              <a:t>notificaciones: Alertas y notificaciones</a:t>
-            </a:r>
-          </a:p>
-          <a:p>
-            <a:r>
-              <a:rPr lang="es-ES" b="1" dirty="0"/>
-              <a:t>Visualización: </a:t>
-            </a:r>
-            <a:r>
-              <a:rPr lang="es-ES" dirty="0" err="1"/>
-              <a:t>Confluent</a:t>
-            </a:r>
-            <a:r>
-              <a:rPr lang="es-ES" dirty="0"/>
-              <a:t> Cloud </a:t>
-            </a:r>
-            <a:r>
-              <a:rPr lang="es-ES" dirty="0" err="1"/>
-              <a:t>Console</a:t>
-            </a:r>
-            <a:r>
-              <a:rPr lang="es-ES" dirty="0"/>
-              <a:t> mostrando mensajes en tiempo real</a:t>
-            </a:r>
-          </a:p>
-        </p:txBody>
-      </p:sp>
-    </p:spTree>
-    <p:extLst>
-      <p:ext uri="{BB962C8B-B14F-4D97-AF65-F5344CB8AC3E}">
-        <p14:creationId xmlns:p14="http://schemas.microsoft.com/office/powerpoint/2010/main" val="3043210371"/>
-      </p:ext>
-    </p:extLst>
-  </p:cSld>
-  <p:clrMapOvr>
-    <a:masterClrMapping/>
-  </p:clrMapOvr>
-</p:sld>
-</file>
-
-<file path=ppt/slides/slide8.xml><?xml version="1.0" encoding="utf-8"?>
-<p:sld xmlns:a="http://schemas.openxmlformats.org/drawingml/2006/main" xmlns:r="http://schemas.openxmlformats.org/officeDocument/2006/relationships" xmlns:p="http://schemas.openxmlformats.org/presentationml/2006/main">
-  <p:cSld>
-    <p:spTree>
-      <p:nvGrpSpPr>
-        <p:cNvPr id="1" name="">
-          <a:extLst>
-            <a:ext uri="{FF2B5EF4-FFF2-40B4-BE49-F238E27FC236}">
-              <a16:creationId xmlns:a16="http://schemas.microsoft.com/office/drawing/2014/main" id="{D2540FFE-AB83-47A4-0D2B-64857F3BDE40}"/>
-            </a:ext>
-          </a:extLst>
-        </p:cNvPr>
-        <p:cNvGrpSpPr/>
-        <p:nvPr/>
-      </p:nvGrpSpPr>
-      <p:grpSpPr>
-        <a:xfrm>
-          <a:off x="0" y="0"/>
-          <a:ext cx="0" cy="0"/>
-          <a:chOff x="0" y="0"/>
-          <a:chExt cx="0" cy="0"/>
-        </a:xfrm>
-      </p:grpSpPr>
-      <p:sp>
-        <p:nvSpPr>
-          <p:cNvPr id="2" name="Título 1">
-            <a:extLst>
-              <a:ext uri="{FF2B5EF4-FFF2-40B4-BE49-F238E27FC236}">
-                <a16:creationId xmlns:a16="http://schemas.microsoft.com/office/drawing/2014/main" id="{D0D2D08A-1EB5-03BA-0424-239D471D1846}"/>
-              </a:ext>
-            </a:extLst>
-          </p:cNvPr>
-          <p:cNvSpPr>
-            <a:spLocks noGrp="1"/>
-          </p:cNvSpPr>
-          <p:nvPr>
-            <p:ph type="title"/>
-          </p:nvPr>
-        </p:nvSpPr>
-        <p:spPr/>
-        <p:txBody>
-          <a:bodyPr rtlCol="0"/>
-          <a:lstStyle/>
-          <a:p>
-            <a:r>
-              <a:rPr lang="es-PE" b="1" dirty="0"/>
-              <a:t>Flujo de la Demo</a:t>
-            </a:r>
-          </a:p>
-        </p:txBody>
-      </p:sp>
-      <p:sp>
-        <p:nvSpPr>
-          <p:cNvPr id="4" name="Marcador de contenido 3">
-            <a:extLst>
-              <a:ext uri="{FF2B5EF4-FFF2-40B4-BE49-F238E27FC236}">
-                <a16:creationId xmlns:a16="http://schemas.microsoft.com/office/drawing/2014/main" id="{63592807-91BC-1529-C674-AB47DF7971CF}"/>
-              </a:ext>
-            </a:extLst>
-          </p:cNvPr>
-          <p:cNvSpPr>
-            <a:spLocks noGrp="1"/>
-          </p:cNvSpPr>
-          <p:nvPr>
-            <p:ph sz="half" idx="1"/>
-          </p:nvPr>
-        </p:nvSpPr>
-        <p:spPr>
-          <a:xfrm>
-            <a:off x="581193" y="2237836"/>
-            <a:ext cx="11029616" cy="3769674"/>
-          </a:xfrm>
-        </p:spPr>
-        <p:txBody>
-          <a:bodyPr>
-            <a:normAutofit/>
-          </a:bodyPr>
-          <a:lstStyle/>
-          <a:p>
-            <a:pPr marL="0" indent="0">
-              <a:buNone/>
-            </a:pPr>
-            <a:r>
-              <a:rPr lang="es-ES" b="1" dirty="0"/>
-              <a:t>Paso 3: Procesamiento y Almacenamiento en AWS</a:t>
-            </a:r>
-          </a:p>
-          <a:p>
-            <a:r>
-              <a:rPr lang="es-ES" b="1" dirty="0"/>
-              <a:t>Qué hacemos:</a:t>
-            </a:r>
-            <a:r>
-              <a:rPr lang="es-ES" dirty="0"/>
-              <a:t> Un consumidor lee los eventos y los procesa</a:t>
-            </a:r>
-          </a:p>
-          <a:p>
-            <a:r>
-              <a:rPr lang="es-ES" b="1" dirty="0"/>
-              <a:t>AWS S3: </a:t>
-            </a:r>
-            <a:r>
-              <a:rPr lang="es-ES" dirty="0"/>
-              <a:t>Almacena datos para análisis histórico</a:t>
-            </a:r>
-          </a:p>
-          <a:p>
-            <a:r>
-              <a:rPr lang="es-ES" b="1" dirty="0" err="1"/>
-              <a:t>CloudWatch</a:t>
-            </a:r>
-            <a:r>
-              <a:rPr lang="es-ES" b="1" dirty="0"/>
-              <a:t>: </a:t>
-            </a:r>
-            <a:r>
-              <a:rPr lang="es-ES" dirty="0"/>
-              <a:t>Monitorea métricas y logs en tiempo real</a:t>
-            </a:r>
-          </a:p>
-          <a:p>
-            <a:r>
-              <a:rPr lang="es-ES" b="1" dirty="0"/>
-              <a:t>Procesamiento: </a:t>
-            </a:r>
-            <a:r>
-              <a:rPr lang="es-ES" dirty="0"/>
-              <a:t>Filtrado, transformación y enriquecimiento de datos</a:t>
-            </a:r>
-          </a:p>
-          <a:p>
-            <a:pPr marL="0" indent="0">
-              <a:buNone/>
-            </a:pPr>
-            <a:r>
-              <a:rPr lang="es-ES" b="1" dirty="0"/>
-              <a:t>Paso 4: Monitoreo y Alertas</a:t>
-            </a:r>
-          </a:p>
-          <a:p>
-            <a:r>
-              <a:rPr lang="es-ES" b="1" dirty="0"/>
-              <a:t>Métricas: </a:t>
-            </a:r>
-            <a:r>
-              <a:rPr lang="es-ES" dirty="0"/>
-              <a:t>Número de eventos procesados, latencia, errores</a:t>
-            </a:r>
-          </a:p>
-          <a:p>
-            <a:r>
-              <a:rPr lang="es-ES" b="1" dirty="0"/>
-              <a:t>Alertas: </a:t>
-            </a:r>
-            <a:r>
-              <a:rPr lang="es-ES" dirty="0"/>
-              <a:t>Notificaciones automáticas por eventos críticos</a:t>
-            </a:r>
-          </a:p>
-          <a:p>
-            <a:r>
-              <a:rPr lang="es-ES" b="1" dirty="0" err="1"/>
-              <a:t>Dashboards</a:t>
-            </a:r>
-            <a:r>
-              <a:rPr lang="es-ES" b="1" dirty="0"/>
-              <a:t>: </a:t>
-            </a:r>
-            <a:r>
-              <a:rPr lang="es-ES" dirty="0"/>
-              <a:t>Visualización en tiempo real del flujo de datos</a:t>
-            </a:r>
-          </a:p>
-        </p:txBody>
-      </p:sp>
-    </p:spTree>
-    <p:extLst>
-      <p:ext uri="{BB962C8B-B14F-4D97-AF65-F5344CB8AC3E}">
-        <p14:creationId xmlns:p14="http://schemas.microsoft.com/office/powerpoint/2010/main" val="2519522847"/>
-      </p:ext>
-    </p:extLst>
-  </p:cSld>
-  <p:clrMapOvr>
-    <a:masterClrMapping/>
-  </p:clrMapOvr>
-</p:sld>
-</file>
-
-<file path=ppt/slides/slide9.xml><?xml version="1.0" encoding="utf-8"?>
+<file path=ppt/slides/slide10.xml><?xml version="1.0" encoding="utf-8"?>
 <p:sld xmlns:a="http://schemas.openxmlformats.org/drawingml/2006/main" xmlns:r="http://schemas.openxmlformats.org/officeDocument/2006/relationships" xmlns:p="http://schemas.openxmlformats.org/presentationml/2006/main">
   <p:cSld>
     <p:bg>
@@ -7639,6 +6356,1389 @@
     <p:extLst>
       <p:ext uri="{BB962C8B-B14F-4D97-AF65-F5344CB8AC3E}">
         <p14:creationId xmlns:p14="http://schemas.microsoft.com/office/powerpoint/2010/main" val="3501347425"/>
+      </p:ext>
+    </p:extLst>
+  </p:cSld>
+  <p:clrMapOvr>
+    <a:masterClrMapping/>
+  </p:clrMapOvr>
+</p:sld>
+</file>
+
+<file path=ppt/slides/slide2.xml><?xml version="1.0" encoding="utf-8"?>
+<p:sld xmlns:a="http://schemas.openxmlformats.org/drawingml/2006/main" xmlns:r="http://schemas.openxmlformats.org/officeDocument/2006/relationships" xmlns:p="http://schemas.openxmlformats.org/presentationml/2006/main">
+  <p:cSld>
+    <p:bg>
+      <p:bgPr>
+        <a:solidFill>
+          <a:schemeClr val="bg1"/>
+        </a:solidFill>
+        <a:effectLst/>
+      </p:bgPr>
+    </p:bg>
+    <p:spTree>
+      <p:nvGrpSpPr>
+        <p:cNvPr id="1" name=""/>
+        <p:cNvGrpSpPr/>
+        <p:nvPr/>
+      </p:nvGrpSpPr>
+      <p:grpSpPr>
+        <a:xfrm>
+          <a:off x="0" y="0"/>
+          <a:ext cx="0" cy="0"/>
+          <a:chOff x="0" y="0"/>
+          <a:chExt cx="0" cy="0"/>
+        </a:xfrm>
+      </p:grpSpPr>
+      <p:sp useBgFill="1">
+        <p:nvSpPr>
+          <p:cNvPr id="29" name="Rectángulo 28">
+            <a:extLst>
+              <a:ext uri="{FF2B5EF4-FFF2-40B4-BE49-F238E27FC236}">
+                <a16:creationId xmlns:a16="http://schemas.microsoft.com/office/drawing/2014/main" id="{BFDA9692-ECDC-4B59-86B2-8C90FDE1A055}"/>
+              </a:ext>
+              <a:ext uri="{C183D7F6-B498-43B3-948B-1728B52AA6E4}">
+                <adec:decorative xmlns:adec="http://schemas.microsoft.com/office/drawing/2017/decorative" val="1"/>
+              </a:ext>
+            </a:extLst>
+          </p:cNvPr>
+          <p:cNvSpPr>
+            <a:spLocks noGrp="1" noRot="1" noChangeAspect="1" noMove="1" noResize="1" noEditPoints="1" noAdjustHandles="1" noChangeArrowheads="1" noChangeShapeType="1" noTextEdit="1"/>
+          </p:cNvSpPr>
+          <p:nvPr>
+            <p:extLst>
+              <p:ext uri="{386F3935-93C4-4BCD-93E2-E3B085C9AB24}">
+                <p16:designElem xmlns:p16="http://schemas.microsoft.com/office/powerpoint/2015/main" val="1"/>
+              </p:ext>
+            </p:extLst>
+          </p:nvPr>
+        </p:nvSpPr>
+        <p:spPr>
+          <a:xfrm>
+            <a:off x="0" y="536712"/>
+            <a:ext cx="12192000" cy="6321287"/>
+          </a:xfrm>
+          <a:prstGeom prst="rect">
+            <a:avLst/>
+          </a:prstGeom>
+          <a:ln>
+            <a:noFill/>
+          </a:ln>
+        </p:spPr>
+        <p:style>
+          <a:lnRef idx="2">
+            <a:schemeClr val="accent1">
+              <a:shade val="50000"/>
+            </a:schemeClr>
+          </a:lnRef>
+          <a:fillRef idx="1">
+            <a:schemeClr val="accent1"/>
+          </a:fillRef>
+          <a:effectRef idx="0">
+            <a:schemeClr val="accent1"/>
+          </a:effectRef>
+          <a:fontRef idx="minor">
+            <a:schemeClr val="lt1"/>
+          </a:fontRef>
+        </p:style>
+        <p:txBody>
+          <a:bodyPr rtlCol="0" anchor="ctr"/>
+          <a:lstStyle/>
+          <a:p>
+            <a:pPr algn="ctr" rtl="0"/>
+            <a:endParaRPr lang="en-US" dirty="0"/>
+          </a:p>
+        </p:txBody>
+      </p:sp>
+      <p:sp>
+        <p:nvSpPr>
+          <p:cNvPr id="31" name="Rectángulo 30">
+            <a:extLst>
+              <a:ext uri="{FF2B5EF4-FFF2-40B4-BE49-F238E27FC236}">
+                <a16:creationId xmlns:a16="http://schemas.microsoft.com/office/drawing/2014/main" id="{12C05506-42A1-49C0-9D87-081CCD9023D6}"/>
+              </a:ext>
+              <a:ext uri="{C183D7F6-B498-43B3-948B-1728B52AA6E4}">
+                <adec:decorative xmlns:adec="http://schemas.microsoft.com/office/drawing/2017/decorative" val="1"/>
+              </a:ext>
+            </a:extLst>
+          </p:cNvPr>
+          <p:cNvSpPr>
+            <a:spLocks noGrp="1" noRot="1" noChangeAspect="1" noMove="1" noResize="1" noEditPoints="1" noAdjustHandles="1" noChangeArrowheads="1" noChangeShapeType="1" noTextEdit="1"/>
+          </p:cNvSpPr>
+          <p:nvPr>
+            <p:extLst>
+              <p:ext uri="{386F3935-93C4-4BCD-93E2-E3B085C9AB24}">
+                <p16:designElem xmlns:p16="http://schemas.microsoft.com/office/powerpoint/2015/main" val="1"/>
+              </p:ext>
+            </p:extLst>
+          </p:nvPr>
+        </p:nvSpPr>
+        <p:spPr>
+          <a:xfrm>
+            <a:off x="447817" y="5141974"/>
+            <a:ext cx="11290860" cy="1258827"/>
+          </a:xfrm>
+          <a:prstGeom prst="rect">
+            <a:avLst/>
+          </a:prstGeom>
+          <a:solidFill>
+            <a:schemeClr val="accent1"/>
+          </a:solidFill>
+          <a:ln>
+            <a:noFill/>
+          </a:ln>
+          <a:effectLst/>
+        </p:spPr>
+        <p:style>
+          <a:lnRef idx="1">
+            <a:schemeClr val="accent1"/>
+          </a:lnRef>
+          <a:fillRef idx="3">
+            <a:schemeClr val="accent1"/>
+          </a:fillRef>
+          <a:effectRef idx="2">
+            <a:schemeClr val="accent1"/>
+          </a:effectRef>
+          <a:fontRef idx="minor">
+            <a:schemeClr val="lt1"/>
+          </a:fontRef>
+        </p:style>
+        <p:txBody>
+          <a:bodyPr/>
+          <a:lstStyle/>
+          <a:p>
+            <a:endParaRPr lang="es-PE"/>
+          </a:p>
+        </p:txBody>
+      </p:sp>
+      <p:sp>
+        <p:nvSpPr>
+          <p:cNvPr id="2" name="Título 1">
+            <a:extLst>
+              <a:ext uri="{FF2B5EF4-FFF2-40B4-BE49-F238E27FC236}">
+                <a16:creationId xmlns:a16="http://schemas.microsoft.com/office/drawing/2014/main" id="{5B040558-A365-4CCE-92FA-5A48CD98F9C9}"/>
+              </a:ext>
+            </a:extLst>
+          </p:cNvPr>
+          <p:cNvSpPr>
+            <a:spLocks noGrp="1"/>
+          </p:cNvSpPr>
+          <p:nvPr>
+            <p:ph type="title"/>
+          </p:nvPr>
+        </p:nvSpPr>
+        <p:spPr>
+          <a:xfrm>
+            <a:off x="581192" y="5264487"/>
+            <a:ext cx="11029616" cy="718870"/>
+          </a:xfrm>
+        </p:spPr>
+        <p:txBody>
+          <a:bodyPr rtlCol="0">
+            <a:normAutofit/>
+          </a:bodyPr>
+          <a:lstStyle/>
+          <a:p>
+            <a:r>
+              <a:rPr lang="es-PE" b="1" dirty="0"/>
+              <a:t>Qué es </a:t>
+            </a:r>
+            <a:r>
+              <a:rPr lang="es-PE" b="1" dirty="0" err="1"/>
+              <a:t>Confluent</a:t>
+            </a:r>
+            <a:r>
+              <a:rPr lang="es-PE" b="1" dirty="0"/>
+              <a:t> Cloud</a:t>
+            </a:r>
+            <a:endParaRPr lang="es-PE" dirty="0"/>
+          </a:p>
+        </p:txBody>
+      </p:sp>
+      <p:sp>
+        <p:nvSpPr>
+          <p:cNvPr id="5" name="Marcador de contenido 4">
+            <a:extLst>
+              <a:ext uri="{FF2B5EF4-FFF2-40B4-BE49-F238E27FC236}">
+                <a16:creationId xmlns:a16="http://schemas.microsoft.com/office/drawing/2014/main" id="{6AF12595-67A7-7EA5-B45B-9ABDCB77C322}"/>
+              </a:ext>
+            </a:extLst>
+          </p:cNvPr>
+          <p:cNvSpPr>
+            <a:spLocks noGrp="1"/>
+          </p:cNvSpPr>
+          <p:nvPr>
+            <p:ph idx="1"/>
+          </p:nvPr>
+        </p:nvSpPr>
+        <p:spPr>
+          <a:xfrm>
+            <a:off x="581193" y="1288027"/>
+            <a:ext cx="11029615" cy="3436503"/>
+          </a:xfrm>
+        </p:spPr>
+        <p:txBody>
+          <a:bodyPr/>
+          <a:lstStyle/>
+          <a:p>
+            <a:pPr marL="0" indent="0">
+              <a:buNone/>
+            </a:pPr>
+            <a:r>
+              <a:rPr lang="es-ES" dirty="0" err="1"/>
+              <a:t>Confluent</a:t>
+            </a:r>
+            <a:r>
+              <a:rPr lang="es-ES" dirty="0"/>
+              <a:t> es una plataforma de </a:t>
+            </a:r>
+            <a:r>
+              <a:rPr lang="es-ES" dirty="0" err="1"/>
+              <a:t>streaming</a:t>
+            </a:r>
+            <a:r>
+              <a:rPr lang="es-ES" dirty="0"/>
+              <a:t> de datos basada en Apache Kafka que permite:</a:t>
+            </a:r>
+          </a:p>
+          <a:p>
+            <a:r>
+              <a:rPr lang="es-ES" b="1" dirty="0" err="1"/>
+              <a:t>Streaming</a:t>
+            </a:r>
+            <a:r>
+              <a:rPr lang="es-ES" b="1" dirty="0"/>
+              <a:t> en tiempo real</a:t>
+            </a:r>
+            <a:r>
+              <a:rPr lang="es-ES" dirty="0"/>
+              <a:t>: Procesar datos mientras se generan</a:t>
+            </a:r>
+          </a:p>
+          <a:p>
+            <a:r>
+              <a:rPr lang="es-ES" b="1" dirty="0"/>
+              <a:t>Escalabilidad</a:t>
+            </a:r>
+            <a:r>
+              <a:rPr lang="es-ES" dirty="0"/>
+              <a:t>: Manejar millones de mensajes por segundo</a:t>
+            </a:r>
+          </a:p>
+          <a:p>
+            <a:r>
+              <a:rPr lang="es-ES" b="1" dirty="0"/>
+              <a:t>Durabilidad</a:t>
+            </a:r>
+            <a:r>
+              <a:rPr lang="es-ES" dirty="0"/>
+              <a:t>: Los datos se almacenan de forma persistente</a:t>
+            </a:r>
+          </a:p>
+          <a:p>
+            <a:r>
+              <a:rPr lang="es-ES" b="1" dirty="0"/>
+              <a:t>Integración</a:t>
+            </a:r>
+            <a:r>
+              <a:rPr lang="es-ES" dirty="0"/>
+              <a:t>: Conectores para múltiples sistemas</a:t>
+            </a:r>
+          </a:p>
+          <a:p>
+            <a:endParaRPr lang="es-PE" dirty="0"/>
+          </a:p>
+          <a:p>
+            <a:endParaRPr lang="es-PE" dirty="0"/>
+          </a:p>
+          <a:p>
+            <a:endParaRPr lang="es-PE" dirty="0"/>
+          </a:p>
+        </p:txBody>
+      </p:sp>
+    </p:spTree>
+    <p:extLst>
+      <p:ext uri="{BB962C8B-B14F-4D97-AF65-F5344CB8AC3E}">
+        <p14:creationId xmlns:p14="http://schemas.microsoft.com/office/powerpoint/2010/main" val="1703342593"/>
+      </p:ext>
+    </p:extLst>
+  </p:cSld>
+  <p:clrMapOvr>
+    <a:masterClrMapping/>
+  </p:clrMapOvr>
+</p:sld>
+</file>
+
+<file path=ppt/slides/slide3.xml><?xml version="1.0" encoding="utf-8"?>
+<p:sld xmlns:a="http://schemas.openxmlformats.org/drawingml/2006/main" xmlns:r="http://schemas.openxmlformats.org/officeDocument/2006/relationships" xmlns:p="http://schemas.openxmlformats.org/presentationml/2006/main">
+  <p:cSld>
+    <p:spTree>
+      <p:nvGrpSpPr>
+        <p:cNvPr id="1" name=""/>
+        <p:cNvGrpSpPr/>
+        <p:nvPr/>
+      </p:nvGrpSpPr>
+      <p:grpSpPr>
+        <a:xfrm>
+          <a:off x="0" y="0"/>
+          <a:ext cx="0" cy="0"/>
+          <a:chOff x="0" y="0"/>
+          <a:chExt cx="0" cy="0"/>
+        </a:xfrm>
+      </p:grpSpPr>
+      <p:sp>
+        <p:nvSpPr>
+          <p:cNvPr id="2" name="Título 1">
+            <a:extLst>
+              <a:ext uri="{FF2B5EF4-FFF2-40B4-BE49-F238E27FC236}">
+                <a16:creationId xmlns:a16="http://schemas.microsoft.com/office/drawing/2014/main" id="{921633EB-7DCB-4DDC-80AF-C885A3EE1245}"/>
+              </a:ext>
+            </a:extLst>
+          </p:cNvPr>
+          <p:cNvSpPr>
+            <a:spLocks noGrp="1"/>
+          </p:cNvSpPr>
+          <p:nvPr>
+            <p:ph type="title"/>
+          </p:nvPr>
+        </p:nvSpPr>
+        <p:spPr/>
+        <p:txBody>
+          <a:bodyPr rtlCol="0"/>
+          <a:lstStyle/>
+          <a:p>
+            <a:r>
+              <a:rPr lang="es-PE" b="1" dirty="0"/>
+              <a:t>Componentes Principales</a:t>
+            </a:r>
+          </a:p>
+        </p:txBody>
+      </p:sp>
+      <p:sp>
+        <p:nvSpPr>
+          <p:cNvPr id="4" name="Marcador de contenido 3">
+            <a:extLst>
+              <a:ext uri="{FF2B5EF4-FFF2-40B4-BE49-F238E27FC236}">
+                <a16:creationId xmlns:a16="http://schemas.microsoft.com/office/drawing/2014/main" id="{37A5742C-E99A-5998-B2BA-C9C1B2E6193F}"/>
+              </a:ext>
+            </a:extLst>
+          </p:cNvPr>
+          <p:cNvSpPr>
+            <a:spLocks noGrp="1"/>
+          </p:cNvSpPr>
+          <p:nvPr>
+            <p:ph sz="half" idx="1"/>
+          </p:nvPr>
+        </p:nvSpPr>
+        <p:spPr>
+          <a:xfrm>
+            <a:off x="581193" y="2237835"/>
+            <a:ext cx="11029616" cy="3633047"/>
+          </a:xfrm>
+        </p:spPr>
+        <p:txBody>
+          <a:bodyPr/>
+          <a:lstStyle/>
+          <a:p>
+            <a:r>
+              <a:rPr lang="es-ES" b="1" dirty="0" err="1"/>
+              <a:t>Topics</a:t>
+            </a:r>
+            <a:r>
+              <a:rPr lang="es-ES" dirty="0"/>
+              <a:t>: Canales donde se publican los datos</a:t>
+            </a:r>
+          </a:p>
+          <a:p>
+            <a:r>
+              <a:rPr lang="es-ES" b="1" dirty="0" err="1"/>
+              <a:t>Producers</a:t>
+            </a:r>
+            <a:r>
+              <a:rPr lang="es-ES" dirty="0"/>
+              <a:t>: Aplicaciones que envían datos a los </a:t>
+            </a:r>
+            <a:r>
+              <a:rPr lang="es-ES" dirty="0" err="1"/>
+              <a:t>topics</a:t>
+            </a:r>
+            <a:endParaRPr lang="es-ES" dirty="0"/>
+          </a:p>
+          <a:p>
+            <a:r>
+              <a:rPr lang="es-ES" b="1" dirty="0" err="1"/>
+              <a:t>Consumers</a:t>
+            </a:r>
+            <a:r>
+              <a:rPr lang="es-ES" dirty="0"/>
+              <a:t>: Aplicaciones que leen datos de los </a:t>
+            </a:r>
+            <a:r>
+              <a:rPr lang="es-ES" dirty="0" err="1"/>
+              <a:t>topics</a:t>
+            </a:r>
+            <a:endParaRPr lang="es-ES" dirty="0"/>
+          </a:p>
+          <a:p>
+            <a:r>
+              <a:rPr lang="es-ES" b="1" dirty="0" err="1"/>
+              <a:t>Brokers</a:t>
+            </a:r>
+            <a:r>
+              <a:rPr lang="es-ES" dirty="0"/>
+              <a:t>: Servidores que almacenan y distribuyen los datos</a:t>
+            </a:r>
+          </a:p>
+          <a:p>
+            <a:r>
+              <a:rPr lang="es-ES" b="1" dirty="0" err="1"/>
+              <a:t>Schema</a:t>
+            </a:r>
+            <a:r>
+              <a:rPr lang="es-ES" b="1" dirty="0"/>
+              <a:t> </a:t>
+            </a:r>
+            <a:r>
+              <a:rPr lang="es-ES" b="1" dirty="0" err="1"/>
+              <a:t>Registry</a:t>
+            </a:r>
+            <a:r>
+              <a:rPr lang="es-ES" dirty="0"/>
+              <a:t>: Gestiona los esquemas de datos</a:t>
+            </a:r>
+          </a:p>
+        </p:txBody>
+      </p:sp>
+    </p:spTree>
+    <p:extLst>
+      <p:ext uri="{BB962C8B-B14F-4D97-AF65-F5344CB8AC3E}">
+        <p14:creationId xmlns:p14="http://schemas.microsoft.com/office/powerpoint/2010/main" val="497607547"/>
+      </p:ext>
+    </p:extLst>
+  </p:cSld>
+  <p:clrMapOvr>
+    <a:masterClrMapping/>
+  </p:clrMapOvr>
+</p:sld>
+</file>
+
+<file path=ppt/slides/slide4.xml><?xml version="1.0" encoding="utf-8"?>
+<p:sld xmlns:a="http://schemas.openxmlformats.org/drawingml/2006/main" xmlns:r="http://schemas.openxmlformats.org/officeDocument/2006/relationships" xmlns:p="http://schemas.openxmlformats.org/presentationml/2006/main">
+  <p:cSld>
+    <p:spTree>
+      <p:nvGrpSpPr>
+        <p:cNvPr id="1" name="">
+          <a:extLst>
+            <a:ext uri="{FF2B5EF4-FFF2-40B4-BE49-F238E27FC236}">
+              <a16:creationId xmlns:a16="http://schemas.microsoft.com/office/drawing/2014/main" id="{0CEBA47B-EFE9-D717-6081-9DA2C7B45641}"/>
+            </a:ext>
+          </a:extLst>
+        </p:cNvPr>
+        <p:cNvGrpSpPr/>
+        <p:nvPr/>
+      </p:nvGrpSpPr>
+      <p:grpSpPr>
+        <a:xfrm>
+          <a:off x="0" y="0"/>
+          <a:ext cx="0" cy="0"/>
+          <a:chOff x="0" y="0"/>
+          <a:chExt cx="0" cy="0"/>
+        </a:xfrm>
+      </p:grpSpPr>
+      <p:sp>
+        <p:nvSpPr>
+          <p:cNvPr id="2" name="Título 1">
+            <a:extLst>
+              <a:ext uri="{FF2B5EF4-FFF2-40B4-BE49-F238E27FC236}">
+                <a16:creationId xmlns:a16="http://schemas.microsoft.com/office/drawing/2014/main" id="{7E825B3F-A045-CE35-338E-7C5989B0F4AF}"/>
+              </a:ext>
+            </a:extLst>
+          </p:cNvPr>
+          <p:cNvSpPr>
+            <a:spLocks noGrp="1"/>
+          </p:cNvSpPr>
+          <p:nvPr>
+            <p:ph type="title"/>
+          </p:nvPr>
+        </p:nvSpPr>
+        <p:spPr/>
+        <p:txBody>
+          <a:bodyPr rtlCol="0"/>
+          <a:lstStyle/>
+          <a:p>
+            <a:r>
+              <a:rPr lang="es-PE" b="1" dirty="0"/>
+              <a:t>¿Qué son los TOPICS en </a:t>
+            </a:r>
+            <a:r>
+              <a:rPr lang="es-PE" b="1" dirty="0" err="1"/>
+              <a:t>Confluent</a:t>
+            </a:r>
+            <a:r>
+              <a:rPr lang="es-PE" b="1" dirty="0"/>
+              <a:t>/Kafka?</a:t>
+            </a:r>
+          </a:p>
+        </p:txBody>
+      </p:sp>
+      <p:sp>
+        <p:nvSpPr>
+          <p:cNvPr id="4" name="Marcador de contenido 3">
+            <a:extLst>
+              <a:ext uri="{FF2B5EF4-FFF2-40B4-BE49-F238E27FC236}">
+                <a16:creationId xmlns:a16="http://schemas.microsoft.com/office/drawing/2014/main" id="{2EF441D9-B8D6-775B-4B9A-5D6A3B1E2746}"/>
+              </a:ext>
+            </a:extLst>
+          </p:cNvPr>
+          <p:cNvSpPr>
+            <a:spLocks noGrp="1"/>
+          </p:cNvSpPr>
+          <p:nvPr>
+            <p:ph sz="half" idx="1"/>
+          </p:nvPr>
+        </p:nvSpPr>
+        <p:spPr>
+          <a:xfrm>
+            <a:off x="581193" y="2237835"/>
+            <a:ext cx="11029616" cy="3633047"/>
+          </a:xfrm>
+        </p:spPr>
+        <p:txBody>
+          <a:bodyPr/>
+          <a:lstStyle/>
+          <a:p>
+            <a:r>
+              <a:rPr lang="es-ES" dirty="0"/>
+              <a:t>Los </a:t>
+            </a:r>
+            <a:r>
+              <a:rPr lang="es-ES" b="1" dirty="0" err="1"/>
+              <a:t>Topics</a:t>
+            </a:r>
+            <a:r>
+              <a:rPr lang="es-ES" dirty="0"/>
+              <a:t> son la unidad fundamental de organización de datos en Kafka/</a:t>
+            </a:r>
+            <a:r>
+              <a:rPr lang="es-ES" dirty="0" err="1"/>
+              <a:t>Confluent</a:t>
+            </a:r>
+            <a:r>
+              <a:rPr lang="es-ES" dirty="0"/>
+              <a:t>. Son como "canales" o "categorías" donde se almacenan y organizan los mensajes.</a:t>
+            </a:r>
+          </a:p>
+          <a:p>
+            <a:endParaRPr lang="es-PE" dirty="0"/>
+          </a:p>
+        </p:txBody>
+      </p:sp>
+    </p:spTree>
+    <p:extLst>
+      <p:ext uri="{BB962C8B-B14F-4D97-AF65-F5344CB8AC3E}">
+        <p14:creationId xmlns:p14="http://schemas.microsoft.com/office/powerpoint/2010/main" val="1210781540"/>
+      </p:ext>
+    </p:extLst>
+  </p:cSld>
+  <p:clrMapOvr>
+    <a:masterClrMapping/>
+  </p:clrMapOvr>
+</p:sld>
+</file>
+
+<file path=ppt/slides/slide5.xml><?xml version="1.0" encoding="utf-8"?>
+<p:sld xmlns:a="http://schemas.openxmlformats.org/drawingml/2006/main" xmlns:r="http://schemas.openxmlformats.org/officeDocument/2006/relationships" xmlns:p="http://schemas.openxmlformats.org/presentationml/2006/main">
+  <p:cSld>
+    <p:spTree>
+      <p:nvGrpSpPr>
+        <p:cNvPr id="1" name="">
+          <a:extLst>
+            <a:ext uri="{FF2B5EF4-FFF2-40B4-BE49-F238E27FC236}">
+              <a16:creationId xmlns:a16="http://schemas.microsoft.com/office/drawing/2014/main" id="{E938D503-34CE-E42D-E2CF-AF5AEDEAF902}"/>
+            </a:ext>
+          </a:extLst>
+        </p:cNvPr>
+        <p:cNvGrpSpPr/>
+        <p:nvPr/>
+      </p:nvGrpSpPr>
+      <p:grpSpPr>
+        <a:xfrm>
+          <a:off x="0" y="0"/>
+          <a:ext cx="0" cy="0"/>
+          <a:chOff x="0" y="0"/>
+          <a:chExt cx="0" cy="0"/>
+        </a:xfrm>
+      </p:grpSpPr>
+      <p:sp>
+        <p:nvSpPr>
+          <p:cNvPr id="2" name="Título 1">
+            <a:extLst>
+              <a:ext uri="{FF2B5EF4-FFF2-40B4-BE49-F238E27FC236}">
+                <a16:creationId xmlns:a16="http://schemas.microsoft.com/office/drawing/2014/main" id="{FF197D37-5140-3EE4-A9E9-0EB21C2DCF51}"/>
+              </a:ext>
+            </a:extLst>
+          </p:cNvPr>
+          <p:cNvSpPr>
+            <a:spLocks noGrp="1"/>
+          </p:cNvSpPr>
+          <p:nvPr>
+            <p:ph type="title"/>
+          </p:nvPr>
+        </p:nvSpPr>
+        <p:spPr/>
+        <p:txBody>
+          <a:bodyPr rtlCol="0"/>
+          <a:lstStyle/>
+          <a:p>
+            <a:r>
+              <a:rPr lang="es-PE" b="1" dirty="0"/>
+              <a:t>Características de los </a:t>
+            </a:r>
+            <a:r>
+              <a:rPr lang="es-PE" b="1" dirty="0" err="1"/>
+              <a:t>Topics</a:t>
+            </a:r>
+            <a:endParaRPr lang="es-PE" b="1" dirty="0"/>
+          </a:p>
+        </p:txBody>
+      </p:sp>
+      <p:sp>
+        <p:nvSpPr>
+          <p:cNvPr id="4" name="Marcador de contenido 3">
+            <a:extLst>
+              <a:ext uri="{FF2B5EF4-FFF2-40B4-BE49-F238E27FC236}">
+                <a16:creationId xmlns:a16="http://schemas.microsoft.com/office/drawing/2014/main" id="{B5D2980F-3B8A-AD96-72F0-310593A9E3F5}"/>
+              </a:ext>
+            </a:extLst>
+          </p:cNvPr>
+          <p:cNvSpPr>
+            <a:spLocks noGrp="1"/>
+          </p:cNvSpPr>
+          <p:nvPr>
+            <p:ph sz="half" idx="1"/>
+          </p:nvPr>
+        </p:nvSpPr>
+        <p:spPr>
+          <a:xfrm>
+            <a:off x="581193" y="2237835"/>
+            <a:ext cx="11029616" cy="3633047"/>
+          </a:xfrm>
+        </p:spPr>
+        <p:txBody>
+          <a:bodyPr/>
+          <a:lstStyle/>
+          <a:p>
+            <a:r>
+              <a:rPr lang="es-ES" b="1" dirty="0"/>
+              <a:t>Nombre único</a:t>
+            </a:r>
+            <a:r>
+              <a:rPr lang="es-ES" dirty="0"/>
+              <a:t>: Cada </a:t>
+            </a:r>
+            <a:r>
+              <a:rPr lang="es-ES" dirty="0" err="1"/>
+              <a:t>topic</a:t>
+            </a:r>
+            <a:r>
+              <a:rPr lang="es-ES" dirty="0"/>
+              <a:t> tiene un identificador único en el </a:t>
+            </a:r>
+            <a:r>
+              <a:rPr lang="es-ES" dirty="0" err="1"/>
+              <a:t>cluster</a:t>
+            </a:r>
+            <a:endParaRPr lang="es-ES" dirty="0"/>
+          </a:p>
+          <a:p>
+            <a:r>
+              <a:rPr lang="es-ES" b="1" dirty="0"/>
+              <a:t>Particionado</a:t>
+            </a:r>
+            <a:r>
+              <a:rPr lang="es-ES" dirty="0"/>
+              <a:t>: Se dividen en particiones para escalabilidad</a:t>
+            </a:r>
+          </a:p>
+          <a:p>
+            <a:r>
+              <a:rPr lang="es-ES" b="1" dirty="0"/>
+              <a:t>Ordenamiento</a:t>
+            </a:r>
+            <a:r>
+              <a:rPr lang="es-ES" dirty="0"/>
+              <a:t>: Los mensajes dentro de una partición mantienen orden</a:t>
+            </a:r>
+          </a:p>
+          <a:p>
+            <a:r>
+              <a:rPr lang="es-ES" b="1" dirty="0"/>
+              <a:t>Persistencia</a:t>
+            </a:r>
+            <a:r>
+              <a:rPr lang="es-ES" dirty="0"/>
+              <a:t>: Los datos se almacenan en disco por un tiempo configurable</a:t>
+            </a:r>
+          </a:p>
+          <a:p>
+            <a:r>
+              <a:rPr lang="es-ES" b="1" dirty="0"/>
+              <a:t>Replicación</a:t>
+            </a:r>
+            <a:r>
+              <a:rPr lang="es-ES" dirty="0"/>
+              <a:t>: Se pueden replicar en múltiples </a:t>
+            </a:r>
+            <a:r>
+              <a:rPr lang="es-ES" dirty="0" err="1"/>
+              <a:t>brokers</a:t>
+            </a:r>
+            <a:r>
+              <a:rPr lang="es-ES" dirty="0"/>
+              <a:t> para alta disponibilidad</a:t>
+            </a:r>
+          </a:p>
+          <a:p>
+            <a:endParaRPr lang="es-PE" dirty="0"/>
+          </a:p>
+        </p:txBody>
+      </p:sp>
+    </p:spTree>
+    <p:extLst>
+      <p:ext uri="{BB962C8B-B14F-4D97-AF65-F5344CB8AC3E}">
+        <p14:creationId xmlns:p14="http://schemas.microsoft.com/office/powerpoint/2010/main" val="3576548917"/>
+      </p:ext>
+    </p:extLst>
+  </p:cSld>
+  <p:clrMapOvr>
+    <a:masterClrMapping/>
+  </p:clrMapOvr>
+</p:sld>
+</file>
+
+<file path=ppt/slides/slide6.xml><?xml version="1.0" encoding="utf-8"?>
+<p:sld xmlns:a="http://schemas.openxmlformats.org/drawingml/2006/main" xmlns:r="http://schemas.openxmlformats.org/officeDocument/2006/relationships" xmlns:p="http://schemas.openxmlformats.org/presentationml/2006/main">
+  <p:cSld>
+    <p:spTree>
+      <p:nvGrpSpPr>
+        <p:cNvPr id="1" name="">
+          <a:extLst>
+            <a:ext uri="{FF2B5EF4-FFF2-40B4-BE49-F238E27FC236}">
+              <a16:creationId xmlns:a16="http://schemas.microsoft.com/office/drawing/2014/main" id="{D30F507F-B2CB-2AFA-B49A-8B722368D932}"/>
+            </a:ext>
+          </a:extLst>
+        </p:cNvPr>
+        <p:cNvGrpSpPr/>
+        <p:nvPr/>
+      </p:nvGrpSpPr>
+      <p:grpSpPr>
+        <a:xfrm>
+          <a:off x="0" y="0"/>
+          <a:ext cx="0" cy="0"/>
+          <a:chOff x="0" y="0"/>
+          <a:chExt cx="0" cy="0"/>
+        </a:xfrm>
+      </p:grpSpPr>
+      <p:sp>
+        <p:nvSpPr>
+          <p:cNvPr id="2" name="Título 1">
+            <a:extLst>
+              <a:ext uri="{FF2B5EF4-FFF2-40B4-BE49-F238E27FC236}">
+                <a16:creationId xmlns:a16="http://schemas.microsoft.com/office/drawing/2014/main" id="{171E1F35-31AD-CE12-9E65-D61C012C3CF2}"/>
+              </a:ext>
+            </a:extLst>
+          </p:cNvPr>
+          <p:cNvSpPr>
+            <a:spLocks noGrp="1"/>
+          </p:cNvSpPr>
+          <p:nvPr>
+            <p:ph type="title"/>
+          </p:nvPr>
+        </p:nvSpPr>
+        <p:spPr/>
+        <p:txBody>
+          <a:bodyPr rtlCol="0"/>
+          <a:lstStyle/>
+          <a:p>
+            <a:r>
+              <a:rPr lang="es-PE" b="1" dirty="0"/>
+              <a:t>Demo: Aplicación AWS-</a:t>
+            </a:r>
+            <a:r>
+              <a:rPr lang="es-PE" b="1" dirty="0" err="1"/>
+              <a:t>Confluent</a:t>
+            </a:r>
+            <a:endParaRPr lang="es-PE" b="1" dirty="0"/>
+          </a:p>
+        </p:txBody>
+      </p:sp>
+      <p:sp>
+        <p:nvSpPr>
+          <p:cNvPr id="4" name="Marcador de contenido 3">
+            <a:extLst>
+              <a:ext uri="{FF2B5EF4-FFF2-40B4-BE49-F238E27FC236}">
+                <a16:creationId xmlns:a16="http://schemas.microsoft.com/office/drawing/2014/main" id="{B1AAA8FB-D8F2-5C8B-7CA9-17D32BCB09BF}"/>
+              </a:ext>
+            </a:extLst>
+          </p:cNvPr>
+          <p:cNvSpPr>
+            <a:spLocks noGrp="1"/>
+          </p:cNvSpPr>
+          <p:nvPr>
+            <p:ph sz="half" idx="1"/>
+          </p:nvPr>
+        </p:nvSpPr>
+        <p:spPr>
+          <a:xfrm>
+            <a:off x="581193" y="2237836"/>
+            <a:ext cx="11029616" cy="1911378"/>
+          </a:xfrm>
+        </p:spPr>
+        <p:txBody>
+          <a:bodyPr/>
+          <a:lstStyle/>
+          <a:p>
+            <a:pPr marL="0" indent="0">
+              <a:buNone/>
+            </a:pPr>
+            <a:r>
+              <a:rPr lang="es-PE" sz="2000" b="1" dirty="0"/>
+              <a:t>Objetivo de la Demo</a:t>
+            </a:r>
+          </a:p>
+          <a:p>
+            <a:r>
+              <a:rPr lang="es-ES" dirty="0"/>
+              <a:t>Demostrar cómo </a:t>
+            </a:r>
+            <a:r>
+              <a:rPr lang="es-ES" b="1" dirty="0" err="1"/>
+              <a:t>Confluent</a:t>
+            </a:r>
+            <a:r>
+              <a:rPr lang="es-ES" b="1" dirty="0"/>
+              <a:t> Cloud</a:t>
+            </a:r>
+            <a:r>
+              <a:rPr lang="es-ES" dirty="0"/>
+              <a:t> se integra con </a:t>
+            </a:r>
+            <a:r>
+              <a:rPr lang="es-ES" b="1" dirty="0"/>
+              <a:t>AWS</a:t>
+            </a:r>
+            <a:r>
+              <a:rPr lang="es-ES" dirty="0"/>
+              <a:t> para crear una solución completa de </a:t>
+            </a:r>
+            <a:r>
+              <a:rPr lang="es-ES" dirty="0" err="1"/>
+              <a:t>streaming</a:t>
+            </a:r>
+            <a:r>
+              <a:rPr lang="es-ES" dirty="0"/>
+              <a:t> de datos que procesa eventos en tiempo real.</a:t>
+            </a:r>
+            <a:endParaRPr lang="es-PE" dirty="0"/>
+          </a:p>
+        </p:txBody>
+      </p:sp>
+    </p:spTree>
+    <p:extLst>
+      <p:ext uri="{BB962C8B-B14F-4D97-AF65-F5344CB8AC3E}">
+        <p14:creationId xmlns:p14="http://schemas.microsoft.com/office/powerpoint/2010/main" val="3566183588"/>
+      </p:ext>
+    </p:extLst>
+  </p:cSld>
+  <p:clrMapOvr>
+    <a:masterClrMapping/>
+  </p:clrMapOvr>
+</p:sld>
+</file>
+
+<file path=ppt/slides/slide7.xml><?xml version="1.0" encoding="utf-8"?>
+<p:sld xmlns:a="http://schemas.openxmlformats.org/drawingml/2006/main" xmlns:r="http://schemas.openxmlformats.org/officeDocument/2006/relationships" xmlns:p="http://schemas.openxmlformats.org/presentationml/2006/main">
+  <p:cSld>
+    <p:spTree>
+      <p:nvGrpSpPr>
+        <p:cNvPr id="1" name="">
+          <a:extLst>
+            <a:ext uri="{FF2B5EF4-FFF2-40B4-BE49-F238E27FC236}">
+              <a16:creationId xmlns:a16="http://schemas.microsoft.com/office/drawing/2014/main" id="{160B6C28-9BD1-9F2E-DA2E-2DE458ABC4E7}"/>
+            </a:ext>
+          </a:extLst>
+        </p:cNvPr>
+        <p:cNvGrpSpPr/>
+        <p:nvPr/>
+      </p:nvGrpSpPr>
+      <p:grpSpPr>
+        <a:xfrm>
+          <a:off x="0" y="0"/>
+          <a:ext cx="0" cy="0"/>
+          <a:chOff x="0" y="0"/>
+          <a:chExt cx="0" cy="0"/>
+        </a:xfrm>
+      </p:grpSpPr>
+      <p:sp>
+        <p:nvSpPr>
+          <p:cNvPr id="2" name="Título 1">
+            <a:extLst>
+              <a:ext uri="{FF2B5EF4-FFF2-40B4-BE49-F238E27FC236}">
+                <a16:creationId xmlns:a16="http://schemas.microsoft.com/office/drawing/2014/main" id="{D46AAEEF-DC9B-1BA0-699F-BDC8EE2597F7}"/>
+              </a:ext>
+            </a:extLst>
+          </p:cNvPr>
+          <p:cNvSpPr>
+            <a:spLocks noGrp="1"/>
+          </p:cNvSpPr>
+          <p:nvPr>
+            <p:ph type="title"/>
+          </p:nvPr>
+        </p:nvSpPr>
+        <p:spPr/>
+        <p:txBody>
+          <a:bodyPr rtlCol="0"/>
+          <a:lstStyle/>
+          <a:p>
+            <a:r>
+              <a:rPr lang="es-PE" b="1" dirty="0"/>
+              <a:t>Flujo de la Demo</a:t>
+            </a:r>
+          </a:p>
+        </p:txBody>
+      </p:sp>
+      <p:sp>
+        <p:nvSpPr>
+          <p:cNvPr id="4" name="Marcador de contenido 3">
+            <a:extLst>
+              <a:ext uri="{FF2B5EF4-FFF2-40B4-BE49-F238E27FC236}">
+                <a16:creationId xmlns:a16="http://schemas.microsoft.com/office/drawing/2014/main" id="{4D5A9877-E82D-866B-C924-6B65579DF15F}"/>
+              </a:ext>
+            </a:extLst>
+          </p:cNvPr>
+          <p:cNvSpPr>
+            <a:spLocks noGrp="1"/>
+          </p:cNvSpPr>
+          <p:nvPr>
+            <p:ph sz="half" idx="1"/>
+          </p:nvPr>
+        </p:nvSpPr>
+        <p:spPr>
+          <a:xfrm>
+            <a:off x="581193" y="2237836"/>
+            <a:ext cx="11029616" cy="3769674"/>
+          </a:xfrm>
+        </p:spPr>
+        <p:txBody>
+          <a:bodyPr>
+            <a:normAutofit/>
+          </a:bodyPr>
+          <a:lstStyle/>
+          <a:p>
+            <a:pPr marL="0" indent="0">
+              <a:buNone/>
+            </a:pPr>
+            <a:r>
+              <a:rPr lang="es-ES" b="1" dirty="0"/>
+              <a:t>Paso 1: Generación de Eventos</a:t>
+            </a:r>
+          </a:p>
+          <a:p>
+            <a:r>
+              <a:rPr lang="es-ES" b="1" dirty="0"/>
+              <a:t>Qué hacemos</a:t>
+            </a:r>
+            <a:r>
+              <a:rPr lang="es-ES" dirty="0"/>
+              <a:t>: Simulamos eventos</a:t>
+            </a:r>
+          </a:p>
+          <a:p>
+            <a:r>
+              <a:rPr lang="es-ES" b="1" dirty="0"/>
+              <a:t>Herramienta</a:t>
+            </a:r>
+            <a:r>
+              <a:rPr lang="es-ES" dirty="0"/>
+              <a:t>: Script Python (Producer)</a:t>
+            </a:r>
+          </a:p>
+          <a:p>
+            <a:r>
+              <a:rPr lang="es-ES" b="1" dirty="0"/>
+              <a:t>Datos</a:t>
+            </a:r>
+            <a:r>
+              <a:rPr lang="es-ES" dirty="0"/>
+              <a:t>: JSON </a:t>
+            </a:r>
+          </a:p>
+          <a:p>
+            <a:r>
+              <a:rPr lang="en-US" b="1" dirty="0"/>
+              <a:t>Paso 2: Streaming en Confluent Cloud</a:t>
+            </a:r>
+          </a:p>
+          <a:p>
+            <a:r>
+              <a:rPr lang="es-ES" b="1" dirty="0"/>
+              <a:t>Qué hacemos</a:t>
+            </a:r>
+            <a:r>
+              <a:rPr lang="es-ES" dirty="0"/>
+              <a:t>: Los eventos se envían a </a:t>
+            </a:r>
+            <a:r>
+              <a:rPr lang="es-ES" dirty="0" err="1"/>
+              <a:t>topics</a:t>
+            </a:r>
+            <a:r>
+              <a:rPr lang="es-ES" dirty="0"/>
+              <a:t>(1 en este caso) específicos en </a:t>
+            </a:r>
+            <a:r>
+              <a:rPr lang="es-ES" dirty="0" err="1"/>
+              <a:t>Confluent</a:t>
+            </a:r>
+            <a:r>
+              <a:rPr lang="es-ES" dirty="0"/>
+              <a:t> Cloud</a:t>
+            </a:r>
+          </a:p>
+          <a:p>
+            <a:r>
+              <a:rPr lang="es-ES" b="1" dirty="0"/>
+              <a:t>Visualización: </a:t>
+            </a:r>
+            <a:r>
+              <a:rPr lang="es-ES" dirty="0" err="1"/>
+              <a:t>Confluent</a:t>
+            </a:r>
+            <a:r>
+              <a:rPr lang="es-ES" dirty="0"/>
+              <a:t> Cloud </a:t>
+            </a:r>
+            <a:r>
+              <a:rPr lang="es-ES" dirty="0" err="1"/>
+              <a:t>Console</a:t>
+            </a:r>
+            <a:r>
+              <a:rPr lang="es-ES" dirty="0"/>
+              <a:t> mostrando mensajes en tiempo real</a:t>
+            </a:r>
+          </a:p>
+        </p:txBody>
+      </p:sp>
+    </p:spTree>
+    <p:extLst>
+      <p:ext uri="{BB962C8B-B14F-4D97-AF65-F5344CB8AC3E}">
+        <p14:creationId xmlns:p14="http://schemas.microsoft.com/office/powerpoint/2010/main" val="3043210371"/>
+      </p:ext>
+    </p:extLst>
+  </p:cSld>
+  <p:clrMapOvr>
+    <a:masterClrMapping/>
+  </p:clrMapOvr>
+</p:sld>
+</file>
+
+<file path=ppt/slides/slide8.xml><?xml version="1.0" encoding="utf-8"?>
+<p:sld xmlns:a="http://schemas.openxmlformats.org/drawingml/2006/main" xmlns:r="http://schemas.openxmlformats.org/officeDocument/2006/relationships" xmlns:p="http://schemas.openxmlformats.org/presentationml/2006/main">
+  <p:cSld>
+    <p:spTree>
+      <p:nvGrpSpPr>
+        <p:cNvPr id="1" name="">
+          <a:extLst>
+            <a:ext uri="{FF2B5EF4-FFF2-40B4-BE49-F238E27FC236}">
+              <a16:creationId xmlns:a16="http://schemas.microsoft.com/office/drawing/2014/main" id="{D2540FFE-AB83-47A4-0D2B-64857F3BDE40}"/>
+            </a:ext>
+          </a:extLst>
+        </p:cNvPr>
+        <p:cNvGrpSpPr/>
+        <p:nvPr/>
+      </p:nvGrpSpPr>
+      <p:grpSpPr>
+        <a:xfrm>
+          <a:off x="0" y="0"/>
+          <a:ext cx="0" cy="0"/>
+          <a:chOff x="0" y="0"/>
+          <a:chExt cx="0" cy="0"/>
+        </a:xfrm>
+      </p:grpSpPr>
+      <p:sp>
+        <p:nvSpPr>
+          <p:cNvPr id="2" name="Título 1">
+            <a:extLst>
+              <a:ext uri="{FF2B5EF4-FFF2-40B4-BE49-F238E27FC236}">
+                <a16:creationId xmlns:a16="http://schemas.microsoft.com/office/drawing/2014/main" id="{D0D2D08A-1EB5-03BA-0424-239D471D1846}"/>
+              </a:ext>
+            </a:extLst>
+          </p:cNvPr>
+          <p:cNvSpPr>
+            <a:spLocks noGrp="1"/>
+          </p:cNvSpPr>
+          <p:nvPr>
+            <p:ph type="title"/>
+          </p:nvPr>
+        </p:nvSpPr>
+        <p:spPr/>
+        <p:txBody>
+          <a:bodyPr rtlCol="0"/>
+          <a:lstStyle/>
+          <a:p>
+            <a:r>
+              <a:rPr lang="es-PE" b="1" dirty="0"/>
+              <a:t>Flujo de la Demo</a:t>
+            </a:r>
+          </a:p>
+        </p:txBody>
+      </p:sp>
+      <p:sp>
+        <p:nvSpPr>
+          <p:cNvPr id="4" name="Marcador de contenido 3">
+            <a:extLst>
+              <a:ext uri="{FF2B5EF4-FFF2-40B4-BE49-F238E27FC236}">
+                <a16:creationId xmlns:a16="http://schemas.microsoft.com/office/drawing/2014/main" id="{63592807-91BC-1529-C674-AB47DF7971CF}"/>
+              </a:ext>
+            </a:extLst>
+          </p:cNvPr>
+          <p:cNvSpPr>
+            <a:spLocks noGrp="1"/>
+          </p:cNvSpPr>
+          <p:nvPr>
+            <p:ph sz="half" idx="1"/>
+          </p:nvPr>
+        </p:nvSpPr>
+        <p:spPr>
+          <a:xfrm>
+            <a:off x="581193" y="2237836"/>
+            <a:ext cx="11029616" cy="3769674"/>
+          </a:xfrm>
+        </p:spPr>
+        <p:txBody>
+          <a:bodyPr>
+            <a:normAutofit/>
+          </a:bodyPr>
+          <a:lstStyle/>
+          <a:p>
+            <a:pPr marL="0" indent="0">
+              <a:buNone/>
+            </a:pPr>
+            <a:r>
+              <a:rPr lang="es-ES" b="1" dirty="0"/>
+              <a:t>Paso 3: Procesamiento y Almacenamiento en AWS</a:t>
+            </a:r>
+          </a:p>
+          <a:p>
+            <a:r>
+              <a:rPr lang="es-ES" b="1" dirty="0"/>
+              <a:t>Qué hacemos:</a:t>
+            </a:r>
+            <a:r>
+              <a:rPr lang="es-ES" dirty="0"/>
+              <a:t> Un consumidor lee los eventos y los procesa</a:t>
+            </a:r>
+          </a:p>
+          <a:p>
+            <a:r>
+              <a:rPr lang="es-ES" b="1" dirty="0"/>
+              <a:t>AWS S3: </a:t>
+            </a:r>
+            <a:r>
+              <a:rPr lang="es-ES" dirty="0"/>
+              <a:t>Almacena datos para análisis histórico</a:t>
+            </a:r>
+          </a:p>
+          <a:p>
+            <a:r>
+              <a:rPr lang="es-ES" b="1" dirty="0" err="1"/>
+              <a:t>CloudWatch</a:t>
+            </a:r>
+            <a:r>
+              <a:rPr lang="es-ES" b="1" dirty="0"/>
+              <a:t>: </a:t>
+            </a:r>
+            <a:r>
+              <a:rPr lang="es-ES" dirty="0"/>
+              <a:t>Monitorea métricas y logs en tiempo real</a:t>
+            </a:r>
+          </a:p>
+          <a:p>
+            <a:pPr marL="0" indent="0">
+              <a:buNone/>
+            </a:pPr>
+            <a:r>
+              <a:rPr lang="es-ES" b="1" dirty="0"/>
+              <a:t>Paso 4: Monitoreo y Alertas</a:t>
+            </a:r>
+          </a:p>
+          <a:p>
+            <a:r>
+              <a:rPr lang="es-ES" b="1" dirty="0"/>
+              <a:t>Métricas: </a:t>
+            </a:r>
+            <a:r>
+              <a:rPr lang="es-ES" dirty="0"/>
+              <a:t>Número de eventos procesados, latencia, errores</a:t>
+            </a:r>
+          </a:p>
+          <a:p>
+            <a:r>
+              <a:rPr lang="es-ES" b="1" dirty="0"/>
+              <a:t>Alertas: </a:t>
+            </a:r>
+            <a:r>
+              <a:rPr lang="es-ES" dirty="0"/>
+              <a:t>Notificaciones automáticas por eventos críticos</a:t>
+            </a:r>
+          </a:p>
+        </p:txBody>
+      </p:sp>
+    </p:spTree>
+    <p:extLst>
+      <p:ext uri="{BB962C8B-B14F-4D97-AF65-F5344CB8AC3E}">
+        <p14:creationId xmlns:p14="http://schemas.microsoft.com/office/powerpoint/2010/main" val="2519522847"/>
+      </p:ext>
+    </p:extLst>
+  </p:cSld>
+  <p:clrMapOvr>
+    <a:masterClrMapping/>
+  </p:clrMapOvr>
+</p:sld>
+</file>
+
+<file path=ppt/slides/slide9.xml><?xml version="1.0" encoding="utf-8"?>
+<p:sld xmlns:a="http://schemas.openxmlformats.org/drawingml/2006/main" xmlns:r="http://schemas.openxmlformats.org/officeDocument/2006/relationships" xmlns:p="http://schemas.openxmlformats.org/presentationml/2006/main">
+  <p:cSld>
+    <p:spTree>
+      <p:nvGrpSpPr>
+        <p:cNvPr id="1" name="">
+          <a:extLst>
+            <a:ext uri="{FF2B5EF4-FFF2-40B4-BE49-F238E27FC236}">
+              <a16:creationId xmlns:a16="http://schemas.microsoft.com/office/drawing/2014/main" id="{4BE7FF5F-BB26-0B31-95EC-7628A822F154}"/>
+            </a:ext>
+          </a:extLst>
+        </p:cNvPr>
+        <p:cNvGrpSpPr/>
+        <p:nvPr/>
+      </p:nvGrpSpPr>
+      <p:grpSpPr>
+        <a:xfrm>
+          <a:off x="0" y="0"/>
+          <a:ext cx="0" cy="0"/>
+          <a:chOff x="0" y="0"/>
+          <a:chExt cx="0" cy="0"/>
+        </a:xfrm>
+      </p:grpSpPr>
+      <p:sp>
+        <p:nvSpPr>
+          <p:cNvPr id="2" name="Título 1">
+            <a:extLst>
+              <a:ext uri="{FF2B5EF4-FFF2-40B4-BE49-F238E27FC236}">
+                <a16:creationId xmlns:a16="http://schemas.microsoft.com/office/drawing/2014/main" id="{704933EC-A586-3A1A-D266-9C69F7695EAB}"/>
+              </a:ext>
+            </a:extLst>
+          </p:cNvPr>
+          <p:cNvSpPr>
+            <a:spLocks noGrp="1"/>
+          </p:cNvSpPr>
+          <p:nvPr>
+            <p:ph type="title"/>
+          </p:nvPr>
+        </p:nvSpPr>
+        <p:spPr/>
+        <p:txBody>
+          <a:bodyPr rtlCol="0"/>
+          <a:lstStyle/>
+          <a:p>
+            <a:r>
+              <a:rPr lang="es-PE" b="1" dirty="0"/>
+              <a:t>Conclusiones</a:t>
+            </a:r>
+          </a:p>
+        </p:txBody>
+      </p:sp>
+      <p:sp>
+        <p:nvSpPr>
+          <p:cNvPr id="4" name="Marcador de contenido 3">
+            <a:extLst>
+              <a:ext uri="{FF2B5EF4-FFF2-40B4-BE49-F238E27FC236}">
+                <a16:creationId xmlns:a16="http://schemas.microsoft.com/office/drawing/2014/main" id="{C79A4AE8-3CEC-86B2-095B-7CED54226EB6}"/>
+              </a:ext>
+            </a:extLst>
+          </p:cNvPr>
+          <p:cNvSpPr>
+            <a:spLocks noGrp="1"/>
+          </p:cNvSpPr>
+          <p:nvPr>
+            <p:ph sz="half" idx="1"/>
+          </p:nvPr>
+        </p:nvSpPr>
+        <p:spPr>
+          <a:xfrm>
+            <a:off x="581193" y="2237836"/>
+            <a:ext cx="11029616" cy="3769674"/>
+          </a:xfrm>
+        </p:spPr>
+        <p:txBody>
+          <a:bodyPr>
+            <a:normAutofit/>
+          </a:bodyPr>
+          <a:lstStyle/>
+          <a:p>
+            <a:r>
+              <a:rPr lang="es-PE" dirty="0"/>
+              <a:t>Lograr integrar servicios gestionados de </a:t>
+            </a:r>
+            <a:r>
+              <a:rPr lang="es-PE" dirty="0" err="1"/>
+              <a:t>Confluent</a:t>
+            </a:r>
+            <a:r>
+              <a:rPr lang="es-PE" dirty="0"/>
+              <a:t> Cloud (Kafka) y AWS (S3, </a:t>
+            </a:r>
+            <a:r>
+              <a:rPr lang="es-PE" dirty="0" err="1"/>
+              <a:t>CloudWatch</a:t>
+            </a:r>
+            <a:r>
+              <a:rPr lang="es-PE" dirty="0"/>
+              <a:t>) usando Python.</a:t>
+            </a:r>
+          </a:p>
+          <a:p>
+            <a:r>
+              <a:rPr lang="es-ES" dirty="0"/>
+              <a:t>Los productores envían eventos a Kafka, los consumidores procesan esos eventos y los almacenan en AWS S3 y registran logs en </a:t>
+            </a:r>
+            <a:r>
+              <a:rPr lang="es-ES" dirty="0" err="1"/>
+              <a:t>CloudWatch</a:t>
+            </a:r>
+            <a:r>
+              <a:rPr lang="es-ES" dirty="0"/>
+              <a:t>.</a:t>
+            </a:r>
+          </a:p>
+          <a:p>
+            <a:r>
+              <a:rPr lang="es-ES" dirty="0"/>
+              <a:t>El uso de variables de entorno y scripts bien estructurados facilita la portabilidad y la seguridad de credenciales</a:t>
+            </a:r>
+          </a:p>
+          <a:p>
+            <a:r>
+              <a:rPr lang="es-ES" dirty="0"/>
+              <a:t>Las pruebas automáticas validan la conectividad y el funcionamiento de todos los componentes.</a:t>
+            </a:r>
+          </a:p>
+        </p:txBody>
+      </p:sp>
+    </p:spTree>
+    <p:extLst>
+      <p:ext uri="{BB962C8B-B14F-4D97-AF65-F5344CB8AC3E}">
+        <p14:creationId xmlns:p14="http://schemas.microsoft.com/office/powerpoint/2010/main" val="267966677"/>
       </p:ext>
     </p:extLst>
   </p:cSld>
